--- a/project1.pptx
+++ b/project1.pptx
@@ -1,23 +1,39 @@
 
 <file path=ppt/presentation.xml><?xml version="1.0" encoding="utf-8"?>
-<p:presentation xmlns:a="http://schemas.openxmlformats.org/drawingml/2006/main" xmlns:r="http://schemas.openxmlformats.org/officeDocument/2006/relationships" xmlns:p="http://schemas.openxmlformats.org/presentationml/2006/main" strictFirstAndLastChars="0" embedTrueTypeFonts="1" saveSubsetFonts="1" autoCompressPictures="0">
+<p:presentation xmlns:a="http://schemas.openxmlformats.org/drawingml/2006/main" xmlns:r="http://schemas.openxmlformats.org/officeDocument/2006/relationships" xmlns:mc="http://schemas.openxmlformats.org/markup-compatibility/2006" xmlns:mv="urn:schemas-microsoft-com:mac:vml" xmlns:p="http://schemas.openxmlformats.org/presentationml/2006/main" xmlns:c="http://schemas.openxmlformats.org/drawingml/2006/chart" xmlns:dgm="http://schemas.openxmlformats.org/drawingml/2006/diagram" xmlns:o="urn:schemas-microsoft-com:office:office" xmlns:v="urn:schemas-microsoft-com:vml" xmlns:pvml="urn:schemas-microsoft-com:office:powerpoint" xmlns:com="http://schemas.openxmlformats.org/drawingml/2006/compatibility" xmlns:p14="http://schemas.microsoft.com/office/powerpoint/2010/main" xmlns:p15="http://schemas.microsoft.com/office/powerpoint/2012/main" autoCompressPictures="0" embedTrueTypeFonts="1" strictFirstAndLastChars="0" saveSubsetFonts="1">
   <p:sldMasterIdLst>
-    <p:sldMasterId id="2147483659" r:id="rId1"/>
+    <p:sldMasterId id="2147483659" r:id="rId3"/>
   </p:sldMasterIdLst>
   <p:notesMasterIdLst>
-    <p:notesMasterId r:id="rId7"/>
+    <p:notesMasterId r:id="rId4"/>
   </p:notesMasterIdLst>
   <p:sldIdLst>
-    <p:sldId id="256" r:id="rId2"/>
-    <p:sldId id="257" r:id="rId3"/>
-    <p:sldId id="258" r:id="rId4"/>
-    <p:sldId id="259" r:id="rId5"/>
-    <p:sldId id="260" r:id="rId6"/>
+    <p:sldId id="256" r:id="rId5"/>
+    <p:sldId id="257" r:id="rId6"/>
+    <p:sldId id="258" r:id="rId7"/>
+    <p:sldId id="259" r:id="rId8"/>
+    <p:sldId id="260" r:id="rId9"/>
   </p:sldIdLst>
-  <p:sldSz cx="9144000" cy="5143500" type="screen16x9"/>
+  <p:sldSz cy="5143500" cx="9144000"/>
   <p:notesSz cx="6858000" cy="9144000"/>
+  <p:embeddedFontLst>
+    <p:embeddedFont>
+      <p:font typeface="Montserrat"/>
+      <p:regular r:id="rId10"/>
+      <p:bold r:id="rId11"/>
+      <p:italic r:id="rId12"/>
+      <p:boldItalic r:id="rId13"/>
+    </p:embeddedFont>
+    <p:embeddedFont>
+      <p:font typeface="Lato"/>
+      <p:regular r:id="rId14"/>
+      <p:bold r:id="rId15"/>
+      <p:italic r:id="rId16"/>
+      <p:boldItalic r:id="rId17"/>
+    </p:embeddedFont>
+  </p:embeddedFontLst>
   <p:defaultTextStyle>
-    <a:defPPr marR="0" lvl="0" algn="l" rtl="0">
+    <a:defPPr lvl="0" marR="0" rtl="0" algn="l">
       <a:lnSpc>
         <a:spcPct val="100000"/>
       </a:lnSpc>
@@ -28,7 +44,7 @@
         <a:spcPts val="0"/>
       </a:spcAft>
     </a:defPPr>
-    <a:lvl1pPr marR="0" lvl="0" algn="l" rtl="0">
+    <a:lvl1pPr lvl="0" marR="0" rtl="0" algn="l">
       <a:lnSpc>
         <a:spcPct val="100000"/>
       </a:lnSpc>
@@ -39,7 +55,7 @@
         <a:spcPts val="0"/>
       </a:spcAft>
       <a:buNone/>
-      <a:defRPr sz="1400" b="0" i="0" u="none" strike="noStrike" cap="none">
+      <a:defRPr b="0" i="0" sz="1400" u="none" cap="none" strike="noStrike">
         <a:solidFill>
           <a:srgbClr val="000000"/>
         </a:solidFill>
@@ -49,7 +65,7 @@
         <a:sym typeface="Arial"/>
       </a:defRPr>
     </a:lvl1pPr>
-    <a:lvl2pPr marR="0" lvl="1" algn="l" rtl="0">
+    <a:lvl2pPr lvl="1" marR="0" rtl="0" algn="l">
       <a:lnSpc>
         <a:spcPct val="100000"/>
       </a:lnSpc>
@@ -60,7 +76,7 @@
         <a:spcPts val="0"/>
       </a:spcAft>
       <a:buNone/>
-      <a:defRPr sz="1400" b="0" i="0" u="none" strike="noStrike" cap="none">
+      <a:defRPr b="0" i="0" sz="1400" u="none" cap="none" strike="noStrike">
         <a:solidFill>
           <a:srgbClr val="000000"/>
         </a:solidFill>
@@ -70,7 +86,7 @@
         <a:sym typeface="Arial"/>
       </a:defRPr>
     </a:lvl2pPr>
-    <a:lvl3pPr marR="0" lvl="2" algn="l" rtl="0">
+    <a:lvl3pPr lvl="2" marR="0" rtl="0" algn="l">
       <a:lnSpc>
         <a:spcPct val="100000"/>
       </a:lnSpc>
@@ -81,7 +97,7 @@
         <a:spcPts val="0"/>
       </a:spcAft>
       <a:buNone/>
-      <a:defRPr sz="1400" b="0" i="0" u="none" strike="noStrike" cap="none">
+      <a:defRPr b="0" i="0" sz="1400" u="none" cap="none" strike="noStrike">
         <a:solidFill>
           <a:srgbClr val="000000"/>
         </a:solidFill>
@@ -91,7 +107,7 @@
         <a:sym typeface="Arial"/>
       </a:defRPr>
     </a:lvl3pPr>
-    <a:lvl4pPr marR="0" lvl="3" algn="l" rtl="0">
+    <a:lvl4pPr lvl="3" marR="0" rtl="0" algn="l">
       <a:lnSpc>
         <a:spcPct val="100000"/>
       </a:lnSpc>
@@ -102,7 +118,7 @@
         <a:spcPts val="0"/>
       </a:spcAft>
       <a:buNone/>
-      <a:defRPr sz="1400" b="0" i="0" u="none" strike="noStrike" cap="none">
+      <a:defRPr b="0" i="0" sz="1400" u="none" cap="none" strike="noStrike">
         <a:solidFill>
           <a:srgbClr val="000000"/>
         </a:solidFill>
@@ -112,7 +128,7 @@
         <a:sym typeface="Arial"/>
       </a:defRPr>
     </a:lvl4pPr>
-    <a:lvl5pPr marR="0" lvl="4" algn="l" rtl="0">
+    <a:lvl5pPr lvl="4" marR="0" rtl="0" algn="l">
       <a:lnSpc>
         <a:spcPct val="100000"/>
       </a:lnSpc>
@@ -123,7 +139,7 @@
         <a:spcPts val="0"/>
       </a:spcAft>
       <a:buNone/>
-      <a:defRPr sz="1400" b="0" i="0" u="none" strike="noStrike" cap="none">
+      <a:defRPr b="0" i="0" sz="1400" u="none" cap="none" strike="noStrike">
         <a:solidFill>
           <a:srgbClr val="000000"/>
         </a:solidFill>
@@ -133,7 +149,7 @@
         <a:sym typeface="Arial"/>
       </a:defRPr>
     </a:lvl5pPr>
-    <a:lvl6pPr marR="0" lvl="5" algn="l" rtl="0">
+    <a:lvl6pPr lvl="5" marR="0" rtl="0" algn="l">
       <a:lnSpc>
         <a:spcPct val="100000"/>
       </a:lnSpc>
@@ -144,7 +160,7 @@
         <a:spcPts val="0"/>
       </a:spcAft>
       <a:buNone/>
-      <a:defRPr sz="1400" b="0" i="0" u="none" strike="noStrike" cap="none">
+      <a:defRPr b="0" i="0" sz="1400" u="none" cap="none" strike="noStrike">
         <a:solidFill>
           <a:srgbClr val="000000"/>
         </a:solidFill>
@@ -154,7 +170,7 @@
         <a:sym typeface="Arial"/>
       </a:defRPr>
     </a:lvl6pPr>
-    <a:lvl7pPr marR="0" lvl="6" algn="l" rtl="0">
+    <a:lvl7pPr lvl="6" marR="0" rtl="0" algn="l">
       <a:lnSpc>
         <a:spcPct val="100000"/>
       </a:lnSpc>
@@ -165,7 +181,7 @@
         <a:spcPts val="0"/>
       </a:spcAft>
       <a:buNone/>
-      <a:defRPr sz="1400" b="0" i="0" u="none" strike="noStrike" cap="none">
+      <a:defRPr b="0" i="0" sz="1400" u="none" cap="none" strike="noStrike">
         <a:solidFill>
           <a:srgbClr val="000000"/>
         </a:solidFill>
@@ -175,7 +191,7 @@
         <a:sym typeface="Arial"/>
       </a:defRPr>
     </a:lvl7pPr>
-    <a:lvl8pPr marR="0" lvl="7" algn="l" rtl="0">
+    <a:lvl8pPr lvl="7" marR="0" rtl="0" algn="l">
       <a:lnSpc>
         <a:spcPct val="100000"/>
       </a:lnSpc>
@@ -186,7 +202,7 @@
         <a:spcPts val="0"/>
       </a:spcAft>
       <a:buNone/>
-      <a:defRPr sz="1400" b="0" i="0" u="none" strike="noStrike" cap="none">
+      <a:defRPr b="0" i="0" sz="1400" u="none" cap="none" strike="noStrike">
         <a:solidFill>
           <a:srgbClr val="000000"/>
         </a:solidFill>
@@ -196,7 +212,7 @@
         <a:sym typeface="Arial"/>
       </a:defRPr>
     </a:lvl8pPr>
-    <a:lvl9pPr marR="0" lvl="8" algn="l" rtl="0">
+    <a:lvl9pPr lvl="8" marR="0" rtl="0" algn="l">
       <a:lnSpc>
         <a:spcPct val="100000"/>
       </a:lnSpc>
@@ -207,7 +223,7 @@
         <a:spcPts val="0"/>
       </a:spcAft>
       <a:buNone/>
-      <a:defRPr sz="1400" b="0" i="0" u="none" strike="noStrike" cap="none">
+      <a:defRPr b="0" i="0" sz="1400" u="none" cap="none" strike="noStrike">
         <a:solidFill>
           <a:srgbClr val="000000"/>
         </a:solidFill>
@@ -222,16 +238,11 @@
 </file>
 
 <file path=ppt/notesMasters/notesMaster1.xml><?xml version="1.0" encoding="utf-8"?>
-<p:notesMaster xmlns:a="http://schemas.openxmlformats.org/drawingml/2006/main" xmlns:r="http://schemas.openxmlformats.org/officeDocument/2006/relationships" xmlns:p="http://schemas.openxmlformats.org/presentationml/2006/main">
+<p:notesMaster xmlns:a="http://schemas.openxmlformats.org/drawingml/2006/main" xmlns:r="http://schemas.openxmlformats.org/officeDocument/2006/relationships" xmlns:mc="http://schemas.openxmlformats.org/markup-compatibility/2006" xmlns:mv="urn:schemas-microsoft-com:mac:vml" xmlns:p="http://schemas.openxmlformats.org/presentationml/2006/main" xmlns:c="http://schemas.openxmlformats.org/drawingml/2006/chart" xmlns:dgm="http://schemas.openxmlformats.org/drawingml/2006/diagram" xmlns:o="urn:schemas-microsoft-com:office:office" xmlns:v="urn:schemas-microsoft-com:vml" xmlns:pvml="urn:schemas-microsoft-com:office:powerpoint" xmlns:com="http://schemas.openxmlformats.org/drawingml/2006/compatibility" xmlns:p14="http://schemas.microsoft.com/office/powerpoint/2010/main" xmlns:p15="http://schemas.microsoft.com/office/powerpoint/2012/main">
   <p:cSld>
-    <p:bg>
-      <p:bgRef idx="1001">
-        <a:schemeClr val="bg1"/>
-      </p:bgRef>
-    </p:bg>
     <p:spTree>
       <p:nvGrpSpPr>
-        <p:cNvPr id="1" name="Shape 2"/>
+        <p:cNvPr id="2" name="Shape 2"/>
         <p:cNvGrpSpPr/>
         <p:nvPr/>
       </p:nvGrpSpPr>
@@ -246,11 +257,9 @@
       <p:sp>
         <p:nvSpPr>
           <p:cNvPr id="3" name="Shape 3"/>
-          <p:cNvSpPr>
-            <a:spLocks noGrp="1" noRot="1" noChangeAspect="1"/>
-          </p:cNvSpPr>
+          <p:cNvSpPr/>
           <p:nvPr>
-            <p:ph type="sldImg" idx="2"/>
+            <p:ph idx="2" type="sldImg"/>
           </p:nvPr>
         </p:nvSpPr>
         <p:spPr>
@@ -259,13 +268,8 @@
             <a:ext cx="6096075" cy="3429000"/>
           </a:xfrm>
           <a:custGeom>
-            <a:avLst/>
-            <a:gdLst/>
-            <a:ahLst/>
-            <a:cxnLst/>
-            <a:rect l="0" t="0" r="0" b="0"/>
             <a:pathLst>
-              <a:path w="120000" h="120000" extrusionOk="0">
+              <a:path extrusionOk="0" h="120000" w="120000">
                 <a:moveTo>
                   <a:pt x="0" y="0"/>
                 </a:moveTo>
@@ -283,25 +287,23 @@
             </a:pathLst>
           </a:custGeom>
           <a:noFill/>
-          <a:ln w="9525" cap="flat" cmpd="sng">
+          <a:ln cap="flat" cmpd="sng" w="9525">
             <a:solidFill>
               <a:srgbClr val="000000"/>
             </a:solidFill>
             <a:prstDash val="solid"/>
             <a:round/>
-            <a:headEnd type="none" w="med" len="med"/>
-            <a:tailEnd type="none" w="med" len="med"/>
+            <a:headEnd len="med" w="med" type="none"/>
+            <a:tailEnd len="med" w="med" type="none"/>
           </a:ln>
         </p:spPr>
       </p:sp>
       <p:sp>
         <p:nvSpPr>
           <p:cNvPr id="4" name="Shape 4"/>
-          <p:cNvSpPr txBox="1">
-            <a:spLocks noGrp="1"/>
-          </p:cNvSpPr>
+          <p:cNvSpPr txBox="1"/>
           <p:nvPr>
-            <p:ph type="body" idx="1"/>
+            <p:ph idx="1" type="body"/>
           </p:nvPr>
         </p:nvSpPr>
         <p:spPr>
@@ -318,9 +320,9 @@
           </a:ln>
         </p:spPr>
         <p:txBody>
-          <a:bodyPr wrap="square" lIns="91425" tIns="91425" rIns="91425" bIns="91425" anchor="t" anchorCtr="0"/>
+          <a:bodyPr anchorCtr="0" anchor="t" bIns="91425" lIns="91425" rIns="91425" wrap="square" tIns="91425"/>
           <a:lstStyle>
-            <a:lvl1pPr marL="457200" lvl="0" indent="-298450">
+            <a:lvl1pPr indent="-298450" lvl="0" marL="457200">
               <a:spcBef>
                 <a:spcPts val="0"/>
               </a:spcBef>
@@ -331,7 +333,7 @@
               <a:buChar char="●"/>
               <a:defRPr sz="1100"/>
             </a:lvl1pPr>
-            <a:lvl2pPr marL="914400" lvl="1" indent="-298450">
+            <a:lvl2pPr indent="-298450" lvl="1" marL="914400">
               <a:spcBef>
                 <a:spcPts val="0"/>
               </a:spcBef>
@@ -342,7 +344,7 @@
               <a:buChar char="○"/>
               <a:defRPr sz="1100"/>
             </a:lvl2pPr>
-            <a:lvl3pPr marL="1371600" lvl="2" indent="-298450">
+            <a:lvl3pPr indent="-298450" lvl="2" marL="1371600">
               <a:spcBef>
                 <a:spcPts val="0"/>
               </a:spcBef>
@@ -353,7 +355,7 @@
               <a:buChar char="■"/>
               <a:defRPr sz="1100"/>
             </a:lvl3pPr>
-            <a:lvl4pPr marL="1828800" lvl="3" indent="-298450">
+            <a:lvl4pPr indent="-298450" lvl="3" marL="1828800">
               <a:spcBef>
                 <a:spcPts val="0"/>
               </a:spcBef>
@@ -364,7 +366,7 @@
               <a:buChar char="●"/>
               <a:defRPr sz="1100"/>
             </a:lvl4pPr>
-            <a:lvl5pPr marL="2286000" lvl="4" indent="-298450">
+            <a:lvl5pPr indent="-298450" lvl="4" marL="2286000">
               <a:spcBef>
                 <a:spcPts val="0"/>
               </a:spcBef>
@@ -375,7 +377,7 @@
               <a:buChar char="○"/>
               <a:defRPr sz="1100"/>
             </a:lvl5pPr>
-            <a:lvl6pPr marL="2743200" lvl="5" indent="-298450">
+            <a:lvl6pPr indent="-298450" lvl="5" marL="2743200">
               <a:spcBef>
                 <a:spcPts val="0"/>
               </a:spcBef>
@@ -386,7 +388,7 @@
               <a:buChar char="■"/>
               <a:defRPr sz="1100"/>
             </a:lvl6pPr>
-            <a:lvl7pPr marL="3200400" lvl="6" indent="-298450">
+            <a:lvl7pPr indent="-298450" lvl="6" marL="3200400">
               <a:spcBef>
                 <a:spcPts val="0"/>
               </a:spcBef>
@@ -397,7 +399,7 @@
               <a:buChar char="●"/>
               <a:defRPr sz="1100"/>
             </a:lvl7pPr>
-            <a:lvl8pPr marL="3657600" lvl="7" indent="-298450">
+            <a:lvl8pPr indent="-298450" lvl="7" marL="3657600">
               <a:spcBef>
                 <a:spcPts val="0"/>
               </a:spcBef>
@@ -408,7 +410,7 @@
               <a:buChar char="○"/>
               <a:defRPr sz="1100"/>
             </a:lvl8pPr>
-            <a:lvl9pPr marL="4114800" lvl="8" indent="-298450">
+            <a:lvl9pPr indent="-298450" lvl="8" marL="4114800">
               <a:spcBef>
                 <a:spcPts val="0"/>
               </a:spcBef>
@@ -420,120 +422,21 @@
               <a:defRPr sz="1100"/>
             </a:lvl9pPr>
           </a:lstStyle>
-          <a:p>
-            <a:endParaRPr/>
-          </a:p>
+          <a:p/>
         </p:txBody>
       </p:sp>
     </p:spTree>
-    <p:extLst>
-      <p:ext uri="{BB962C8B-B14F-4D97-AF65-F5344CB8AC3E}">
-        <p14:creationId xmlns:p14="http://schemas.microsoft.com/office/powerpoint/2010/main" val="1092716706"/>
-      </p:ext>
-    </p:extLst>
   </p:cSld>
-  <p:clrMap bg1="lt1" tx1="dk1" bg2="dk2" tx2="lt2" accent1="accent1" accent2="accent2" accent3="accent3" accent4="accent4" accent5="accent5" accent6="accent6" hlink="hlink" folHlink="folHlink"/>
-  <p:notesStyle>
-    <a:lvl1pPr marL="0" algn="l" defTabSz="457200" rtl="0" eaLnBrk="1" latinLnBrk="0" hangingPunct="1">
-      <a:defRPr sz="1200" kern="1200">
-        <a:solidFill>
-          <a:schemeClr val="tx1"/>
-        </a:solidFill>
-        <a:latin typeface="+mn-lt"/>
-        <a:ea typeface="+mn-ea"/>
-        <a:cs typeface="+mn-cs"/>
-      </a:defRPr>
-    </a:lvl1pPr>
-    <a:lvl2pPr marL="457200" algn="l" defTabSz="457200" rtl="0" eaLnBrk="1" latinLnBrk="0" hangingPunct="1">
-      <a:defRPr sz="1200" kern="1200">
-        <a:solidFill>
-          <a:schemeClr val="tx1"/>
-        </a:solidFill>
-        <a:latin typeface="+mn-lt"/>
-        <a:ea typeface="+mn-ea"/>
-        <a:cs typeface="+mn-cs"/>
-      </a:defRPr>
-    </a:lvl2pPr>
-    <a:lvl3pPr marL="914400" algn="l" defTabSz="457200" rtl="0" eaLnBrk="1" latinLnBrk="0" hangingPunct="1">
-      <a:defRPr sz="1200" kern="1200">
-        <a:solidFill>
-          <a:schemeClr val="tx1"/>
-        </a:solidFill>
-        <a:latin typeface="+mn-lt"/>
-        <a:ea typeface="+mn-ea"/>
-        <a:cs typeface="+mn-cs"/>
-      </a:defRPr>
-    </a:lvl3pPr>
-    <a:lvl4pPr marL="1371600" algn="l" defTabSz="457200" rtl="0" eaLnBrk="1" latinLnBrk="0" hangingPunct="1">
-      <a:defRPr sz="1200" kern="1200">
-        <a:solidFill>
-          <a:schemeClr val="tx1"/>
-        </a:solidFill>
-        <a:latin typeface="+mn-lt"/>
-        <a:ea typeface="+mn-ea"/>
-        <a:cs typeface="+mn-cs"/>
-      </a:defRPr>
-    </a:lvl4pPr>
-    <a:lvl5pPr marL="1828800" algn="l" defTabSz="457200" rtl="0" eaLnBrk="1" latinLnBrk="0" hangingPunct="1">
-      <a:defRPr sz="1200" kern="1200">
-        <a:solidFill>
-          <a:schemeClr val="tx1"/>
-        </a:solidFill>
-        <a:latin typeface="+mn-lt"/>
-        <a:ea typeface="+mn-ea"/>
-        <a:cs typeface="+mn-cs"/>
-      </a:defRPr>
-    </a:lvl5pPr>
-    <a:lvl6pPr marL="2286000" algn="l" defTabSz="457200" rtl="0" eaLnBrk="1" latinLnBrk="0" hangingPunct="1">
-      <a:defRPr sz="1200" kern="1200">
-        <a:solidFill>
-          <a:schemeClr val="tx1"/>
-        </a:solidFill>
-        <a:latin typeface="+mn-lt"/>
-        <a:ea typeface="+mn-ea"/>
-        <a:cs typeface="+mn-cs"/>
-      </a:defRPr>
-    </a:lvl6pPr>
-    <a:lvl7pPr marL="2743200" algn="l" defTabSz="457200" rtl="0" eaLnBrk="1" latinLnBrk="0" hangingPunct="1">
-      <a:defRPr sz="1200" kern="1200">
-        <a:solidFill>
-          <a:schemeClr val="tx1"/>
-        </a:solidFill>
-        <a:latin typeface="+mn-lt"/>
-        <a:ea typeface="+mn-ea"/>
-        <a:cs typeface="+mn-cs"/>
-      </a:defRPr>
-    </a:lvl7pPr>
-    <a:lvl8pPr marL="3200400" algn="l" defTabSz="457200" rtl="0" eaLnBrk="1" latinLnBrk="0" hangingPunct="1">
-      <a:defRPr sz="1200" kern="1200">
-        <a:solidFill>
-          <a:schemeClr val="tx1"/>
-        </a:solidFill>
-        <a:latin typeface="+mn-lt"/>
-        <a:ea typeface="+mn-ea"/>
-        <a:cs typeface="+mn-cs"/>
-      </a:defRPr>
-    </a:lvl8pPr>
-    <a:lvl9pPr marL="3657600" algn="l" defTabSz="457200" rtl="0" eaLnBrk="1" latinLnBrk="0" hangingPunct="1">
-      <a:defRPr sz="1200" kern="1200">
-        <a:solidFill>
-          <a:schemeClr val="tx1"/>
-        </a:solidFill>
-        <a:latin typeface="+mn-lt"/>
-        <a:ea typeface="+mn-ea"/>
-        <a:cs typeface="+mn-cs"/>
-      </a:defRPr>
-    </a:lvl9pPr>
-  </p:notesStyle>
+  <p:clrMap accent1="accent1" accent2="accent2" accent3="accent3" accent4="accent4" accent5="accent5" accent6="accent6" bg1="lt1" bg2="dk2" tx1="dk1" tx2="lt2" folHlink="folHlink" hlink="hlink"/>
 </p:notesMaster>
 </file>
 
 <file path=ppt/notesSlides/notesSlide1.xml><?xml version="1.0" encoding="utf-8"?>
-<p:notes xmlns:a="http://schemas.openxmlformats.org/drawingml/2006/main" xmlns:r="http://schemas.openxmlformats.org/officeDocument/2006/relationships" xmlns:p="http://schemas.openxmlformats.org/presentationml/2006/main" showMasterSp="0" showMasterPhAnim="0">
+<p:notes xmlns:a="http://schemas.openxmlformats.org/drawingml/2006/main" xmlns:r="http://schemas.openxmlformats.org/officeDocument/2006/relationships" xmlns:mc="http://schemas.openxmlformats.org/markup-compatibility/2006" xmlns:mv="urn:schemas-microsoft-com:mac:vml" xmlns:p="http://schemas.openxmlformats.org/presentationml/2006/main" xmlns:c="http://schemas.openxmlformats.org/drawingml/2006/chart" xmlns:dgm="http://schemas.openxmlformats.org/drawingml/2006/diagram" xmlns:o="urn:schemas-microsoft-com:office:office" xmlns:v="urn:schemas-microsoft-com:vml" xmlns:pvml="urn:schemas-microsoft-com:office:powerpoint" xmlns:com="http://schemas.openxmlformats.org/drawingml/2006/compatibility" xmlns:p14="http://schemas.microsoft.com/office/powerpoint/2010/main" xmlns:p15="http://schemas.microsoft.com/office/powerpoint/2012/main" showMasterPhAnim="0" showMasterSp="0">
   <p:cSld>
     <p:spTree>
       <p:nvGrpSpPr>
-        <p:cNvPr id="1" name="Shape 130"/>
+        <p:cNvPr id="130" name="Shape 130"/>
         <p:cNvGrpSpPr/>
         <p:nvPr/>
       </p:nvGrpSpPr>
@@ -548,26 +451,19 @@
       <p:sp>
         <p:nvSpPr>
           <p:cNvPr id="131" name="Shape 131"/>
-          <p:cNvSpPr>
-            <a:spLocks noGrp="1" noRot="1" noChangeAspect="1"/>
-          </p:cNvSpPr>
+          <p:cNvSpPr/>
           <p:nvPr>
-            <p:ph type="sldImg" idx="2"/>
+            <p:ph idx="2" type="sldImg"/>
           </p:nvPr>
         </p:nvSpPr>
         <p:spPr>
           <a:xfrm>
-            <a:off x="381000" y="685800"/>
-            <a:ext cx="6096000" cy="3429000"/>
+            <a:off x="381300" y="685800"/>
+            <a:ext cx="6096075" cy="3429000"/>
           </a:xfrm>
           <a:custGeom>
-            <a:avLst/>
-            <a:gdLst/>
-            <a:ahLst/>
-            <a:cxnLst/>
-            <a:rect l="0" t="0" r="0" b="0"/>
             <a:pathLst>
-              <a:path w="120000" h="120000" extrusionOk="0">
+              <a:path extrusionOk="0" h="120000" w="120000">
                 <a:moveTo>
                   <a:pt x="0" y="0"/>
                 </a:moveTo>
@@ -589,11 +485,9 @@
       <p:sp>
         <p:nvSpPr>
           <p:cNvPr id="132" name="Shape 132"/>
-          <p:cNvSpPr txBox="1">
-            <a:spLocks noGrp="1"/>
-          </p:cNvSpPr>
+          <p:cNvSpPr txBox="1"/>
           <p:nvPr>
-            <p:ph type="body" idx="1"/>
+            <p:ph idx="1" type="body"/>
           </p:nvPr>
         </p:nvSpPr>
         <p:spPr>
@@ -606,12 +500,12 @@
           </a:prstGeom>
         </p:spPr>
         <p:txBody>
-          <a:bodyPr wrap="square" lIns="91425" tIns="91425" rIns="91425" bIns="91425" anchor="t" anchorCtr="0">
+          <a:bodyPr anchorCtr="0" anchor="t" bIns="91425" lIns="91425" rIns="91425" wrap="square" tIns="91425">
             <a:noAutofit/>
           </a:bodyPr>
           <a:lstStyle/>
           <a:p>
-            <a:pPr marL="0" lvl="0" indent="0">
+            <a:pPr indent="0" lvl="0" marL="0">
               <a:spcBef>
                 <a:spcPts val="0"/>
               </a:spcBef>
@@ -620,6 +514,9 @@
               </a:spcAft>
               <a:buNone/>
             </a:pPr>
+            <a:r>
+              <a:t/>
+            </a:r>
             <a:endParaRPr/>
           </a:p>
         </p:txBody>
@@ -633,11 +530,11 @@
 </file>
 
 <file path=ppt/notesSlides/notesSlide2.xml><?xml version="1.0" encoding="utf-8"?>
-<p:notes xmlns:a="http://schemas.openxmlformats.org/drawingml/2006/main" xmlns:r="http://schemas.openxmlformats.org/officeDocument/2006/relationships" xmlns:p="http://schemas.openxmlformats.org/presentationml/2006/main" showMasterSp="0" showMasterPhAnim="0">
+<p:notes xmlns:a="http://schemas.openxmlformats.org/drawingml/2006/main" xmlns:r="http://schemas.openxmlformats.org/officeDocument/2006/relationships" xmlns:mc="http://schemas.openxmlformats.org/markup-compatibility/2006" xmlns:mv="urn:schemas-microsoft-com:mac:vml" xmlns:p="http://schemas.openxmlformats.org/presentationml/2006/main" xmlns:c="http://schemas.openxmlformats.org/drawingml/2006/chart" xmlns:dgm="http://schemas.openxmlformats.org/drawingml/2006/diagram" xmlns:o="urn:schemas-microsoft-com:office:office" xmlns:v="urn:schemas-microsoft-com:vml" xmlns:pvml="urn:schemas-microsoft-com:office:powerpoint" xmlns:com="http://schemas.openxmlformats.org/drawingml/2006/compatibility" xmlns:p14="http://schemas.microsoft.com/office/powerpoint/2010/main" xmlns:p15="http://schemas.microsoft.com/office/powerpoint/2012/main" showMasterPhAnim="0" showMasterSp="0">
   <p:cSld>
     <p:spTree>
       <p:nvGrpSpPr>
-        <p:cNvPr id="1" name="Shape 136"/>
+        <p:cNvPr id="136" name="Shape 136"/>
         <p:cNvGrpSpPr/>
         <p:nvPr/>
       </p:nvGrpSpPr>
@@ -652,11 +549,9 @@
       <p:sp>
         <p:nvSpPr>
           <p:cNvPr id="137" name="Shape 137"/>
-          <p:cNvSpPr>
-            <a:spLocks noGrp="1" noRot="1" noChangeAspect="1"/>
-          </p:cNvSpPr>
+          <p:cNvSpPr/>
           <p:nvPr>
-            <p:ph type="sldImg" idx="2"/>
+            <p:ph idx="2" type="sldImg"/>
           </p:nvPr>
         </p:nvSpPr>
         <p:spPr>
@@ -665,13 +560,8 @@
             <a:ext cx="6096000" cy="3429000"/>
           </a:xfrm>
           <a:custGeom>
-            <a:avLst/>
-            <a:gdLst/>
-            <a:ahLst/>
-            <a:cxnLst/>
-            <a:rect l="0" t="0" r="0" b="0"/>
             <a:pathLst>
-              <a:path w="120000" h="120000" extrusionOk="0">
+              <a:path extrusionOk="0" h="120000" w="120000">
                 <a:moveTo>
                   <a:pt x="0" y="0"/>
                 </a:moveTo>
@@ -693,11 +583,9 @@
       <p:sp>
         <p:nvSpPr>
           <p:cNvPr id="138" name="Shape 138"/>
-          <p:cNvSpPr txBox="1">
-            <a:spLocks noGrp="1"/>
-          </p:cNvSpPr>
+          <p:cNvSpPr txBox="1"/>
           <p:nvPr>
-            <p:ph type="body" idx="1"/>
+            <p:ph idx="1" type="body"/>
           </p:nvPr>
         </p:nvSpPr>
         <p:spPr>
@@ -710,12 +598,12 @@
           </a:prstGeom>
         </p:spPr>
         <p:txBody>
-          <a:bodyPr wrap="square" lIns="91425" tIns="91425" rIns="91425" bIns="91425" anchor="t" anchorCtr="0">
+          <a:bodyPr anchorCtr="0" anchor="t" bIns="91425" lIns="91425" rIns="91425" wrap="square" tIns="91425">
             <a:noAutofit/>
           </a:bodyPr>
           <a:lstStyle/>
           <a:p>
-            <a:pPr marL="0" lvl="0" indent="0">
+            <a:pPr indent="0" lvl="0" marL="0">
               <a:spcBef>
                 <a:spcPts val="0"/>
               </a:spcBef>
@@ -724,6 +612,9 @@
               </a:spcAft>
               <a:buNone/>
             </a:pPr>
+            <a:r>
+              <a:t/>
+            </a:r>
             <a:endParaRPr/>
           </a:p>
         </p:txBody>
@@ -737,11 +628,11 @@
 </file>
 
 <file path=ppt/notesSlides/notesSlide3.xml><?xml version="1.0" encoding="utf-8"?>
-<p:notes xmlns:a="http://schemas.openxmlformats.org/drawingml/2006/main" xmlns:r="http://schemas.openxmlformats.org/officeDocument/2006/relationships" xmlns:p="http://schemas.openxmlformats.org/presentationml/2006/main" showMasterSp="0" showMasterPhAnim="0">
+<p:notes xmlns:a="http://schemas.openxmlformats.org/drawingml/2006/main" xmlns:r="http://schemas.openxmlformats.org/officeDocument/2006/relationships" xmlns:mc="http://schemas.openxmlformats.org/markup-compatibility/2006" xmlns:mv="urn:schemas-microsoft-com:mac:vml" xmlns:p="http://schemas.openxmlformats.org/presentationml/2006/main" xmlns:c="http://schemas.openxmlformats.org/drawingml/2006/chart" xmlns:dgm="http://schemas.openxmlformats.org/drawingml/2006/diagram" xmlns:o="urn:schemas-microsoft-com:office:office" xmlns:v="urn:schemas-microsoft-com:vml" xmlns:pvml="urn:schemas-microsoft-com:office:powerpoint" xmlns:com="http://schemas.openxmlformats.org/drawingml/2006/compatibility" xmlns:p14="http://schemas.microsoft.com/office/powerpoint/2010/main" xmlns:p15="http://schemas.microsoft.com/office/powerpoint/2012/main" showMasterPhAnim="0" showMasterSp="0">
   <p:cSld>
     <p:spTree>
       <p:nvGrpSpPr>
-        <p:cNvPr id="1" name="Shape 142"/>
+        <p:cNvPr id="142" name="Shape 142"/>
         <p:cNvGrpSpPr/>
         <p:nvPr/>
       </p:nvGrpSpPr>
@@ -756,11 +647,9 @@
       <p:sp>
         <p:nvSpPr>
           <p:cNvPr id="143" name="Shape 143"/>
-          <p:cNvSpPr>
-            <a:spLocks noGrp="1" noRot="1" noChangeAspect="1"/>
-          </p:cNvSpPr>
+          <p:cNvSpPr/>
           <p:nvPr>
-            <p:ph type="sldImg" idx="2"/>
+            <p:ph idx="2" type="sldImg"/>
           </p:nvPr>
         </p:nvSpPr>
         <p:spPr>
@@ -769,13 +658,8 @@
             <a:ext cx="6096000" cy="3429000"/>
           </a:xfrm>
           <a:custGeom>
-            <a:avLst/>
-            <a:gdLst/>
-            <a:ahLst/>
-            <a:cxnLst/>
-            <a:rect l="0" t="0" r="0" b="0"/>
             <a:pathLst>
-              <a:path w="120000" h="120000" extrusionOk="0">
+              <a:path extrusionOk="0" h="120000" w="120000">
                 <a:moveTo>
                   <a:pt x="0" y="0"/>
                 </a:moveTo>
@@ -797,11 +681,9 @@
       <p:sp>
         <p:nvSpPr>
           <p:cNvPr id="144" name="Shape 144"/>
-          <p:cNvSpPr txBox="1">
-            <a:spLocks noGrp="1"/>
-          </p:cNvSpPr>
+          <p:cNvSpPr txBox="1"/>
           <p:nvPr>
-            <p:ph type="body" idx="1"/>
+            <p:ph idx="1" type="body"/>
           </p:nvPr>
         </p:nvSpPr>
         <p:spPr>
@@ -814,12 +696,12 @@
           </a:prstGeom>
         </p:spPr>
         <p:txBody>
-          <a:bodyPr wrap="square" lIns="91425" tIns="91425" rIns="91425" bIns="91425" anchor="t" anchorCtr="0">
+          <a:bodyPr anchorCtr="0" anchor="t" bIns="91425" lIns="91425" rIns="91425" wrap="square" tIns="91425">
             <a:noAutofit/>
           </a:bodyPr>
           <a:lstStyle/>
           <a:p>
-            <a:pPr marL="0" lvl="0" indent="0">
+            <a:pPr indent="0" lvl="0" marL="0">
               <a:spcBef>
                 <a:spcPts val="0"/>
               </a:spcBef>
@@ -828,6 +710,9 @@
               </a:spcAft>
               <a:buNone/>
             </a:pPr>
+            <a:r>
+              <a:t/>
+            </a:r>
             <a:endParaRPr/>
           </a:p>
         </p:txBody>
@@ -841,11 +726,11 @@
 </file>
 
 <file path=ppt/notesSlides/notesSlide4.xml><?xml version="1.0" encoding="utf-8"?>
-<p:notes xmlns:a="http://schemas.openxmlformats.org/drawingml/2006/main" xmlns:r="http://schemas.openxmlformats.org/officeDocument/2006/relationships" xmlns:p="http://schemas.openxmlformats.org/presentationml/2006/main" showMasterSp="0" showMasterPhAnim="0">
+<p:notes xmlns:a="http://schemas.openxmlformats.org/drawingml/2006/main" xmlns:r="http://schemas.openxmlformats.org/officeDocument/2006/relationships" xmlns:mc="http://schemas.openxmlformats.org/markup-compatibility/2006" xmlns:mv="urn:schemas-microsoft-com:mac:vml" xmlns:p="http://schemas.openxmlformats.org/presentationml/2006/main" xmlns:c="http://schemas.openxmlformats.org/drawingml/2006/chart" xmlns:dgm="http://schemas.openxmlformats.org/drawingml/2006/diagram" xmlns:o="urn:schemas-microsoft-com:office:office" xmlns:v="urn:schemas-microsoft-com:vml" xmlns:pvml="urn:schemas-microsoft-com:office:powerpoint" xmlns:com="http://schemas.openxmlformats.org/drawingml/2006/compatibility" xmlns:p14="http://schemas.microsoft.com/office/powerpoint/2010/main" xmlns:p15="http://schemas.microsoft.com/office/powerpoint/2012/main" showMasterPhAnim="0" showMasterSp="0">
   <p:cSld>
     <p:spTree>
       <p:nvGrpSpPr>
-        <p:cNvPr id="1" name="Shape 148"/>
+        <p:cNvPr id="148" name="Shape 148"/>
         <p:cNvGrpSpPr/>
         <p:nvPr/>
       </p:nvGrpSpPr>
@@ -860,11 +745,9 @@
       <p:sp>
         <p:nvSpPr>
           <p:cNvPr id="149" name="Shape 149"/>
-          <p:cNvSpPr>
-            <a:spLocks noGrp="1" noRot="1" noChangeAspect="1"/>
-          </p:cNvSpPr>
+          <p:cNvSpPr/>
           <p:nvPr>
-            <p:ph type="sldImg" idx="2"/>
+            <p:ph idx="2" type="sldImg"/>
           </p:nvPr>
         </p:nvSpPr>
         <p:spPr>
@@ -873,13 +756,8 @@
             <a:ext cx="6096000" cy="3429000"/>
           </a:xfrm>
           <a:custGeom>
-            <a:avLst/>
-            <a:gdLst/>
-            <a:ahLst/>
-            <a:cxnLst/>
-            <a:rect l="0" t="0" r="0" b="0"/>
             <a:pathLst>
-              <a:path w="120000" h="120000" extrusionOk="0">
+              <a:path extrusionOk="0" h="120000" w="120000">
                 <a:moveTo>
                   <a:pt x="0" y="0"/>
                 </a:moveTo>
@@ -901,11 +779,9 @@
       <p:sp>
         <p:nvSpPr>
           <p:cNvPr id="150" name="Shape 150"/>
-          <p:cNvSpPr txBox="1">
-            <a:spLocks noGrp="1"/>
-          </p:cNvSpPr>
+          <p:cNvSpPr txBox="1"/>
           <p:nvPr>
-            <p:ph type="body" idx="1"/>
+            <p:ph idx="1" type="body"/>
           </p:nvPr>
         </p:nvSpPr>
         <p:spPr>
@@ -918,12 +794,12 @@
           </a:prstGeom>
         </p:spPr>
         <p:txBody>
-          <a:bodyPr wrap="square" lIns="91425" tIns="91425" rIns="91425" bIns="91425" anchor="t" anchorCtr="0">
+          <a:bodyPr anchorCtr="0" anchor="t" bIns="91425" lIns="91425" rIns="91425" wrap="square" tIns="91425">
             <a:noAutofit/>
           </a:bodyPr>
           <a:lstStyle/>
           <a:p>
-            <a:pPr marL="0" lvl="0" indent="0">
+            <a:pPr indent="0" lvl="0" marL="0">
               <a:spcBef>
                 <a:spcPts val="0"/>
               </a:spcBef>
@@ -932,6 +808,9 @@
               </a:spcAft>
               <a:buNone/>
             </a:pPr>
+            <a:r>
+              <a:t/>
+            </a:r>
             <a:endParaRPr/>
           </a:p>
         </p:txBody>
@@ -945,11 +824,11 @@
 </file>
 
 <file path=ppt/notesSlides/notesSlide5.xml><?xml version="1.0" encoding="utf-8"?>
-<p:notes xmlns:a="http://schemas.openxmlformats.org/drawingml/2006/main" xmlns:r="http://schemas.openxmlformats.org/officeDocument/2006/relationships" xmlns:p="http://schemas.openxmlformats.org/presentationml/2006/main" showMasterSp="0" showMasterPhAnim="0">
+<p:notes xmlns:a="http://schemas.openxmlformats.org/drawingml/2006/main" xmlns:r="http://schemas.openxmlformats.org/officeDocument/2006/relationships" xmlns:mc="http://schemas.openxmlformats.org/markup-compatibility/2006" xmlns:mv="urn:schemas-microsoft-com:mac:vml" xmlns:p="http://schemas.openxmlformats.org/presentationml/2006/main" xmlns:c="http://schemas.openxmlformats.org/drawingml/2006/chart" xmlns:dgm="http://schemas.openxmlformats.org/drawingml/2006/diagram" xmlns:o="urn:schemas-microsoft-com:office:office" xmlns:v="urn:schemas-microsoft-com:vml" xmlns:pvml="urn:schemas-microsoft-com:office:powerpoint" xmlns:com="http://schemas.openxmlformats.org/drawingml/2006/compatibility" xmlns:p14="http://schemas.microsoft.com/office/powerpoint/2010/main" xmlns:p15="http://schemas.microsoft.com/office/powerpoint/2012/main" showMasterPhAnim="0" showMasterSp="0">
   <p:cSld>
     <p:spTree>
       <p:nvGrpSpPr>
-        <p:cNvPr id="1" name="Shape 154"/>
+        <p:cNvPr id="154" name="Shape 154"/>
         <p:cNvGrpSpPr/>
         <p:nvPr/>
       </p:nvGrpSpPr>
@@ -964,11 +843,9 @@
       <p:sp>
         <p:nvSpPr>
           <p:cNvPr id="155" name="Shape 155"/>
-          <p:cNvSpPr>
-            <a:spLocks noGrp="1" noRot="1" noChangeAspect="1"/>
-          </p:cNvSpPr>
+          <p:cNvSpPr/>
           <p:nvPr>
-            <p:ph type="sldImg" idx="2"/>
+            <p:ph idx="2" type="sldImg"/>
           </p:nvPr>
         </p:nvSpPr>
         <p:spPr>
@@ -977,13 +854,8 @@
             <a:ext cx="6096000" cy="3429000"/>
           </a:xfrm>
           <a:custGeom>
-            <a:avLst/>
-            <a:gdLst/>
-            <a:ahLst/>
-            <a:cxnLst/>
-            <a:rect l="0" t="0" r="0" b="0"/>
             <a:pathLst>
-              <a:path w="120000" h="120000" extrusionOk="0">
+              <a:path extrusionOk="0" h="120000" w="120000">
                 <a:moveTo>
                   <a:pt x="0" y="0"/>
                 </a:moveTo>
@@ -1005,11 +877,9 @@
       <p:sp>
         <p:nvSpPr>
           <p:cNvPr id="156" name="Shape 156"/>
-          <p:cNvSpPr txBox="1">
-            <a:spLocks noGrp="1"/>
-          </p:cNvSpPr>
+          <p:cNvSpPr txBox="1"/>
           <p:nvPr>
-            <p:ph type="body" idx="1"/>
+            <p:ph idx="1" type="body"/>
           </p:nvPr>
         </p:nvSpPr>
         <p:spPr>
@@ -1022,12 +892,12 @@
           </a:prstGeom>
         </p:spPr>
         <p:txBody>
-          <a:bodyPr wrap="square" lIns="91425" tIns="91425" rIns="91425" bIns="91425" anchor="t" anchorCtr="0">
+          <a:bodyPr anchorCtr="0" anchor="t" bIns="91425" lIns="91425" rIns="91425" wrap="square" tIns="91425">
             <a:noAutofit/>
           </a:bodyPr>
           <a:lstStyle/>
           <a:p>
-            <a:pPr marL="0" lvl="0" indent="0">
+            <a:pPr indent="0" lvl="0" marL="0">
               <a:spcBef>
                 <a:spcPts val="0"/>
               </a:spcBef>
@@ -1036,6 +906,9 @@
               </a:spcAft>
               <a:buNone/>
             </a:pPr>
+            <a:r>
+              <a:t/>
+            </a:r>
             <a:endParaRPr/>
           </a:p>
         </p:txBody>
@@ -1049,11 +922,11 @@
 </file>
 
 <file path=ppt/slideLayouts/slideLayout1.xml><?xml version="1.0" encoding="utf-8"?>
-<p:sldLayout xmlns:a="http://schemas.openxmlformats.org/drawingml/2006/main" xmlns:r="http://schemas.openxmlformats.org/officeDocument/2006/relationships" xmlns:p="http://schemas.openxmlformats.org/presentationml/2006/main" type="title">
+<p:sldLayout xmlns:a="http://schemas.openxmlformats.org/drawingml/2006/main" xmlns:r="http://schemas.openxmlformats.org/officeDocument/2006/relationships" xmlns:mc="http://schemas.openxmlformats.org/markup-compatibility/2006" xmlns:mv="urn:schemas-microsoft-com:mac:vml" xmlns:p="http://schemas.openxmlformats.org/presentationml/2006/main" xmlns:c="http://schemas.openxmlformats.org/drawingml/2006/chart" xmlns:dgm="http://schemas.openxmlformats.org/drawingml/2006/diagram" xmlns:o="urn:schemas-microsoft-com:office:office" xmlns:v="urn:schemas-microsoft-com:vml" xmlns:pvml="urn:schemas-microsoft-com:office:powerpoint" xmlns:com="http://schemas.openxmlformats.org/drawingml/2006/compatibility" xmlns:p14="http://schemas.microsoft.com/office/powerpoint/2010/main" xmlns:p15="http://schemas.microsoft.com/office/powerpoint/2012/main" type="title">
   <p:cSld name="Title slide">
     <p:spTree>
       <p:nvGrpSpPr>
-        <p:cNvPr id="1" name="Shape 9"/>
+        <p:cNvPr id="9" name="Shape 9"/>
         <p:cNvGrpSpPr/>
         <p:nvPr/>
       </p:nvGrpSpPr>
@@ -1078,7 +951,7 @@
           </a:xfrm>
           <a:prstGeom prst="diagStripe">
             <a:avLst>
-              <a:gd name="adj" fmla="val 0"/>
+              <a:gd fmla="val 0" name="adj"/>
             </a:avLst>
           </a:prstGeom>
           <a:solidFill>
@@ -1091,12 +964,12 @@
           </a:ln>
         </p:spPr>
         <p:txBody>
-          <a:bodyPr wrap="square" lIns="91425" tIns="91425" rIns="91425" bIns="91425" anchor="ctr" anchorCtr="0">
+          <a:bodyPr anchorCtr="0" anchor="ctr" bIns="91425" lIns="91425" rIns="91425" wrap="square" tIns="91425">
             <a:noAutofit/>
           </a:bodyPr>
           <a:lstStyle/>
           <a:p>
-            <a:pPr marL="0" lvl="0" indent="0">
+            <a:pPr indent="0" lvl="0" marL="0">
               <a:spcBef>
                 <a:spcPts val="0"/>
               </a:spcBef>
@@ -1105,6 +978,9 @@
               </a:spcAft>
               <a:buNone/>
             </a:pPr>
+            <a:r>
+              <a:t/>
+            </a:r>
             <a:endParaRPr/>
           </a:p>
         </p:txBody>
@@ -1136,7 +1012,7 @@
             </a:xfrm>
             <a:prstGeom prst="diagStripe">
               <a:avLst>
-                <a:gd name="adj" fmla="val 50000"/>
+                <a:gd fmla="val 50000" name="adj"/>
               </a:avLst>
             </a:prstGeom>
             <a:solidFill>
@@ -1149,12 +1025,12 @@
             </a:ln>
           </p:spPr>
           <p:txBody>
-            <a:bodyPr wrap="square" lIns="91425" tIns="91425" rIns="91425" bIns="91425" anchor="ctr" anchorCtr="0">
+            <a:bodyPr anchorCtr="0" anchor="ctr" bIns="91425" lIns="91425" rIns="91425" wrap="square" tIns="91425">
               <a:noAutofit/>
             </a:bodyPr>
             <a:lstStyle/>
             <a:p>
-              <a:pPr marL="0" lvl="0" indent="0">
+              <a:pPr indent="0" lvl="0" marL="0">
                 <a:spcBef>
                   <a:spcPts val="0"/>
                 </a:spcBef>
@@ -1163,6 +1039,9 @@
                 </a:spcAft>
                 <a:buNone/>
               </a:pPr>
+              <a:r>
+                <a:t/>
+              </a:r>
               <a:endParaRPr/>
             </a:p>
           </p:txBody>
@@ -1180,7 +1059,7 @@
             </a:xfrm>
             <a:prstGeom prst="diagStripe">
               <a:avLst>
-                <a:gd name="adj" fmla="val 58774"/>
+                <a:gd fmla="val 58774" name="adj"/>
               </a:avLst>
             </a:prstGeom>
             <a:solidFill>
@@ -1193,12 +1072,12 @@
             </a:ln>
           </p:spPr>
           <p:txBody>
-            <a:bodyPr wrap="square" lIns="91425" tIns="91425" rIns="91425" bIns="91425" anchor="ctr" anchorCtr="0">
+            <a:bodyPr anchorCtr="0" anchor="ctr" bIns="91425" lIns="91425" rIns="91425" wrap="square" tIns="91425">
               <a:noAutofit/>
             </a:bodyPr>
             <a:lstStyle/>
             <a:p>
-              <a:pPr marL="0" lvl="0" indent="0">
+              <a:pPr indent="0" lvl="0" marL="0">
                 <a:spcBef>
                   <a:spcPts val="0"/>
                 </a:spcBef>
@@ -1207,6 +1086,9 @@
                 </a:spcAft>
                 <a:buNone/>
               </a:pPr>
+              <a:r>
+                <a:t/>
+              </a:r>
               <a:endParaRPr/>
             </a:p>
           </p:txBody>
@@ -1224,7 +1106,7 @@
             </a:xfrm>
             <a:prstGeom prst="diagStripe">
               <a:avLst>
-                <a:gd name="adj" fmla="val 50000"/>
+                <a:gd fmla="val 50000" name="adj"/>
               </a:avLst>
             </a:prstGeom>
             <a:solidFill>
@@ -1235,12 +1117,12 @@
             </a:ln>
           </p:spPr>
           <p:txBody>
-            <a:bodyPr wrap="square" lIns="91425" tIns="91425" rIns="91425" bIns="91425" anchor="ctr" anchorCtr="0">
+            <a:bodyPr anchorCtr="0" anchor="ctr" bIns="91425" lIns="91425" rIns="91425" wrap="square" tIns="91425">
               <a:noAutofit/>
             </a:bodyPr>
             <a:lstStyle/>
             <a:p>
-              <a:pPr marL="0" lvl="0" indent="0">
+              <a:pPr indent="0" lvl="0" marL="0">
                 <a:spcBef>
                   <a:spcPts val="0"/>
                 </a:spcBef>
@@ -1249,6 +1131,9 @@
                 </a:spcAft>
                 <a:buNone/>
               </a:pPr>
+              <a:r>
+                <a:t/>
+              </a:r>
               <a:endParaRPr/>
             </a:p>
           </p:txBody>
@@ -1266,7 +1151,7 @@
             </a:xfrm>
             <a:prstGeom prst="diagStripe">
               <a:avLst>
-                <a:gd name="adj" fmla="val 50000"/>
+                <a:gd fmla="val 50000" name="adj"/>
               </a:avLst>
             </a:prstGeom>
             <a:solidFill>
@@ -1277,12 +1162,12 @@
             </a:ln>
           </p:spPr>
           <p:txBody>
-            <a:bodyPr wrap="square" lIns="91425" tIns="91425" rIns="91425" bIns="91425" anchor="ctr" anchorCtr="0">
+            <a:bodyPr anchorCtr="0" anchor="ctr" bIns="91425" lIns="91425" rIns="91425" wrap="square" tIns="91425">
               <a:noAutofit/>
             </a:bodyPr>
             <a:lstStyle/>
             <a:p>
-              <a:pPr marL="0" lvl="0" indent="0">
+              <a:pPr indent="0" lvl="0" marL="0">
                 <a:spcBef>
                   <a:spcPts val="0"/>
                 </a:spcBef>
@@ -1291,6 +1176,9 @@
                 </a:spcAft>
                 <a:buNone/>
               </a:pPr>
+              <a:r>
+                <a:t/>
+              </a:r>
               <a:endParaRPr/>
             </a:p>
           </p:txBody>
@@ -1299,9 +1187,7 @@
       <p:sp>
         <p:nvSpPr>
           <p:cNvPr id="16" name="Shape 16"/>
-          <p:cNvSpPr txBox="1">
-            <a:spLocks noGrp="1"/>
-          </p:cNvSpPr>
+          <p:cNvSpPr txBox="1"/>
           <p:nvPr>
             <p:ph type="ctrTitle"/>
           </p:nvPr>
@@ -1316,7 +1202,7 @@
           </a:prstGeom>
         </p:spPr>
         <p:txBody>
-          <a:bodyPr wrap="square" lIns="91425" tIns="91425" rIns="91425" bIns="91425" anchor="t" anchorCtr="0"/>
+          <a:bodyPr anchorCtr="0" anchor="t" bIns="91425" lIns="91425" rIns="91425" wrap="square" tIns="91425"/>
           <a:lstStyle>
             <a:lvl1pPr lvl="0">
               <a:spcBef>
@@ -1418,19 +1304,15 @@
               <a:defRPr sz="4000"/>
             </a:lvl9pPr>
           </a:lstStyle>
-          <a:p>
-            <a:endParaRPr/>
-          </a:p>
+          <a:p/>
         </p:txBody>
       </p:sp>
       <p:sp>
         <p:nvSpPr>
           <p:cNvPr id="17" name="Shape 17"/>
-          <p:cNvSpPr txBox="1">
-            <a:spLocks noGrp="1"/>
-          </p:cNvSpPr>
+          <p:cNvSpPr txBox="1"/>
           <p:nvPr>
-            <p:ph type="subTitle" idx="1"/>
+            <p:ph idx="1" type="subTitle"/>
           </p:nvPr>
         </p:nvSpPr>
         <p:spPr>
@@ -1443,7 +1325,7 @@
           </a:prstGeom>
         </p:spPr>
         <p:txBody>
-          <a:bodyPr wrap="square" lIns="91425" tIns="91425" rIns="91425" bIns="91425" anchor="t" anchorCtr="0"/>
+          <a:bodyPr anchorCtr="0" anchor="t" bIns="91425" lIns="91425" rIns="91425" wrap="square" tIns="91425"/>
           <a:lstStyle>
             <a:lvl1pPr lvl="0">
               <a:lnSpc>
@@ -1572,19 +1454,15 @@
               <a:defRPr sz="1300"/>
             </a:lvl9pPr>
           </a:lstStyle>
-          <a:p>
-            <a:endParaRPr/>
-          </a:p>
+          <a:p/>
         </p:txBody>
       </p:sp>
       <p:sp>
         <p:nvSpPr>
           <p:cNvPr id="18" name="Shape 18"/>
-          <p:cNvSpPr txBox="1">
-            <a:spLocks noGrp="1"/>
-          </p:cNvSpPr>
+          <p:cNvSpPr txBox="1"/>
           <p:nvPr>
-            <p:ph type="sldNum" idx="12"/>
+            <p:ph idx="12" type="sldNum"/>
           </p:nvPr>
         </p:nvSpPr>
         <p:spPr>
@@ -1597,12 +1475,12 @@
           </a:prstGeom>
         </p:spPr>
         <p:txBody>
-          <a:bodyPr wrap="square" lIns="91425" tIns="91425" rIns="91425" bIns="91425" anchor="ctr" anchorCtr="0">
+          <a:bodyPr anchorCtr="0" anchor="ctr" bIns="91425" lIns="91425" rIns="91425" wrap="square" tIns="91425">
             <a:noAutofit/>
           </a:bodyPr>
           <a:lstStyle/>
           <a:p>
-            <a:pPr marL="0" lvl="0" indent="0">
+            <a:pPr indent="0" lvl="0" marL="0">
               <a:spcBef>
                 <a:spcPts val="0"/>
               </a:spcBef>
@@ -1628,11 +1506,11 @@
 </file>
 
 <file path=ppt/slideLayouts/slideLayout10.xml><?xml version="1.0" encoding="utf-8"?>
-<p:sldLayout xmlns:a="http://schemas.openxmlformats.org/drawingml/2006/main" xmlns:r="http://schemas.openxmlformats.org/officeDocument/2006/relationships" xmlns:p="http://schemas.openxmlformats.org/presentationml/2006/main">
+<p:sldLayout xmlns:a="http://schemas.openxmlformats.org/drawingml/2006/main" xmlns:r="http://schemas.openxmlformats.org/officeDocument/2006/relationships" xmlns:mc="http://schemas.openxmlformats.org/markup-compatibility/2006" xmlns:mv="urn:schemas-microsoft-com:mac:vml" xmlns:p="http://schemas.openxmlformats.org/presentationml/2006/main" xmlns:c="http://schemas.openxmlformats.org/drawingml/2006/chart" xmlns:dgm="http://schemas.openxmlformats.org/drawingml/2006/diagram" xmlns:o="urn:schemas-microsoft-com:office:office" xmlns:v="urn:schemas-microsoft-com:vml" xmlns:pvml="urn:schemas-microsoft-com:office:powerpoint" xmlns:com="http://schemas.openxmlformats.org/drawingml/2006/compatibility" xmlns:p14="http://schemas.microsoft.com/office/powerpoint/2010/main" xmlns:p15="http://schemas.microsoft.com/office/powerpoint/2012/main">
   <p:cSld name="Big number">
     <p:spTree>
       <p:nvGrpSpPr>
-        <p:cNvPr id="1" name="Shape 105"/>
+        <p:cNvPr id="105" name="Shape 105"/>
         <p:cNvGrpSpPr/>
         <p:nvPr/>
       </p:nvGrpSpPr>
@@ -1671,7 +1549,7 @@
             </a:xfrm>
             <a:prstGeom prst="diagStripe">
               <a:avLst>
-                <a:gd name="adj" fmla="val 49469"/>
+                <a:gd fmla="val 49469" name="adj"/>
               </a:avLst>
             </a:prstGeom>
             <a:solidFill>
@@ -1684,12 +1562,12 @@
             </a:ln>
           </p:spPr>
           <p:txBody>
-            <a:bodyPr wrap="square" lIns="91425" tIns="91425" rIns="91425" bIns="91425" anchor="ctr" anchorCtr="0">
+            <a:bodyPr anchorCtr="0" anchor="ctr" bIns="91425" lIns="91425" rIns="91425" wrap="square" tIns="91425">
               <a:noAutofit/>
             </a:bodyPr>
             <a:lstStyle/>
             <a:p>
-              <a:pPr marL="0" lvl="0" indent="0">
+              <a:pPr indent="0" lvl="0" marL="0">
                 <a:spcBef>
                   <a:spcPts val="0"/>
                 </a:spcBef>
@@ -1698,6 +1576,9 @@
                 </a:spcAft>
                 <a:buNone/>
               </a:pPr>
+              <a:r>
+                <a:t/>
+              </a:r>
               <a:endParaRPr/>
             </a:p>
           </p:txBody>
@@ -1715,7 +1596,7 @@
             </a:xfrm>
             <a:prstGeom prst="diagStripe">
               <a:avLst>
-                <a:gd name="adj" fmla="val 0"/>
+                <a:gd fmla="val 0" name="adj"/>
               </a:avLst>
             </a:prstGeom>
             <a:solidFill>
@@ -1728,12 +1609,12 @@
             </a:ln>
           </p:spPr>
           <p:txBody>
-            <a:bodyPr wrap="square" lIns="91425" tIns="91425" rIns="91425" bIns="91425" anchor="ctr" anchorCtr="0">
+            <a:bodyPr anchorCtr="0" anchor="ctr" bIns="91425" lIns="91425" rIns="91425" wrap="square" tIns="91425">
               <a:noAutofit/>
             </a:bodyPr>
             <a:lstStyle/>
             <a:p>
-              <a:pPr marL="0" lvl="0" indent="0">
+              <a:pPr indent="0" lvl="0" marL="0">
                 <a:spcBef>
                   <a:spcPts val="0"/>
                 </a:spcBef>
@@ -1742,6 +1623,9 @@
                 </a:spcAft>
                 <a:buNone/>
               </a:pPr>
+              <a:r>
+                <a:t/>
+              </a:r>
               <a:endParaRPr/>
             </a:p>
           </p:txBody>
@@ -1759,7 +1643,7 @@
             </a:xfrm>
             <a:prstGeom prst="diagStripe">
               <a:avLst>
-                <a:gd name="adj" fmla="val 50000"/>
+                <a:gd fmla="val 50000" name="adj"/>
               </a:avLst>
             </a:prstGeom>
             <a:solidFill>
@@ -1772,12 +1656,12 @@
             </a:ln>
           </p:spPr>
           <p:txBody>
-            <a:bodyPr wrap="square" lIns="91425" tIns="91425" rIns="91425" bIns="91425" anchor="ctr" anchorCtr="0">
+            <a:bodyPr anchorCtr="0" anchor="ctr" bIns="91425" lIns="91425" rIns="91425" wrap="square" tIns="91425">
               <a:noAutofit/>
             </a:bodyPr>
             <a:lstStyle/>
             <a:p>
-              <a:pPr marL="0" lvl="0" indent="0">
+              <a:pPr indent="0" lvl="0" marL="0">
                 <a:spcBef>
                   <a:spcPts val="0"/>
                 </a:spcBef>
@@ -1786,6 +1670,9 @@
                 </a:spcAft>
                 <a:buNone/>
               </a:pPr>
+              <a:r>
+                <a:t/>
+              </a:r>
               <a:endParaRPr/>
             </a:p>
           </p:txBody>
@@ -1803,7 +1690,7 @@
             </a:xfrm>
             <a:prstGeom prst="diagStripe">
               <a:avLst>
-                <a:gd name="adj" fmla="val 50000"/>
+                <a:gd fmla="val 50000" name="adj"/>
               </a:avLst>
             </a:prstGeom>
             <a:solidFill>
@@ -1816,12 +1703,12 @@
             </a:ln>
           </p:spPr>
           <p:txBody>
-            <a:bodyPr wrap="square" lIns="91425" tIns="91425" rIns="91425" bIns="91425" anchor="ctr" anchorCtr="0">
+            <a:bodyPr anchorCtr="0" anchor="ctr" bIns="91425" lIns="91425" rIns="91425" wrap="square" tIns="91425">
               <a:noAutofit/>
             </a:bodyPr>
             <a:lstStyle/>
             <a:p>
-              <a:pPr marL="0" lvl="0" indent="0">
+              <a:pPr indent="0" lvl="0" marL="0">
                 <a:spcBef>
                   <a:spcPts val="0"/>
                 </a:spcBef>
@@ -1830,6 +1717,9 @@
                 </a:spcAft>
                 <a:buNone/>
               </a:pPr>
+              <a:r>
+                <a:t/>
+              </a:r>
               <a:endParaRPr/>
             </a:p>
           </p:txBody>
@@ -1847,7 +1737,7 @@
             </a:xfrm>
             <a:prstGeom prst="diagStripe">
               <a:avLst>
-                <a:gd name="adj" fmla="val 50000"/>
+                <a:gd fmla="val 50000" name="adj"/>
               </a:avLst>
             </a:prstGeom>
             <a:solidFill>
@@ -1860,12 +1750,12 @@
             </a:ln>
           </p:spPr>
           <p:txBody>
-            <a:bodyPr wrap="square" lIns="91425" tIns="91425" rIns="91425" bIns="91425" anchor="ctr" anchorCtr="0">
+            <a:bodyPr anchorCtr="0" anchor="ctr" bIns="91425" lIns="91425" rIns="91425" wrap="square" tIns="91425">
               <a:noAutofit/>
             </a:bodyPr>
             <a:lstStyle/>
             <a:p>
-              <a:pPr marL="0" lvl="0" indent="0">
+              <a:pPr indent="0" lvl="0" marL="0">
                 <a:spcBef>
                   <a:spcPts val="0"/>
                 </a:spcBef>
@@ -1874,6 +1764,9 @@
                 </a:spcAft>
                 <a:buNone/>
               </a:pPr>
+              <a:r>
+                <a:t/>
+              </a:r>
               <a:endParaRPr/>
             </a:p>
           </p:txBody>
@@ -1891,7 +1784,7 @@
             </a:xfrm>
             <a:prstGeom prst="diagStripe">
               <a:avLst>
-                <a:gd name="adj" fmla="val 50000"/>
+                <a:gd fmla="val 50000" name="adj"/>
               </a:avLst>
             </a:prstGeom>
             <a:solidFill>
@@ -1904,12 +1797,12 @@
             </a:ln>
           </p:spPr>
           <p:txBody>
-            <a:bodyPr wrap="square" lIns="91425" tIns="91425" rIns="91425" bIns="91425" anchor="ctr" anchorCtr="0">
+            <a:bodyPr anchorCtr="0" anchor="ctr" bIns="91425" lIns="91425" rIns="91425" wrap="square" tIns="91425">
               <a:noAutofit/>
             </a:bodyPr>
             <a:lstStyle/>
             <a:p>
-              <a:pPr marL="0" lvl="0" indent="0">
+              <a:pPr indent="0" lvl="0" marL="0">
                 <a:spcBef>
                   <a:spcPts val="0"/>
                 </a:spcBef>
@@ -1918,6 +1811,9 @@
                 </a:spcAft>
                 <a:buNone/>
               </a:pPr>
+              <a:r>
+                <a:t/>
+              </a:r>
               <a:endParaRPr/>
             </a:p>
           </p:txBody>
@@ -1935,7 +1831,7 @@
             </a:xfrm>
             <a:prstGeom prst="diagStripe">
               <a:avLst>
-                <a:gd name="adj" fmla="val 50000"/>
+                <a:gd fmla="val 50000" name="adj"/>
               </a:avLst>
             </a:prstGeom>
             <a:solidFill>
@@ -1948,12 +1844,12 @@
             </a:ln>
           </p:spPr>
           <p:txBody>
-            <a:bodyPr wrap="square" lIns="91425" tIns="91425" rIns="91425" bIns="91425" anchor="ctr" anchorCtr="0">
+            <a:bodyPr anchorCtr="0" anchor="ctr" bIns="91425" lIns="91425" rIns="91425" wrap="square" tIns="91425">
               <a:noAutofit/>
             </a:bodyPr>
             <a:lstStyle/>
             <a:p>
-              <a:pPr marL="0" lvl="0" indent="0">
+              <a:pPr indent="0" lvl="0" marL="0">
                 <a:spcBef>
                   <a:spcPts val="0"/>
                 </a:spcBef>
@@ -1962,6 +1858,9 @@
                 </a:spcAft>
                 <a:buNone/>
               </a:pPr>
+              <a:r>
+                <a:t/>
+              </a:r>
               <a:endParaRPr/>
             </a:p>
           </p:txBody>
@@ -1979,7 +1878,7 @@
             </a:xfrm>
             <a:prstGeom prst="diagStripe">
               <a:avLst>
-                <a:gd name="adj" fmla="val 50000"/>
+                <a:gd fmla="val 50000" name="adj"/>
               </a:avLst>
             </a:prstGeom>
             <a:solidFill>
@@ -1990,12 +1889,12 @@
             </a:ln>
           </p:spPr>
           <p:txBody>
-            <a:bodyPr wrap="square" lIns="91425" tIns="91425" rIns="91425" bIns="91425" anchor="ctr" anchorCtr="0">
+            <a:bodyPr anchorCtr="0" anchor="ctr" bIns="91425" lIns="91425" rIns="91425" wrap="square" tIns="91425">
               <a:noAutofit/>
             </a:bodyPr>
             <a:lstStyle/>
             <a:p>
-              <a:pPr marL="0" lvl="0" indent="0">
+              <a:pPr indent="0" lvl="0" marL="0">
                 <a:spcBef>
                   <a:spcPts val="0"/>
                 </a:spcBef>
@@ -2004,6 +1903,9 @@
                 </a:spcAft>
                 <a:buNone/>
               </a:pPr>
+              <a:r>
+                <a:t/>
+              </a:r>
               <a:endParaRPr/>
             </a:p>
           </p:txBody>
@@ -2021,7 +1923,7 @@
             </a:xfrm>
             <a:prstGeom prst="diagStripe">
               <a:avLst>
-                <a:gd name="adj" fmla="val 50000"/>
+                <a:gd fmla="val 50000" name="adj"/>
               </a:avLst>
             </a:prstGeom>
             <a:solidFill>
@@ -2034,12 +1936,12 @@
             </a:ln>
           </p:spPr>
           <p:txBody>
-            <a:bodyPr wrap="square" lIns="91425" tIns="91425" rIns="91425" bIns="91425" anchor="ctr" anchorCtr="0">
+            <a:bodyPr anchorCtr="0" anchor="ctr" bIns="91425" lIns="91425" rIns="91425" wrap="square" tIns="91425">
               <a:noAutofit/>
             </a:bodyPr>
             <a:lstStyle/>
             <a:p>
-              <a:pPr marL="0" lvl="0" indent="0">
+              <a:pPr indent="0" lvl="0" marL="0">
                 <a:spcBef>
                   <a:spcPts val="0"/>
                 </a:spcBef>
@@ -2048,6 +1950,9 @@
                 </a:spcAft>
                 <a:buNone/>
               </a:pPr>
+              <a:r>
+                <a:t/>
+              </a:r>
               <a:endParaRPr/>
             </a:p>
           </p:txBody>
@@ -2065,7 +1970,7 @@
             </a:xfrm>
             <a:prstGeom prst="diagStripe">
               <a:avLst>
-                <a:gd name="adj" fmla="val 50000"/>
+                <a:gd fmla="val 50000" name="adj"/>
               </a:avLst>
             </a:prstGeom>
             <a:solidFill>
@@ -2078,12 +1983,12 @@
             </a:ln>
           </p:spPr>
           <p:txBody>
-            <a:bodyPr wrap="square" lIns="91425" tIns="91425" rIns="91425" bIns="91425" anchor="ctr" anchorCtr="0">
+            <a:bodyPr anchorCtr="0" anchor="ctr" bIns="91425" lIns="91425" rIns="91425" wrap="square" tIns="91425">
               <a:noAutofit/>
             </a:bodyPr>
             <a:lstStyle/>
             <a:p>
-              <a:pPr marL="0" lvl="0" indent="0">
+              <a:pPr indent="0" lvl="0" marL="0">
                 <a:spcBef>
                   <a:spcPts val="0"/>
                 </a:spcBef>
@@ -2092,6 +1997,9 @@
                 </a:spcAft>
                 <a:buNone/>
               </a:pPr>
+              <a:r>
+                <a:t/>
+              </a:r>
               <a:endParaRPr/>
             </a:p>
           </p:txBody>
@@ -2109,7 +2017,7 @@
             </a:xfrm>
             <a:prstGeom prst="diagStripe">
               <a:avLst>
-                <a:gd name="adj" fmla="val 50000"/>
+                <a:gd fmla="val 50000" name="adj"/>
               </a:avLst>
             </a:prstGeom>
             <a:solidFill>
@@ -2122,12 +2030,12 @@
             </a:ln>
           </p:spPr>
           <p:txBody>
-            <a:bodyPr wrap="square" lIns="91425" tIns="91425" rIns="91425" bIns="91425" anchor="ctr" anchorCtr="0">
+            <a:bodyPr anchorCtr="0" anchor="ctr" bIns="91425" lIns="91425" rIns="91425" wrap="square" tIns="91425">
               <a:noAutofit/>
             </a:bodyPr>
             <a:lstStyle/>
             <a:p>
-              <a:pPr marL="0" lvl="0" indent="0">
+              <a:pPr indent="0" lvl="0" marL="0">
                 <a:spcBef>
                   <a:spcPts val="0"/>
                 </a:spcBef>
@@ -2136,6 +2044,9 @@
                 </a:spcAft>
                 <a:buNone/>
               </a:pPr>
+              <a:r>
+                <a:t/>
+              </a:r>
               <a:endParaRPr/>
             </a:p>
           </p:txBody>
@@ -2153,7 +2064,7 @@
             </a:xfrm>
             <a:prstGeom prst="diagStripe">
               <a:avLst>
-                <a:gd name="adj" fmla="val 50000"/>
+                <a:gd fmla="val 50000" name="adj"/>
               </a:avLst>
             </a:prstGeom>
             <a:solidFill>
@@ -2166,12 +2077,12 @@
             </a:ln>
           </p:spPr>
           <p:txBody>
-            <a:bodyPr wrap="square" lIns="91425" tIns="91425" rIns="91425" bIns="91425" anchor="ctr" anchorCtr="0">
+            <a:bodyPr anchorCtr="0" anchor="ctr" bIns="91425" lIns="91425" rIns="91425" wrap="square" tIns="91425">
               <a:noAutofit/>
             </a:bodyPr>
             <a:lstStyle/>
             <a:p>
-              <a:pPr marL="0" lvl="0" indent="0">
+              <a:pPr indent="0" lvl="0" marL="0">
                 <a:spcBef>
                   <a:spcPts val="0"/>
                 </a:spcBef>
@@ -2180,6 +2091,9 @@
                 </a:spcAft>
                 <a:buNone/>
               </a:pPr>
+              <a:r>
+                <a:t/>
+              </a:r>
               <a:endParaRPr/>
             </a:p>
           </p:txBody>
@@ -2197,7 +2111,7 @@
             </a:xfrm>
             <a:prstGeom prst="diagStripe">
               <a:avLst>
-                <a:gd name="adj" fmla="val 50000"/>
+                <a:gd fmla="val 50000" name="adj"/>
               </a:avLst>
             </a:prstGeom>
             <a:solidFill>
@@ -2210,12 +2124,12 @@
             </a:ln>
           </p:spPr>
           <p:txBody>
-            <a:bodyPr wrap="square" lIns="91425" tIns="91425" rIns="91425" bIns="91425" anchor="ctr" anchorCtr="0">
+            <a:bodyPr anchorCtr="0" anchor="ctr" bIns="91425" lIns="91425" rIns="91425" wrap="square" tIns="91425">
               <a:noAutofit/>
             </a:bodyPr>
             <a:lstStyle/>
             <a:p>
-              <a:pPr marL="0" lvl="0" indent="0">
+              <a:pPr indent="0" lvl="0" marL="0">
                 <a:spcBef>
                   <a:spcPts val="0"/>
                 </a:spcBef>
@@ -2224,6 +2138,9 @@
                 </a:spcAft>
                 <a:buNone/>
               </a:pPr>
+              <a:r>
+                <a:t/>
+              </a:r>
               <a:endParaRPr/>
             </a:p>
           </p:txBody>
@@ -2241,7 +2158,7 @@
             </a:xfrm>
             <a:prstGeom prst="diagStripe">
               <a:avLst>
-                <a:gd name="adj" fmla="val 50000"/>
+                <a:gd fmla="val 50000" name="adj"/>
               </a:avLst>
             </a:prstGeom>
             <a:solidFill>
@@ -2252,12 +2169,12 @@
             </a:ln>
           </p:spPr>
           <p:txBody>
-            <a:bodyPr wrap="square" lIns="91425" tIns="91425" rIns="91425" bIns="91425" anchor="ctr" anchorCtr="0">
+            <a:bodyPr anchorCtr="0" anchor="ctr" bIns="91425" lIns="91425" rIns="91425" wrap="square" tIns="91425">
               <a:noAutofit/>
             </a:bodyPr>
             <a:lstStyle/>
             <a:p>
-              <a:pPr marL="0" lvl="0" indent="0">
+              <a:pPr indent="0" lvl="0" marL="0">
                 <a:spcBef>
                   <a:spcPts val="0"/>
                 </a:spcBef>
@@ -2266,6 +2183,9 @@
                 </a:spcAft>
                 <a:buNone/>
               </a:pPr>
+              <a:r>
+                <a:t/>
+              </a:r>
               <a:endParaRPr/>
             </a:p>
           </p:txBody>
@@ -2283,7 +2203,7 @@
             </a:xfrm>
             <a:prstGeom prst="diagStripe">
               <a:avLst>
-                <a:gd name="adj" fmla="val 50000"/>
+                <a:gd fmla="val 50000" name="adj"/>
               </a:avLst>
             </a:prstGeom>
             <a:solidFill>
@@ -2296,12 +2216,12 @@
             </a:ln>
           </p:spPr>
           <p:txBody>
-            <a:bodyPr wrap="square" lIns="91425" tIns="91425" rIns="91425" bIns="91425" anchor="ctr" anchorCtr="0">
+            <a:bodyPr anchorCtr="0" anchor="ctr" bIns="91425" lIns="91425" rIns="91425" wrap="square" tIns="91425">
               <a:noAutofit/>
             </a:bodyPr>
             <a:lstStyle/>
             <a:p>
-              <a:pPr marL="0" lvl="0" indent="0">
+              <a:pPr indent="0" lvl="0" marL="0">
                 <a:spcBef>
                   <a:spcPts val="0"/>
                 </a:spcBef>
@@ -2310,6 +2230,9 @@
                 </a:spcAft>
                 <a:buNone/>
               </a:pPr>
+              <a:r>
+                <a:t/>
+              </a:r>
               <a:endParaRPr/>
             </a:p>
           </p:txBody>
@@ -2327,7 +2250,7 @@
             </a:xfrm>
             <a:prstGeom prst="diagStripe">
               <a:avLst>
-                <a:gd name="adj" fmla="val 50000"/>
+                <a:gd fmla="val 50000" name="adj"/>
               </a:avLst>
             </a:prstGeom>
             <a:solidFill>
@@ -2340,12 +2263,12 @@
             </a:ln>
           </p:spPr>
           <p:txBody>
-            <a:bodyPr wrap="square" lIns="91425" tIns="91425" rIns="91425" bIns="91425" anchor="ctr" anchorCtr="0">
+            <a:bodyPr anchorCtr="0" anchor="ctr" bIns="91425" lIns="91425" rIns="91425" wrap="square" tIns="91425">
               <a:noAutofit/>
             </a:bodyPr>
             <a:lstStyle/>
             <a:p>
-              <a:pPr marL="0" lvl="0" indent="0">
+              <a:pPr indent="0" lvl="0" marL="0">
                 <a:spcBef>
                   <a:spcPts val="0"/>
                 </a:spcBef>
@@ -2354,6 +2277,9 @@
                 </a:spcAft>
                 <a:buNone/>
               </a:pPr>
+              <a:r>
+                <a:t/>
+              </a:r>
               <a:endParaRPr/>
             </a:p>
           </p:txBody>
@@ -2371,7 +2297,7 @@
             </a:xfrm>
             <a:prstGeom prst="diagStripe">
               <a:avLst>
-                <a:gd name="adj" fmla="val 50000"/>
+                <a:gd fmla="val 50000" name="adj"/>
               </a:avLst>
             </a:prstGeom>
             <a:solidFill>
@@ -2384,12 +2310,12 @@
             </a:ln>
           </p:spPr>
           <p:txBody>
-            <a:bodyPr wrap="square" lIns="91425" tIns="91425" rIns="91425" bIns="91425" anchor="ctr" anchorCtr="0">
+            <a:bodyPr anchorCtr="0" anchor="ctr" bIns="91425" lIns="91425" rIns="91425" wrap="square" tIns="91425">
               <a:noAutofit/>
             </a:bodyPr>
             <a:lstStyle/>
             <a:p>
-              <a:pPr marL="0" lvl="0" indent="0">
+              <a:pPr indent="0" lvl="0" marL="0">
                 <a:spcBef>
                   <a:spcPts val="0"/>
                 </a:spcBef>
@@ -2398,6 +2324,9 @@
                 </a:spcAft>
                 <a:buNone/>
               </a:pPr>
+              <a:r>
+                <a:t/>
+              </a:r>
               <a:endParaRPr/>
             </a:p>
           </p:txBody>
@@ -2415,7 +2344,7 @@
             </a:xfrm>
             <a:prstGeom prst="diagStripe">
               <a:avLst>
-                <a:gd name="adj" fmla="val 50000"/>
+                <a:gd fmla="val 50000" name="adj"/>
               </a:avLst>
             </a:prstGeom>
             <a:solidFill>
@@ -2428,12 +2357,12 @@
             </a:ln>
           </p:spPr>
           <p:txBody>
-            <a:bodyPr wrap="square" lIns="91425" tIns="91425" rIns="91425" bIns="91425" anchor="ctr" anchorCtr="0">
+            <a:bodyPr anchorCtr="0" anchor="ctr" bIns="91425" lIns="91425" rIns="91425" wrap="square" tIns="91425">
               <a:noAutofit/>
             </a:bodyPr>
             <a:lstStyle/>
             <a:p>
-              <a:pPr marL="0" lvl="0" indent="0">
+              <a:pPr indent="0" lvl="0" marL="0">
                 <a:spcBef>
                   <a:spcPts val="0"/>
                 </a:spcBef>
@@ -2442,6 +2371,9 @@
                 </a:spcAft>
                 <a:buNone/>
               </a:pPr>
+              <a:r>
+                <a:t/>
+              </a:r>
               <a:endParaRPr/>
             </a:p>
           </p:txBody>
@@ -2450,9 +2382,7 @@
       <p:sp>
         <p:nvSpPr>
           <p:cNvPr id="125" name="Shape 125"/>
-          <p:cNvSpPr txBox="1">
-            <a:spLocks noGrp="1"/>
-          </p:cNvSpPr>
+          <p:cNvSpPr txBox="1"/>
           <p:nvPr>
             <p:ph type="title"/>
           </p:nvPr>
@@ -2467,7 +2397,7 @@
           </a:prstGeom>
         </p:spPr>
         <p:txBody>
-          <a:bodyPr wrap="square" lIns="91425" tIns="91425" rIns="91425" bIns="91425" anchor="t" anchorCtr="0"/>
+          <a:bodyPr anchorCtr="0" anchor="t" bIns="91425" lIns="91425" rIns="91425" wrap="square" tIns="91425"/>
           <a:lstStyle>
             <a:lvl1pPr lvl="0">
               <a:spcBef>
@@ -2569,19 +2499,15 @@
               <a:defRPr sz="8000"/>
             </a:lvl9pPr>
           </a:lstStyle>
-          <a:p>
-            <a:endParaRPr/>
-          </a:p>
+          <a:p/>
         </p:txBody>
       </p:sp>
       <p:sp>
         <p:nvSpPr>
           <p:cNvPr id="126" name="Shape 126"/>
-          <p:cNvSpPr txBox="1">
-            <a:spLocks noGrp="1"/>
-          </p:cNvSpPr>
+          <p:cNvSpPr txBox="1"/>
           <p:nvPr>
-            <p:ph type="body" idx="1"/>
+            <p:ph idx="1" type="body"/>
           </p:nvPr>
         </p:nvSpPr>
         <p:spPr>
@@ -2594,9 +2520,9 @@
           </a:prstGeom>
         </p:spPr>
         <p:txBody>
-          <a:bodyPr wrap="square" lIns="91425" tIns="91425" rIns="91425" bIns="91425" anchor="t" anchorCtr="0"/>
+          <a:bodyPr anchorCtr="0" anchor="t" bIns="91425" lIns="91425" rIns="91425" wrap="square" tIns="91425"/>
           <a:lstStyle>
-            <a:lvl1pPr marL="457200" lvl="0" indent="-311150">
+            <a:lvl1pPr indent="-311150" lvl="0" marL="457200">
               <a:spcBef>
                 <a:spcPts val="0"/>
               </a:spcBef>
@@ -2607,7 +2533,7 @@
               <a:buChar char="●"/>
               <a:defRPr/>
             </a:lvl1pPr>
-            <a:lvl2pPr marL="914400" lvl="1" indent="-298450">
+            <a:lvl2pPr indent="-298450" lvl="1" marL="914400">
               <a:spcBef>
                 <a:spcPts val="1600"/>
               </a:spcBef>
@@ -2618,7 +2544,7 @@
               <a:buChar char="○"/>
               <a:defRPr/>
             </a:lvl2pPr>
-            <a:lvl3pPr marL="1371600" lvl="2" indent="-298450">
+            <a:lvl3pPr indent="-298450" lvl="2" marL="1371600">
               <a:spcBef>
                 <a:spcPts val="1600"/>
               </a:spcBef>
@@ -2629,7 +2555,7 @@
               <a:buChar char="■"/>
               <a:defRPr/>
             </a:lvl3pPr>
-            <a:lvl4pPr marL="1828800" lvl="3" indent="-298450">
+            <a:lvl4pPr indent="-298450" lvl="3" marL="1828800">
               <a:spcBef>
                 <a:spcPts val="1600"/>
               </a:spcBef>
@@ -2640,7 +2566,7 @@
               <a:buChar char="●"/>
               <a:defRPr/>
             </a:lvl4pPr>
-            <a:lvl5pPr marL="2286000" lvl="4" indent="-298450">
+            <a:lvl5pPr indent="-298450" lvl="4" marL="2286000">
               <a:spcBef>
                 <a:spcPts val="1600"/>
               </a:spcBef>
@@ -2651,7 +2577,7 @@
               <a:buChar char="○"/>
               <a:defRPr/>
             </a:lvl5pPr>
-            <a:lvl6pPr marL="2743200" lvl="5" indent="-298450">
+            <a:lvl6pPr indent="-298450" lvl="5" marL="2743200">
               <a:spcBef>
                 <a:spcPts val="1600"/>
               </a:spcBef>
@@ -2662,7 +2588,7 @@
               <a:buChar char="■"/>
               <a:defRPr/>
             </a:lvl6pPr>
-            <a:lvl7pPr marL="3200400" lvl="6" indent="-298450">
+            <a:lvl7pPr indent="-298450" lvl="6" marL="3200400">
               <a:spcBef>
                 <a:spcPts val="1600"/>
               </a:spcBef>
@@ -2673,7 +2599,7 @@
               <a:buChar char="●"/>
               <a:defRPr/>
             </a:lvl7pPr>
-            <a:lvl8pPr marL="3657600" lvl="7" indent="-298450">
+            <a:lvl8pPr indent="-298450" lvl="7" marL="3657600">
               <a:spcBef>
                 <a:spcPts val="1600"/>
               </a:spcBef>
@@ -2684,7 +2610,7 @@
               <a:buChar char="○"/>
               <a:defRPr/>
             </a:lvl8pPr>
-            <a:lvl9pPr marL="4114800" lvl="8" indent="-298450">
+            <a:lvl9pPr indent="-298450" lvl="8" marL="4114800">
               <a:spcBef>
                 <a:spcPts val="1600"/>
               </a:spcBef>
@@ -2696,19 +2622,15 @@
               <a:defRPr/>
             </a:lvl9pPr>
           </a:lstStyle>
-          <a:p>
-            <a:endParaRPr/>
-          </a:p>
+          <a:p/>
         </p:txBody>
       </p:sp>
       <p:sp>
         <p:nvSpPr>
           <p:cNvPr id="127" name="Shape 127"/>
-          <p:cNvSpPr txBox="1">
-            <a:spLocks noGrp="1"/>
-          </p:cNvSpPr>
+          <p:cNvSpPr txBox="1"/>
           <p:nvPr>
-            <p:ph type="sldNum" idx="12"/>
+            <p:ph idx="12" type="sldNum"/>
           </p:nvPr>
         </p:nvSpPr>
         <p:spPr>
@@ -2721,12 +2643,12 @@
           </a:prstGeom>
         </p:spPr>
         <p:txBody>
-          <a:bodyPr wrap="square" lIns="91425" tIns="91425" rIns="91425" bIns="91425" anchor="ctr" anchorCtr="0">
+          <a:bodyPr anchorCtr="0" anchor="ctr" bIns="91425" lIns="91425" rIns="91425" wrap="square" tIns="91425">
             <a:noAutofit/>
           </a:bodyPr>
           <a:lstStyle/>
           <a:p>
-            <a:pPr marL="0" lvl="0" indent="0">
+            <a:pPr indent="0" lvl="0" marL="0">
               <a:spcBef>
                 <a:spcPts val="0"/>
               </a:spcBef>
@@ -2752,11 +2674,11 @@
 </file>
 
 <file path=ppt/slideLayouts/slideLayout11.xml><?xml version="1.0" encoding="utf-8"?>
-<p:sldLayout xmlns:a="http://schemas.openxmlformats.org/drawingml/2006/main" xmlns:r="http://schemas.openxmlformats.org/officeDocument/2006/relationships" xmlns:p="http://schemas.openxmlformats.org/presentationml/2006/main" type="blank">
+<p:sldLayout xmlns:a="http://schemas.openxmlformats.org/drawingml/2006/main" xmlns:r="http://schemas.openxmlformats.org/officeDocument/2006/relationships" xmlns:mc="http://schemas.openxmlformats.org/markup-compatibility/2006" xmlns:mv="urn:schemas-microsoft-com:mac:vml" xmlns:p="http://schemas.openxmlformats.org/presentationml/2006/main" xmlns:c="http://schemas.openxmlformats.org/drawingml/2006/chart" xmlns:dgm="http://schemas.openxmlformats.org/drawingml/2006/diagram" xmlns:o="urn:schemas-microsoft-com:office:office" xmlns:v="urn:schemas-microsoft-com:vml" xmlns:pvml="urn:schemas-microsoft-com:office:powerpoint" xmlns:com="http://schemas.openxmlformats.org/drawingml/2006/compatibility" xmlns:p14="http://schemas.microsoft.com/office/powerpoint/2010/main" xmlns:p15="http://schemas.microsoft.com/office/powerpoint/2012/main" type="blank">
   <p:cSld name="Blank">
     <p:spTree>
       <p:nvGrpSpPr>
-        <p:cNvPr id="1" name="Shape 128"/>
+        <p:cNvPr id="128" name="Shape 128"/>
         <p:cNvGrpSpPr/>
         <p:nvPr/>
       </p:nvGrpSpPr>
@@ -2771,11 +2693,9 @@
       <p:sp>
         <p:nvSpPr>
           <p:cNvPr id="129" name="Shape 129"/>
-          <p:cNvSpPr txBox="1">
-            <a:spLocks noGrp="1"/>
-          </p:cNvSpPr>
+          <p:cNvSpPr txBox="1"/>
           <p:nvPr>
-            <p:ph type="sldNum" idx="12"/>
+            <p:ph idx="12" type="sldNum"/>
           </p:nvPr>
         </p:nvSpPr>
         <p:spPr>
@@ -2788,12 +2708,12 @@
           </a:prstGeom>
         </p:spPr>
         <p:txBody>
-          <a:bodyPr wrap="square" lIns="91425" tIns="91425" rIns="91425" bIns="91425" anchor="ctr" anchorCtr="0">
+          <a:bodyPr anchorCtr="0" anchor="ctr" bIns="91425" lIns="91425" rIns="91425" wrap="square" tIns="91425">
             <a:noAutofit/>
           </a:bodyPr>
           <a:lstStyle/>
           <a:p>
-            <a:pPr marL="0" lvl="0" indent="0">
+            <a:pPr indent="0" lvl="0" marL="0">
               <a:spcBef>
                 <a:spcPts val="0"/>
               </a:spcBef>
@@ -2819,11 +2739,11 @@
 </file>
 
 <file path=ppt/slideLayouts/slideLayout2.xml><?xml version="1.0" encoding="utf-8"?>
-<p:sldLayout xmlns:a="http://schemas.openxmlformats.org/drawingml/2006/main" xmlns:r="http://schemas.openxmlformats.org/officeDocument/2006/relationships" xmlns:p="http://schemas.openxmlformats.org/presentationml/2006/main" type="secHead">
+<p:sldLayout xmlns:a="http://schemas.openxmlformats.org/drawingml/2006/main" xmlns:r="http://schemas.openxmlformats.org/officeDocument/2006/relationships" xmlns:mc="http://schemas.openxmlformats.org/markup-compatibility/2006" xmlns:mv="urn:schemas-microsoft-com:mac:vml" xmlns:p="http://schemas.openxmlformats.org/presentationml/2006/main" xmlns:c="http://schemas.openxmlformats.org/drawingml/2006/chart" xmlns:dgm="http://schemas.openxmlformats.org/drawingml/2006/diagram" xmlns:o="urn:schemas-microsoft-com:office:office" xmlns:v="urn:schemas-microsoft-com:vml" xmlns:pvml="urn:schemas-microsoft-com:office:powerpoint" xmlns:com="http://schemas.openxmlformats.org/drawingml/2006/compatibility" xmlns:p14="http://schemas.microsoft.com/office/powerpoint/2010/main" xmlns:p15="http://schemas.microsoft.com/office/powerpoint/2012/main" type="secHead">
   <p:cSld name="Section header">
     <p:spTree>
       <p:nvGrpSpPr>
-        <p:cNvPr id="1" name="Shape 19"/>
+        <p:cNvPr id="19" name="Shape 19"/>
         <p:cNvGrpSpPr/>
         <p:nvPr/>
       </p:nvGrpSpPr>
@@ -2862,7 +2782,7 @@
             </a:xfrm>
             <a:prstGeom prst="diagStripe">
               <a:avLst>
-                <a:gd name="adj" fmla="val 49469"/>
+                <a:gd fmla="val 49469" name="adj"/>
               </a:avLst>
             </a:prstGeom>
             <a:solidFill>
@@ -2875,12 +2795,12 @@
             </a:ln>
           </p:spPr>
           <p:txBody>
-            <a:bodyPr wrap="square" lIns="91425" tIns="91425" rIns="91425" bIns="91425" anchor="ctr" anchorCtr="0">
+            <a:bodyPr anchorCtr="0" anchor="ctr" bIns="91425" lIns="91425" rIns="91425" wrap="square" tIns="91425">
               <a:noAutofit/>
             </a:bodyPr>
             <a:lstStyle/>
             <a:p>
-              <a:pPr marL="0" lvl="0" indent="0">
+              <a:pPr indent="0" lvl="0" marL="0">
                 <a:spcBef>
                   <a:spcPts val="0"/>
                 </a:spcBef>
@@ -2889,6 +2809,9 @@
                 </a:spcAft>
                 <a:buNone/>
               </a:pPr>
+              <a:r>
+                <a:t/>
+              </a:r>
               <a:endParaRPr/>
             </a:p>
           </p:txBody>
@@ -2906,7 +2829,7 @@
             </a:xfrm>
             <a:prstGeom prst="diagStripe">
               <a:avLst>
-                <a:gd name="adj" fmla="val 0"/>
+                <a:gd fmla="val 0" name="adj"/>
               </a:avLst>
             </a:prstGeom>
             <a:solidFill>
@@ -2919,12 +2842,12 @@
             </a:ln>
           </p:spPr>
           <p:txBody>
-            <a:bodyPr wrap="square" lIns="91425" tIns="91425" rIns="91425" bIns="91425" anchor="ctr" anchorCtr="0">
+            <a:bodyPr anchorCtr="0" anchor="ctr" bIns="91425" lIns="91425" rIns="91425" wrap="square" tIns="91425">
               <a:noAutofit/>
             </a:bodyPr>
             <a:lstStyle/>
             <a:p>
-              <a:pPr marL="0" lvl="0" indent="0">
+              <a:pPr indent="0" lvl="0" marL="0">
                 <a:spcBef>
                   <a:spcPts val="0"/>
                 </a:spcBef>
@@ -2933,6 +2856,9 @@
                 </a:spcAft>
                 <a:buNone/>
               </a:pPr>
+              <a:r>
+                <a:t/>
+              </a:r>
               <a:endParaRPr/>
             </a:p>
           </p:txBody>
@@ -2950,7 +2876,7 @@
             </a:xfrm>
             <a:prstGeom prst="diagStripe">
               <a:avLst>
-                <a:gd name="adj" fmla="val 50000"/>
+                <a:gd fmla="val 50000" name="adj"/>
               </a:avLst>
             </a:prstGeom>
             <a:solidFill>
@@ -2963,12 +2889,12 @@
             </a:ln>
           </p:spPr>
           <p:txBody>
-            <a:bodyPr wrap="square" lIns="91425" tIns="91425" rIns="91425" bIns="91425" anchor="ctr" anchorCtr="0">
+            <a:bodyPr anchorCtr="0" anchor="ctr" bIns="91425" lIns="91425" rIns="91425" wrap="square" tIns="91425">
               <a:noAutofit/>
             </a:bodyPr>
             <a:lstStyle/>
             <a:p>
-              <a:pPr marL="0" lvl="0" indent="0">
+              <a:pPr indent="0" lvl="0" marL="0">
                 <a:spcBef>
                   <a:spcPts val="0"/>
                 </a:spcBef>
@@ -2977,6 +2903,9 @@
                 </a:spcAft>
                 <a:buNone/>
               </a:pPr>
+              <a:r>
+                <a:t/>
+              </a:r>
               <a:endParaRPr/>
             </a:p>
           </p:txBody>
@@ -2994,7 +2923,7 @@
             </a:xfrm>
             <a:prstGeom prst="diagStripe">
               <a:avLst>
-                <a:gd name="adj" fmla="val 50000"/>
+                <a:gd fmla="val 50000" name="adj"/>
               </a:avLst>
             </a:prstGeom>
             <a:solidFill>
@@ -3007,12 +2936,12 @@
             </a:ln>
           </p:spPr>
           <p:txBody>
-            <a:bodyPr wrap="square" lIns="91425" tIns="91425" rIns="91425" bIns="91425" anchor="ctr" anchorCtr="0">
+            <a:bodyPr anchorCtr="0" anchor="ctr" bIns="91425" lIns="91425" rIns="91425" wrap="square" tIns="91425">
               <a:noAutofit/>
             </a:bodyPr>
             <a:lstStyle/>
             <a:p>
-              <a:pPr marL="0" lvl="0" indent="0">
+              <a:pPr indent="0" lvl="0" marL="0">
                 <a:spcBef>
                   <a:spcPts val="0"/>
                 </a:spcBef>
@@ -3021,6 +2950,9 @@
                 </a:spcAft>
                 <a:buNone/>
               </a:pPr>
+              <a:r>
+                <a:t/>
+              </a:r>
               <a:endParaRPr/>
             </a:p>
           </p:txBody>
@@ -3038,7 +2970,7 @@
             </a:xfrm>
             <a:prstGeom prst="diagStripe">
               <a:avLst>
-                <a:gd name="adj" fmla="val 50000"/>
+                <a:gd fmla="val 50000" name="adj"/>
               </a:avLst>
             </a:prstGeom>
             <a:solidFill>
@@ -3051,12 +2983,12 @@
             </a:ln>
           </p:spPr>
           <p:txBody>
-            <a:bodyPr wrap="square" lIns="91425" tIns="91425" rIns="91425" bIns="91425" anchor="ctr" anchorCtr="0">
+            <a:bodyPr anchorCtr="0" anchor="ctr" bIns="91425" lIns="91425" rIns="91425" wrap="square" tIns="91425">
               <a:noAutofit/>
             </a:bodyPr>
             <a:lstStyle/>
             <a:p>
-              <a:pPr marL="0" lvl="0" indent="0">
+              <a:pPr indent="0" lvl="0" marL="0">
                 <a:spcBef>
                   <a:spcPts val="0"/>
                 </a:spcBef>
@@ -3065,6 +2997,9 @@
                 </a:spcAft>
                 <a:buNone/>
               </a:pPr>
+              <a:r>
+                <a:t/>
+              </a:r>
               <a:endParaRPr/>
             </a:p>
           </p:txBody>
@@ -3082,7 +3017,7 @@
             </a:xfrm>
             <a:prstGeom prst="diagStripe">
               <a:avLst>
-                <a:gd name="adj" fmla="val 50000"/>
+                <a:gd fmla="val 50000" name="adj"/>
               </a:avLst>
             </a:prstGeom>
             <a:solidFill>
@@ -3095,12 +3030,12 @@
             </a:ln>
           </p:spPr>
           <p:txBody>
-            <a:bodyPr wrap="square" lIns="91425" tIns="91425" rIns="91425" bIns="91425" anchor="ctr" anchorCtr="0">
+            <a:bodyPr anchorCtr="0" anchor="ctr" bIns="91425" lIns="91425" rIns="91425" wrap="square" tIns="91425">
               <a:noAutofit/>
             </a:bodyPr>
             <a:lstStyle/>
             <a:p>
-              <a:pPr marL="0" lvl="0" indent="0">
+              <a:pPr indent="0" lvl="0" marL="0">
                 <a:spcBef>
                   <a:spcPts val="0"/>
                 </a:spcBef>
@@ -3109,6 +3044,9 @@
                 </a:spcAft>
                 <a:buNone/>
               </a:pPr>
+              <a:r>
+                <a:t/>
+              </a:r>
               <a:endParaRPr/>
             </a:p>
           </p:txBody>
@@ -3126,7 +3064,7 @@
             </a:xfrm>
             <a:prstGeom prst="diagStripe">
               <a:avLst>
-                <a:gd name="adj" fmla="val 50000"/>
+                <a:gd fmla="val 50000" name="adj"/>
               </a:avLst>
             </a:prstGeom>
             <a:solidFill>
@@ -3139,12 +3077,12 @@
             </a:ln>
           </p:spPr>
           <p:txBody>
-            <a:bodyPr wrap="square" lIns="91425" tIns="91425" rIns="91425" bIns="91425" anchor="ctr" anchorCtr="0">
+            <a:bodyPr anchorCtr="0" anchor="ctr" bIns="91425" lIns="91425" rIns="91425" wrap="square" tIns="91425">
               <a:noAutofit/>
             </a:bodyPr>
             <a:lstStyle/>
             <a:p>
-              <a:pPr marL="0" lvl="0" indent="0">
+              <a:pPr indent="0" lvl="0" marL="0">
                 <a:spcBef>
                   <a:spcPts val="0"/>
                 </a:spcBef>
@@ -3153,6 +3091,9 @@
                 </a:spcAft>
                 <a:buNone/>
               </a:pPr>
+              <a:r>
+                <a:t/>
+              </a:r>
               <a:endParaRPr/>
             </a:p>
           </p:txBody>
@@ -3170,7 +3111,7 @@
             </a:xfrm>
             <a:prstGeom prst="diagStripe">
               <a:avLst>
-                <a:gd name="adj" fmla="val 50000"/>
+                <a:gd fmla="val 50000" name="adj"/>
               </a:avLst>
             </a:prstGeom>
             <a:solidFill>
@@ -3181,12 +3122,12 @@
             </a:ln>
           </p:spPr>
           <p:txBody>
-            <a:bodyPr wrap="square" lIns="91425" tIns="91425" rIns="91425" bIns="91425" anchor="ctr" anchorCtr="0">
+            <a:bodyPr anchorCtr="0" anchor="ctr" bIns="91425" lIns="91425" rIns="91425" wrap="square" tIns="91425">
               <a:noAutofit/>
             </a:bodyPr>
             <a:lstStyle/>
             <a:p>
-              <a:pPr marL="0" lvl="0" indent="0">
+              <a:pPr indent="0" lvl="0" marL="0">
                 <a:spcBef>
                   <a:spcPts val="0"/>
                 </a:spcBef>
@@ -3195,6 +3136,9 @@
                 </a:spcAft>
                 <a:buNone/>
               </a:pPr>
+              <a:r>
+                <a:t/>
+              </a:r>
               <a:endParaRPr/>
             </a:p>
           </p:txBody>
@@ -3212,7 +3156,7 @@
             </a:xfrm>
             <a:prstGeom prst="diagStripe">
               <a:avLst>
-                <a:gd name="adj" fmla="val 50000"/>
+                <a:gd fmla="val 50000" name="adj"/>
               </a:avLst>
             </a:prstGeom>
             <a:solidFill>
@@ -3225,12 +3169,12 @@
             </a:ln>
           </p:spPr>
           <p:txBody>
-            <a:bodyPr wrap="square" lIns="91425" tIns="91425" rIns="91425" bIns="91425" anchor="ctr" anchorCtr="0">
+            <a:bodyPr anchorCtr="0" anchor="ctr" bIns="91425" lIns="91425" rIns="91425" wrap="square" tIns="91425">
               <a:noAutofit/>
             </a:bodyPr>
             <a:lstStyle/>
             <a:p>
-              <a:pPr marL="0" lvl="0" indent="0">
+              <a:pPr indent="0" lvl="0" marL="0">
                 <a:spcBef>
                   <a:spcPts val="0"/>
                 </a:spcBef>
@@ -3239,6 +3183,9 @@
                 </a:spcAft>
                 <a:buNone/>
               </a:pPr>
+              <a:r>
+                <a:t/>
+              </a:r>
               <a:endParaRPr/>
             </a:p>
           </p:txBody>
@@ -3256,7 +3203,7 @@
             </a:xfrm>
             <a:prstGeom prst="diagStripe">
               <a:avLst>
-                <a:gd name="adj" fmla="val 50000"/>
+                <a:gd fmla="val 50000" name="adj"/>
               </a:avLst>
             </a:prstGeom>
             <a:solidFill>
@@ -3269,12 +3216,12 @@
             </a:ln>
           </p:spPr>
           <p:txBody>
-            <a:bodyPr wrap="square" lIns="91425" tIns="91425" rIns="91425" bIns="91425" anchor="ctr" anchorCtr="0">
+            <a:bodyPr anchorCtr="0" anchor="ctr" bIns="91425" lIns="91425" rIns="91425" wrap="square" tIns="91425">
               <a:noAutofit/>
             </a:bodyPr>
             <a:lstStyle/>
             <a:p>
-              <a:pPr marL="0" lvl="0" indent="0">
+              <a:pPr indent="0" lvl="0" marL="0">
                 <a:spcBef>
                   <a:spcPts val="0"/>
                 </a:spcBef>
@@ -3283,6 +3230,9 @@
                 </a:spcAft>
                 <a:buNone/>
               </a:pPr>
+              <a:r>
+                <a:t/>
+              </a:r>
               <a:endParaRPr/>
             </a:p>
           </p:txBody>
@@ -3300,7 +3250,7 @@
             </a:xfrm>
             <a:prstGeom prst="diagStripe">
               <a:avLst>
-                <a:gd name="adj" fmla="val 50000"/>
+                <a:gd fmla="val 50000" name="adj"/>
               </a:avLst>
             </a:prstGeom>
             <a:solidFill>
@@ -3313,12 +3263,12 @@
             </a:ln>
           </p:spPr>
           <p:txBody>
-            <a:bodyPr wrap="square" lIns="91425" tIns="91425" rIns="91425" bIns="91425" anchor="ctr" anchorCtr="0">
+            <a:bodyPr anchorCtr="0" anchor="ctr" bIns="91425" lIns="91425" rIns="91425" wrap="square" tIns="91425">
               <a:noAutofit/>
             </a:bodyPr>
             <a:lstStyle/>
             <a:p>
-              <a:pPr marL="0" lvl="0" indent="0">
+              <a:pPr indent="0" lvl="0" marL="0">
                 <a:spcBef>
                   <a:spcPts val="0"/>
                 </a:spcBef>
@@ -3327,6 +3277,9 @@
                 </a:spcAft>
                 <a:buNone/>
               </a:pPr>
+              <a:r>
+                <a:t/>
+              </a:r>
               <a:endParaRPr/>
             </a:p>
           </p:txBody>
@@ -3344,7 +3297,7 @@
             </a:xfrm>
             <a:prstGeom prst="diagStripe">
               <a:avLst>
-                <a:gd name="adj" fmla="val 50000"/>
+                <a:gd fmla="val 50000" name="adj"/>
               </a:avLst>
             </a:prstGeom>
             <a:solidFill>
@@ -3357,12 +3310,12 @@
             </a:ln>
           </p:spPr>
           <p:txBody>
-            <a:bodyPr wrap="square" lIns="91425" tIns="91425" rIns="91425" bIns="91425" anchor="ctr" anchorCtr="0">
+            <a:bodyPr anchorCtr="0" anchor="ctr" bIns="91425" lIns="91425" rIns="91425" wrap="square" tIns="91425">
               <a:noAutofit/>
             </a:bodyPr>
             <a:lstStyle/>
             <a:p>
-              <a:pPr marL="0" lvl="0" indent="0">
+              <a:pPr indent="0" lvl="0" marL="0">
                 <a:spcBef>
                   <a:spcPts val="0"/>
                 </a:spcBef>
@@ -3371,6 +3324,9 @@
                 </a:spcAft>
                 <a:buNone/>
               </a:pPr>
+              <a:r>
+                <a:t/>
+              </a:r>
               <a:endParaRPr/>
             </a:p>
           </p:txBody>
@@ -3388,7 +3344,7 @@
             </a:xfrm>
             <a:prstGeom prst="diagStripe">
               <a:avLst>
-                <a:gd name="adj" fmla="val 50000"/>
+                <a:gd fmla="val 50000" name="adj"/>
               </a:avLst>
             </a:prstGeom>
             <a:solidFill>
@@ -3401,12 +3357,12 @@
             </a:ln>
           </p:spPr>
           <p:txBody>
-            <a:bodyPr wrap="square" lIns="91425" tIns="91425" rIns="91425" bIns="91425" anchor="ctr" anchorCtr="0">
+            <a:bodyPr anchorCtr="0" anchor="ctr" bIns="91425" lIns="91425" rIns="91425" wrap="square" tIns="91425">
               <a:noAutofit/>
             </a:bodyPr>
             <a:lstStyle/>
             <a:p>
-              <a:pPr marL="0" lvl="0" indent="0">
+              <a:pPr indent="0" lvl="0" marL="0">
                 <a:spcBef>
                   <a:spcPts val="0"/>
                 </a:spcBef>
@@ -3415,6 +3371,9 @@
                 </a:spcAft>
                 <a:buNone/>
               </a:pPr>
+              <a:r>
+                <a:t/>
+              </a:r>
               <a:endParaRPr/>
             </a:p>
           </p:txBody>
@@ -3432,7 +3391,7 @@
             </a:xfrm>
             <a:prstGeom prst="diagStripe">
               <a:avLst>
-                <a:gd name="adj" fmla="val 50000"/>
+                <a:gd fmla="val 50000" name="adj"/>
               </a:avLst>
             </a:prstGeom>
             <a:solidFill>
@@ -3443,12 +3402,12 @@
             </a:ln>
           </p:spPr>
           <p:txBody>
-            <a:bodyPr wrap="square" lIns="91425" tIns="91425" rIns="91425" bIns="91425" anchor="ctr" anchorCtr="0">
+            <a:bodyPr anchorCtr="0" anchor="ctr" bIns="91425" lIns="91425" rIns="91425" wrap="square" tIns="91425">
               <a:noAutofit/>
             </a:bodyPr>
             <a:lstStyle/>
             <a:p>
-              <a:pPr marL="0" lvl="0" indent="0">
+              <a:pPr indent="0" lvl="0" marL="0">
                 <a:spcBef>
                   <a:spcPts val="0"/>
                 </a:spcBef>
@@ -3457,6 +3416,9 @@
                 </a:spcAft>
                 <a:buNone/>
               </a:pPr>
+              <a:r>
+                <a:t/>
+              </a:r>
               <a:endParaRPr/>
             </a:p>
           </p:txBody>
@@ -3474,7 +3436,7 @@
             </a:xfrm>
             <a:prstGeom prst="diagStripe">
               <a:avLst>
-                <a:gd name="adj" fmla="val 50000"/>
+                <a:gd fmla="val 50000" name="adj"/>
               </a:avLst>
             </a:prstGeom>
             <a:solidFill>
@@ -3487,12 +3449,12 @@
             </a:ln>
           </p:spPr>
           <p:txBody>
-            <a:bodyPr wrap="square" lIns="91425" tIns="91425" rIns="91425" bIns="91425" anchor="ctr" anchorCtr="0">
+            <a:bodyPr anchorCtr="0" anchor="ctr" bIns="91425" lIns="91425" rIns="91425" wrap="square" tIns="91425">
               <a:noAutofit/>
             </a:bodyPr>
             <a:lstStyle/>
             <a:p>
-              <a:pPr marL="0" lvl="0" indent="0">
+              <a:pPr indent="0" lvl="0" marL="0">
                 <a:spcBef>
                   <a:spcPts val="0"/>
                 </a:spcBef>
@@ -3501,6 +3463,9 @@
                 </a:spcAft>
                 <a:buNone/>
               </a:pPr>
+              <a:r>
+                <a:t/>
+              </a:r>
               <a:endParaRPr/>
             </a:p>
           </p:txBody>
@@ -3518,7 +3483,7 @@
             </a:xfrm>
             <a:prstGeom prst="diagStripe">
               <a:avLst>
-                <a:gd name="adj" fmla="val 50000"/>
+                <a:gd fmla="val 50000" name="adj"/>
               </a:avLst>
             </a:prstGeom>
             <a:solidFill>
@@ -3531,12 +3496,12 @@
             </a:ln>
           </p:spPr>
           <p:txBody>
-            <a:bodyPr wrap="square" lIns="91425" tIns="91425" rIns="91425" bIns="91425" anchor="ctr" anchorCtr="0">
+            <a:bodyPr anchorCtr="0" anchor="ctr" bIns="91425" lIns="91425" rIns="91425" wrap="square" tIns="91425">
               <a:noAutofit/>
             </a:bodyPr>
             <a:lstStyle/>
             <a:p>
-              <a:pPr marL="0" lvl="0" indent="0">
+              <a:pPr indent="0" lvl="0" marL="0">
                 <a:spcBef>
                   <a:spcPts val="0"/>
                 </a:spcBef>
@@ -3545,6 +3510,9 @@
                 </a:spcAft>
                 <a:buNone/>
               </a:pPr>
+              <a:r>
+                <a:t/>
+              </a:r>
               <a:endParaRPr/>
             </a:p>
           </p:txBody>
@@ -3562,7 +3530,7 @@
             </a:xfrm>
             <a:prstGeom prst="diagStripe">
               <a:avLst>
-                <a:gd name="adj" fmla="val 50000"/>
+                <a:gd fmla="val 50000" name="adj"/>
               </a:avLst>
             </a:prstGeom>
             <a:solidFill>
@@ -3575,12 +3543,12 @@
             </a:ln>
           </p:spPr>
           <p:txBody>
-            <a:bodyPr wrap="square" lIns="91425" tIns="91425" rIns="91425" bIns="91425" anchor="ctr" anchorCtr="0">
+            <a:bodyPr anchorCtr="0" anchor="ctr" bIns="91425" lIns="91425" rIns="91425" wrap="square" tIns="91425">
               <a:noAutofit/>
             </a:bodyPr>
             <a:lstStyle/>
             <a:p>
-              <a:pPr marL="0" lvl="0" indent="0">
+              <a:pPr indent="0" lvl="0" marL="0">
                 <a:spcBef>
                   <a:spcPts val="0"/>
                 </a:spcBef>
@@ -3589,6 +3557,9 @@
                 </a:spcAft>
                 <a:buNone/>
               </a:pPr>
+              <a:r>
+                <a:t/>
+              </a:r>
               <a:endParaRPr/>
             </a:p>
           </p:txBody>
@@ -3606,7 +3577,7 @@
             </a:xfrm>
             <a:prstGeom prst="diagStripe">
               <a:avLst>
-                <a:gd name="adj" fmla="val 50000"/>
+                <a:gd fmla="val 50000" name="adj"/>
               </a:avLst>
             </a:prstGeom>
             <a:solidFill>
@@ -3619,12 +3590,12 @@
             </a:ln>
           </p:spPr>
           <p:txBody>
-            <a:bodyPr wrap="square" lIns="91425" tIns="91425" rIns="91425" bIns="91425" anchor="ctr" anchorCtr="0">
+            <a:bodyPr anchorCtr="0" anchor="ctr" bIns="91425" lIns="91425" rIns="91425" wrap="square" tIns="91425">
               <a:noAutofit/>
             </a:bodyPr>
             <a:lstStyle/>
             <a:p>
-              <a:pPr marL="0" lvl="0" indent="0">
+              <a:pPr indent="0" lvl="0" marL="0">
                 <a:spcBef>
                   <a:spcPts val="0"/>
                 </a:spcBef>
@@ -3633,6 +3604,9 @@
                 </a:spcAft>
                 <a:buNone/>
               </a:pPr>
+              <a:r>
+                <a:t/>
+              </a:r>
               <a:endParaRPr/>
             </a:p>
           </p:txBody>
@@ -3641,9 +3615,7 @@
       <p:sp>
         <p:nvSpPr>
           <p:cNvPr id="39" name="Shape 39"/>
-          <p:cNvSpPr txBox="1">
-            <a:spLocks noGrp="1"/>
-          </p:cNvSpPr>
+          <p:cNvSpPr txBox="1"/>
           <p:nvPr>
             <p:ph type="title"/>
           </p:nvPr>
@@ -3658,7 +3630,7 @@
           </a:prstGeom>
         </p:spPr>
         <p:txBody>
-          <a:bodyPr wrap="square" lIns="91425" tIns="91425" rIns="91425" bIns="91425" anchor="ctr" anchorCtr="0"/>
+          <a:bodyPr anchorCtr="0" anchor="ctr" bIns="91425" lIns="91425" rIns="91425" wrap="square" tIns="91425"/>
           <a:lstStyle>
             <a:lvl1pPr lvl="0">
               <a:spcBef>
@@ -3760,19 +3732,15 @@
               <a:defRPr/>
             </a:lvl9pPr>
           </a:lstStyle>
-          <a:p>
-            <a:endParaRPr/>
-          </a:p>
+          <a:p/>
         </p:txBody>
       </p:sp>
       <p:sp>
         <p:nvSpPr>
           <p:cNvPr id="40" name="Shape 40"/>
-          <p:cNvSpPr txBox="1">
-            <a:spLocks noGrp="1"/>
-          </p:cNvSpPr>
+          <p:cNvSpPr txBox="1"/>
           <p:nvPr>
-            <p:ph type="sldNum" idx="12"/>
+            <p:ph idx="12" type="sldNum"/>
           </p:nvPr>
         </p:nvSpPr>
         <p:spPr>
@@ -3785,12 +3753,12 @@
           </a:prstGeom>
         </p:spPr>
         <p:txBody>
-          <a:bodyPr wrap="square" lIns="91425" tIns="91425" rIns="91425" bIns="91425" anchor="ctr" anchorCtr="0">
+          <a:bodyPr anchorCtr="0" anchor="ctr" bIns="91425" lIns="91425" rIns="91425" wrap="square" tIns="91425">
             <a:noAutofit/>
           </a:bodyPr>
           <a:lstStyle/>
           <a:p>
-            <a:pPr marL="0" lvl="0" indent="0">
+            <a:pPr indent="0" lvl="0" marL="0">
               <a:spcBef>
                 <a:spcPts val="0"/>
               </a:spcBef>
@@ -3816,11 +3784,11 @@
 </file>
 
 <file path=ppt/slideLayouts/slideLayout3.xml><?xml version="1.0" encoding="utf-8"?>
-<p:sldLayout xmlns:a="http://schemas.openxmlformats.org/drawingml/2006/main" xmlns:r="http://schemas.openxmlformats.org/officeDocument/2006/relationships" xmlns:p="http://schemas.openxmlformats.org/presentationml/2006/main" type="tx">
+<p:sldLayout xmlns:a="http://schemas.openxmlformats.org/drawingml/2006/main" xmlns:r="http://schemas.openxmlformats.org/officeDocument/2006/relationships" xmlns:mc="http://schemas.openxmlformats.org/markup-compatibility/2006" xmlns:mv="urn:schemas-microsoft-com:mac:vml" xmlns:p="http://schemas.openxmlformats.org/presentationml/2006/main" xmlns:c="http://schemas.openxmlformats.org/drawingml/2006/chart" xmlns:dgm="http://schemas.openxmlformats.org/drawingml/2006/diagram" xmlns:o="urn:schemas-microsoft-com:office:office" xmlns:v="urn:schemas-microsoft-com:vml" xmlns:pvml="urn:schemas-microsoft-com:office:powerpoint" xmlns:com="http://schemas.openxmlformats.org/drawingml/2006/compatibility" xmlns:p14="http://schemas.microsoft.com/office/powerpoint/2010/main" xmlns:p15="http://schemas.microsoft.com/office/powerpoint/2012/main" type="tx">
   <p:cSld name="Title and body">
     <p:spTree>
       <p:nvGrpSpPr>
-        <p:cNvPr id="1" name="Shape 41"/>
+        <p:cNvPr id="41" name="Shape 41"/>
         <p:cNvGrpSpPr/>
         <p:nvPr/>
       </p:nvGrpSpPr>
@@ -3859,7 +3827,7 @@
             </a:xfrm>
             <a:prstGeom prst="diagStripe">
               <a:avLst>
-                <a:gd name="adj" fmla="val 50000"/>
+                <a:gd fmla="val 50000" name="adj"/>
               </a:avLst>
             </a:prstGeom>
             <a:solidFill>
@@ -3870,12 +3838,12 @@
             </a:ln>
           </p:spPr>
           <p:txBody>
-            <a:bodyPr wrap="square" lIns="91425" tIns="91425" rIns="91425" bIns="91425" anchor="ctr" anchorCtr="0">
+            <a:bodyPr anchorCtr="0" anchor="ctr" bIns="91425" lIns="91425" rIns="91425" wrap="square" tIns="91425">
               <a:noAutofit/>
             </a:bodyPr>
             <a:lstStyle/>
             <a:p>
-              <a:pPr marL="0" lvl="0" indent="0">
+              <a:pPr indent="0" lvl="0" marL="0">
                 <a:spcBef>
                   <a:spcPts val="0"/>
                 </a:spcBef>
@@ -3884,6 +3852,9 @@
                 </a:spcAft>
                 <a:buNone/>
               </a:pPr>
+              <a:r>
+                <a:t/>
+              </a:r>
               <a:endParaRPr/>
             </a:p>
           </p:txBody>
@@ -3901,7 +3872,7 @@
             </a:xfrm>
             <a:prstGeom prst="diagStripe">
               <a:avLst>
-                <a:gd name="adj" fmla="val 50000"/>
+                <a:gd fmla="val 50000" name="adj"/>
               </a:avLst>
             </a:prstGeom>
             <a:solidFill>
@@ -3912,12 +3883,12 @@
             </a:ln>
           </p:spPr>
           <p:txBody>
-            <a:bodyPr wrap="square" lIns="91425" tIns="91425" rIns="91425" bIns="91425" anchor="ctr" anchorCtr="0">
+            <a:bodyPr anchorCtr="0" anchor="ctr" bIns="91425" lIns="91425" rIns="91425" wrap="square" tIns="91425">
               <a:noAutofit/>
             </a:bodyPr>
             <a:lstStyle/>
             <a:p>
-              <a:pPr marL="0" lvl="0" indent="0">
+              <a:pPr indent="0" lvl="0" marL="0">
                 <a:spcBef>
                   <a:spcPts val="0"/>
                 </a:spcBef>
@@ -3926,6 +3897,9 @@
                 </a:spcAft>
                 <a:buNone/>
               </a:pPr>
+              <a:r>
+                <a:t/>
+              </a:r>
               <a:endParaRPr/>
             </a:p>
           </p:txBody>
@@ -3934,9 +3908,7 @@
       <p:sp>
         <p:nvSpPr>
           <p:cNvPr id="45" name="Shape 45"/>
-          <p:cNvSpPr txBox="1">
-            <a:spLocks noGrp="1"/>
-          </p:cNvSpPr>
+          <p:cNvSpPr txBox="1"/>
           <p:nvPr>
             <p:ph type="title"/>
           </p:nvPr>
@@ -3951,7 +3923,7 @@
           </a:prstGeom>
         </p:spPr>
         <p:txBody>
-          <a:bodyPr wrap="square" lIns="91425" tIns="91425" rIns="91425" bIns="91425" anchor="t" anchorCtr="0"/>
+          <a:bodyPr anchorCtr="0" anchor="t" bIns="91425" lIns="91425" rIns="91425" wrap="square" tIns="91425"/>
           <a:lstStyle>
             <a:lvl1pPr lvl="0">
               <a:spcBef>
@@ -4053,19 +4025,15 @@
               <a:defRPr sz="2400"/>
             </a:lvl9pPr>
           </a:lstStyle>
-          <a:p>
-            <a:endParaRPr/>
-          </a:p>
+          <a:p/>
         </p:txBody>
       </p:sp>
       <p:sp>
         <p:nvSpPr>
           <p:cNvPr id="46" name="Shape 46"/>
-          <p:cNvSpPr txBox="1">
-            <a:spLocks noGrp="1"/>
-          </p:cNvSpPr>
+          <p:cNvSpPr txBox="1"/>
           <p:nvPr>
-            <p:ph type="body" idx="1"/>
+            <p:ph idx="1" type="body"/>
           </p:nvPr>
         </p:nvSpPr>
         <p:spPr>
@@ -4078,9 +4046,9 @@
           </a:prstGeom>
         </p:spPr>
         <p:txBody>
-          <a:bodyPr wrap="square" lIns="91425" tIns="91425" rIns="91425" bIns="91425" anchor="t" anchorCtr="0"/>
+          <a:bodyPr anchorCtr="0" anchor="t" bIns="91425" lIns="91425" rIns="91425" wrap="square" tIns="91425"/>
           <a:lstStyle>
-            <a:lvl1pPr marL="457200" lvl="0" indent="-311150">
+            <a:lvl1pPr indent="-311150" lvl="0" marL="457200">
               <a:spcBef>
                 <a:spcPts val="0"/>
               </a:spcBef>
@@ -4091,7 +4059,7 @@
               <a:buChar char="●"/>
               <a:defRPr/>
             </a:lvl1pPr>
-            <a:lvl2pPr marL="914400" lvl="1" indent="-298450">
+            <a:lvl2pPr indent="-298450" lvl="1" marL="914400">
               <a:spcBef>
                 <a:spcPts val="1600"/>
               </a:spcBef>
@@ -4102,7 +4070,7 @@
               <a:buChar char="○"/>
               <a:defRPr/>
             </a:lvl2pPr>
-            <a:lvl3pPr marL="1371600" lvl="2" indent="-298450">
+            <a:lvl3pPr indent="-298450" lvl="2" marL="1371600">
               <a:spcBef>
                 <a:spcPts val="1600"/>
               </a:spcBef>
@@ -4113,7 +4081,7 @@
               <a:buChar char="■"/>
               <a:defRPr/>
             </a:lvl3pPr>
-            <a:lvl4pPr marL="1828800" lvl="3" indent="-298450">
+            <a:lvl4pPr indent="-298450" lvl="3" marL="1828800">
               <a:spcBef>
                 <a:spcPts val="1600"/>
               </a:spcBef>
@@ -4124,7 +4092,7 @@
               <a:buChar char="●"/>
               <a:defRPr/>
             </a:lvl4pPr>
-            <a:lvl5pPr marL="2286000" lvl="4" indent="-298450">
+            <a:lvl5pPr indent="-298450" lvl="4" marL="2286000">
               <a:spcBef>
                 <a:spcPts val="1600"/>
               </a:spcBef>
@@ -4135,7 +4103,7 @@
               <a:buChar char="○"/>
               <a:defRPr/>
             </a:lvl5pPr>
-            <a:lvl6pPr marL="2743200" lvl="5" indent="-298450">
+            <a:lvl6pPr indent="-298450" lvl="5" marL="2743200">
               <a:spcBef>
                 <a:spcPts val="1600"/>
               </a:spcBef>
@@ -4146,7 +4114,7 @@
               <a:buChar char="■"/>
               <a:defRPr/>
             </a:lvl6pPr>
-            <a:lvl7pPr marL="3200400" lvl="6" indent="-298450">
+            <a:lvl7pPr indent="-298450" lvl="6" marL="3200400">
               <a:spcBef>
                 <a:spcPts val="1600"/>
               </a:spcBef>
@@ -4157,7 +4125,7 @@
               <a:buChar char="●"/>
               <a:defRPr/>
             </a:lvl7pPr>
-            <a:lvl8pPr marL="3657600" lvl="7" indent="-298450">
+            <a:lvl8pPr indent="-298450" lvl="7" marL="3657600">
               <a:spcBef>
                 <a:spcPts val="1600"/>
               </a:spcBef>
@@ -4168,7 +4136,7 @@
               <a:buChar char="○"/>
               <a:defRPr/>
             </a:lvl8pPr>
-            <a:lvl9pPr marL="4114800" lvl="8" indent="-298450">
+            <a:lvl9pPr indent="-298450" lvl="8" marL="4114800">
               <a:spcBef>
                 <a:spcPts val="1600"/>
               </a:spcBef>
@@ -4180,19 +4148,15 @@
               <a:defRPr/>
             </a:lvl9pPr>
           </a:lstStyle>
-          <a:p>
-            <a:endParaRPr/>
-          </a:p>
+          <a:p/>
         </p:txBody>
       </p:sp>
       <p:sp>
         <p:nvSpPr>
           <p:cNvPr id="47" name="Shape 47"/>
-          <p:cNvSpPr txBox="1">
-            <a:spLocks noGrp="1"/>
-          </p:cNvSpPr>
+          <p:cNvSpPr txBox="1"/>
           <p:nvPr>
-            <p:ph type="sldNum" idx="12"/>
+            <p:ph idx="12" type="sldNum"/>
           </p:nvPr>
         </p:nvSpPr>
         <p:spPr>
@@ -4205,12 +4169,12 @@
           </a:prstGeom>
         </p:spPr>
         <p:txBody>
-          <a:bodyPr wrap="square" lIns="91425" tIns="91425" rIns="91425" bIns="91425" anchor="ctr" anchorCtr="0">
+          <a:bodyPr anchorCtr="0" anchor="ctr" bIns="91425" lIns="91425" rIns="91425" wrap="square" tIns="91425">
             <a:noAutofit/>
           </a:bodyPr>
           <a:lstStyle/>
           <a:p>
-            <a:pPr marL="0" lvl="0" indent="0">
+            <a:pPr indent="0" lvl="0" marL="0">
               <a:spcBef>
                 <a:spcPts val="0"/>
               </a:spcBef>
@@ -4236,11 +4200,11 @@
 </file>
 
 <file path=ppt/slideLayouts/slideLayout4.xml><?xml version="1.0" encoding="utf-8"?>
-<p:sldLayout xmlns:a="http://schemas.openxmlformats.org/drawingml/2006/main" xmlns:r="http://schemas.openxmlformats.org/officeDocument/2006/relationships" xmlns:p="http://schemas.openxmlformats.org/presentationml/2006/main" type="twoColTx">
+<p:sldLayout xmlns:a="http://schemas.openxmlformats.org/drawingml/2006/main" xmlns:r="http://schemas.openxmlformats.org/officeDocument/2006/relationships" xmlns:mc="http://schemas.openxmlformats.org/markup-compatibility/2006" xmlns:mv="urn:schemas-microsoft-com:mac:vml" xmlns:p="http://schemas.openxmlformats.org/presentationml/2006/main" xmlns:c="http://schemas.openxmlformats.org/drawingml/2006/chart" xmlns:dgm="http://schemas.openxmlformats.org/drawingml/2006/diagram" xmlns:o="urn:schemas-microsoft-com:office:office" xmlns:v="urn:schemas-microsoft-com:vml" xmlns:pvml="urn:schemas-microsoft-com:office:powerpoint" xmlns:com="http://schemas.openxmlformats.org/drawingml/2006/compatibility" xmlns:p14="http://schemas.microsoft.com/office/powerpoint/2010/main" xmlns:p15="http://schemas.microsoft.com/office/powerpoint/2012/main" type="twoColTx">
   <p:cSld name="Title and two columns">
     <p:spTree>
       <p:nvGrpSpPr>
-        <p:cNvPr id="1" name="Shape 48"/>
+        <p:cNvPr id="48" name="Shape 48"/>
         <p:cNvGrpSpPr/>
         <p:nvPr/>
       </p:nvGrpSpPr>
@@ -4279,7 +4243,7 @@
             </a:xfrm>
             <a:prstGeom prst="diagStripe">
               <a:avLst>
-                <a:gd name="adj" fmla="val 50000"/>
+                <a:gd fmla="val 50000" name="adj"/>
               </a:avLst>
             </a:prstGeom>
             <a:solidFill>
@@ -4290,12 +4254,12 @@
             </a:ln>
           </p:spPr>
           <p:txBody>
-            <a:bodyPr wrap="square" lIns="91425" tIns="91425" rIns="91425" bIns="91425" anchor="ctr" anchorCtr="0">
+            <a:bodyPr anchorCtr="0" anchor="ctr" bIns="91425" lIns="91425" rIns="91425" wrap="square" tIns="91425">
               <a:noAutofit/>
             </a:bodyPr>
             <a:lstStyle/>
             <a:p>
-              <a:pPr marL="0" lvl="0" indent="0">
+              <a:pPr indent="0" lvl="0" marL="0">
                 <a:spcBef>
                   <a:spcPts val="0"/>
                 </a:spcBef>
@@ -4304,6 +4268,9 @@
                 </a:spcAft>
                 <a:buNone/>
               </a:pPr>
+              <a:r>
+                <a:t/>
+              </a:r>
               <a:endParaRPr/>
             </a:p>
           </p:txBody>
@@ -4321,7 +4288,7 @@
             </a:xfrm>
             <a:prstGeom prst="diagStripe">
               <a:avLst>
-                <a:gd name="adj" fmla="val 50000"/>
+                <a:gd fmla="val 50000" name="adj"/>
               </a:avLst>
             </a:prstGeom>
             <a:solidFill>
@@ -4332,12 +4299,12 @@
             </a:ln>
           </p:spPr>
           <p:txBody>
-            <a:bodyPr wrap="square" lIns="91425" tIns="91425" rIns="91425" bIns="91425" anchor="ctr" anchorCtr="0">
+            <a:bodyPr anchorCtr="0" anchor="ctr" bIns="91425" lIns="91425" rIns="91425" wrap="square" tIns="91425">
               <a:noAutofit/>
             </a:bodyPr>
             <a:lstStyle/>
             <a:p>
-              <a:pPr marL="0" lvl="0" indent="0">
+              <a:pPr indent="0" lvl="0" marL="0">
                 <a:spcBef>
                   <a:spcPts val="0"/>
                 </a:spcBef>
@@ -4346,6 +4313,9 @@
                 </a:spcAft>
                 <a:buNone/>
               </a:pPr>
+              <a:r>
+                <a:t/>
+              </a:r>
               <a:endParaRPr/>
             </a:p>
           </p:txBody>
@@ -4354,9 +4324,7 @@
       <p:sp>
         <p:nvSpPr>
           <p:cNvPr id="52" name="Shape 52"/>
-          <p:cNvSpPr txBox="1">
-            <a:spLocks noGrp="1"/>
-          </p:cNvSpPr>
+          <p:cNvSpPr txBox="1"/>
           <p:nvPr>
             <p:ph type="title"/>
           </p:nvPr>
@@ -4371,7 +4339,7 @@
           </a:prstGeom>
         </p:spPr>
         <p:txBody>
-          <a:bodyPr wrap="square" lIns="91425" tIns="91425" rIns="91425" bIns="91425" anchor="t" anchorCtr="0"/>
+          <a:bodyPr anchorCtr="0" anchor="t" bIns="91425" lIns="91425" rIns="91425" wrap="square" tIns="91425"/>
           <a:lstStyle>
             <a:lvl1pPr lvl="0">
               <a:spcBef>
@@ -4473,19 +4441,15 @@
               <a:defRPr sz="2400"/>
             </a:lvl9pPr>
           </a:lstStyle>
-          <a:p>
-            <a:endParaRPr/>
-          </a:p>
+          <a:p/>
         </p:txBody>
       </p:sp>
       <p:sp>
         <p:nvSpPr>
           <p:cNvPr id="53" name="Shape 53"/>
-          <p:cNvSpPr txBox="1">
-            <a:spLocks noGrp="1"/>
-          </p:cNvSpPr>
+          <p:cNvSpPr txBox="1"/>
           <p:nvPr>
-            <p:ph type="body" idx="1"/>
+            <p:ph idx="1" type="body"/>
           </p:nvPr>
         </p:nvSpPr>
         <p:spPr>
@@ -4498,9 +4462,9 @@
           </a:prstGeom>
         </p:spPr>
         <p:txBody>
-          <a:bodyPr wrap="square" lIns="91425" tIns="91425" rIns="91425" bIns="91425" anchor="t" anchorCtr="0"/>
+          <a:bodyPr anchorCtr="0" anchor="t" bIns="91425" lIns="91425" rIns="91425" wrap="square" tIns="91425"/>
           <a:lstStyle>
-            <a:lvl1pPr marL="457200" lvl="0" indent="-311150">
+            <a:lvl1pPr indent="-311150" lvl="0" marL="457200">
               <a:spcBef>
                 <a:spcPts val="0"/>
               </a:spcBef>
@@ -4511,7 +4475,7 @@
               <a:buChar char="●"/>
               <a:defRPr/>
             </a:lvl1pPr>
-            <a:lvl2pPr marL="914400" lvl="1" indent="-298450">
+            <a:lvl2pPr indent="-298450" lvl="1" marL="914400">
               <a:spcBef>
                 <a:spcPts val="1600"/>
               </a:spcBef>
@@ -4522,7 +4486,7 @@
               <a:buChar char="○"/>
               <a:defRPr/>
             </a:lvl2pPr>
-            <a:lvl3pPr marL="1371600" lvl="2" indent="-298450">
+            <a:lvl3pPr indent="-298450" lvl="2" marL="1371600">
               <a:spcBef>
                 <a:spcPts val="1600"/>
               </a:spcBef>
@@ -4533,7 +4497,7 @@
               <a:buChar char="■"/>
               <a:defRPr/>
             </a:lvl3pPr>
-            <a:lvl4pPr marL="1828800" lvl="3" indent="-298450">
+            <a:lvl4pPr indent="-298450" lvl="3" marL="1828800">
               <a:spcBef>
                 <a:spcPts val="1600"/>
               </a:spcBef>
@@ -4544,7 +4508,7 @@
               <a:buChar char="●"/>
               <a:defRPr/>
             </a:lvl4pPr>
-            <a:lvl5pPr marL="2286000" lvl="4" indent="-298450">
+            <a:lvl5pPr indent="-298450" lvl="4" marL="2286000">
               <a:spcBef>
                 <a:spcPts val="1600"/>
               </a:spcBef>
@@ -4555,7 +4519,7 @@
               <a:buChar char="○"/>
               <a:defRPr/>
             </a:lvl5pPr>
-            <a:lvl6pPr marL="2743200" lvl="5" indent="-298450">
+            <a:lvl6pPr indent="-298450" lvl="5" marL="2743200">
               <a:spcBef>
                 <a:spcPts val="1600"/>
               </a:spcBef>
@@ -4566,7 +4530,7 @@
               <a:buChar char="■"/>
               <a:defRPr/>
             </a:lvl6pPr>
-            <a:lvl7pPr marL="3200400" lvl="6" indent="-298450">
+            <a:lvl7pPr indent="-298450" lvl="6" marL="3200400">
               <a:spcBef>
                 <a:spcPts val="1600"/>
               </a:spcBef>
@@ -4577,7 +4541,7 @@
               <a:buChar char="●"/>
               <a:defRPr/>
             </a:lvl7pPr>
-            <a:lvl8pPr marL="3657600" lvl="7" indent="-298450">
+            <a:lvl8pPr indent="-298450" lvl="7" marL="3657600">
               <a:spcBef>
                 <a:spcPts val="1600"/>
               </a:spcBef>
@@ -4588,7 +4552,7 @@
               <a:buChar char="○"/>
               <a:defRPr/>
             </a:lvl8pPr>
-            <a:lvl9pPr marL="4114800" lvl="8" indent="-298450">
+            <a:lvl9pPr indent="-298450" lvl="8" marL="4114800">
               <a:spcBef>
                 <a:spcPts val="1600"/>
               </a:spcBef>
@@ -4600,19 +4564,15 @@
               <a:defRPr/>
             </a:lvl9pPr>
           </a:lstStyle>
-          <a:p>
-            <a:endParaRPr/>
-          </a:p>
+          <a:p/>
         </p:txBody>
       </p:sp>
       <p:sp>
         <p:nvSpPr>
           <p:cNvPr id="54" name="Shape 54"/>
-          <p:cNvSpPr txBox="1">
-            <a:spLocks noGrp="1"/>
-          </p:cNvSpPr>
+          <p:cNvSpPr txBox="1"/>
           <p:nvPr>
-            <p:ph type="body" idx="2"/>
+            <p:ph idx="2" type="body"/>
           </p:nvPr>
         </p:nvSpPr>
         <p:spPr>
@@ -4625,9 +4585,9 @@
           </a:prstGeom>
         </p:spPr>
         <p:txBody>
-          <a:bodyPr wrap="square" lIns="91425" tIns="91425" rIns="91425" bIns="91425" anchor="t" anchorCtr="0"/>
+          <a:bodyPr anchorCtr="0" anchor="t" bIns="91425" lIns="91425" rIns="91425" wrap="square" tIns="91425"/>
           <a:lstStyle>
-            <a:lvl1pPr marL="457200" lvl="0" indent="-311150">
+            <a:lvl1pPr indent="-311150" lvl="0" marL="457200">
               <a:spcBef>
                 <a:spcPts val="0"/>
               </a:spcBef>
@@ -4638,7 +4598,7 @@
               <a:buChar char="●"/>
               <a:defRPr/>
             </a:lvl1pPr>
-            <a:lvl2pPr marL="914400" lvl="1" indent="-298450">
+            <a:lvl2pPr indent="-298450" lvl="1" marL="914400">
               <a:spcBef>
                 <a:spcPts val="1600"/>
               </a:spcBef>
@@ -4649,7 +4609,7 @@
               <a:buChar char="○"/>
               <a:defRPr/>
             </a:lvl2pPr>
-            <a:lvl3pPr marL="1371600" lvl="2" indent="-298450">
+            <a:lvl3pPr indent="-298450" lvl="2" marL="1371600">
               <a:spcBef>
                 <a:spcPts val="1600"/>
               </a:spcBef>
@@ -4660,7 +4620,7 @@
               <a:buChar char="■"/>
               <a:defRPr/>
             </a:lvl3pPr>
-            <a:lvl4pPr marL="1828800" lvl="3" indent="-298450">
+            <a:lvl4pPr indent="-298450" lvl="3" marL="1828800">
               <a:spcBef>
                 <a:spcPts val="1600"/>
               </a:spcBef>
@@ -4671,7 +4631,7 @@
               <a:buChar char="●"/>
               <a:defRPr/>
             </a:lvl4pPr>
-            <a:lvl5pPr marL="2286000" lvl="4" indent="-298450">
+            <a:lvl5pPr indent="-298450" lvl="4" marL="2286000">
               <a:spcBef>
                 <a:spcPts val="1600"/>
               </a:spcBef>
@@ -4682,7 +4642,7 @@
               <a:buChar char="○"/>
               <a:defRPr/>
             </a:lvl5pPr>
-            <a:lvl6pPr marL="2743200" lvl="5" indent="-298450">
+            <a:lvl6pPr indent="-298450" lvl="5" marL="2743200">
               <a:spcBef>
                 <a:spcPts val="1600"/>
               </a:spcBef>
@@ -4693,7 +4653,7 @@
               <a:buChar char="■"/>
               <a:defRPr/>
             </a:lvl6pPr>
-            <a:lvl7pPr marL="3200400" lvl="6" indent="-298450">
+            <a:lvl7pPr indent="-298450" lvl="6" marL="3200400">
               <a:spcBef>
                 <a:spcPts val="1600"/>
               </a:spcBef>
@@ -4704,7 +4664,7 @@
               <a:buChar char="●"/>
               <a:defRPr/>
             </a:lvl7pPr>
-            <a:lvl8pPr marL="3657600" lvl="7" indent="-298450">
+            <a:lvl8pPr indent="-298450" lvl="7" marL="3657600">
               <a:spcBef>
                 <a:spcPts val="1600"/>
               </a:spcBef>
@@ -4715,7 +4675,7 @@
               <a:buChar char="○"/>
               <a:defRPr/>
             </a:lvl8pPr>
-            <a:lvl9pPr marL="4114800" lvl="8" indent="-298450">
+            <a:lvl9pPr indent="-298450" lvl="8" marL="4114800">
               <a:spcBef>
                 <a:spcPts val="1600"/>
               </a:spcBef>
@@ -4727,19 +4687,15 @@
               <a:defRPr/>
             </a:lvl9pPr>
           </a:lstStyle>
-          <a:p>
-            <a:endParaRPr/>
-          </a:p>
+          <a:p/>
         </p:txBody>
       </p:sp>
       <p:sp>
         <p:nvSpPr>
           <p:cNvPr id="55" name="Shape 55"/>
-          <p:cNvSpPr txBox="1">
-            <a:spLocks noGrp="1"/>
-          </p:cNvSpPr>
+          <p:cNvSpPr txBox="1"/>
           <p:nvPr>
-            <p:ph type="sldNum" idx="12"/>
+            <p:ph idx="12" type="sldNum"/>
           </p:nvPr>
         </p:nvSpPr>
         <p:spPr>
@@ -4752,12 +4708,12 @@
           </a:prstGeom>
         </p:spPr>
         <p:txBody>
-          <a:bodyPr wrap="square" lIns="91425" tIns="91425" rIns="91425" bIns="91425" anchor="ctr" anchorCtr="0">
+          <a:bodyPr anchorCtr="0" anchor="ctr" bIns="91425" lIns="91425" rIns="91425" wrap="square" tIns="91425">
             <a:noAutofit/>
           </a:bodyPr>
           <a:lstStyle/>
           <a:p>
-            <a:pPr marL="0" lvl="0" indent="0">
+            <a:pPr indent="0" lvl="0" marL="0">
               <a:spcBef>
                 <a:spcPts val="0"/>
               </a:spcBef>
@@ -4783,11 +4739,11 @@
 </file>
 
 <file path=ppt/slideLayouts/slideLayout5.xml><?xml version="1.0" encoding="utf-8"?>
-<p:sldLayout xmlns:a="http://schemas.openxmlformats.org/drawingml/2006/main" xmlns:r="http://schemas.openxmlformats.org/officeDocument/2006/relationships" xmlns:p="http://schemas.openxmlformats.org/presentationml/2006/main" type="titleOnly">
+<p:sldLayout xmlns:a="http://schemas.openxmlformats.org/drawingml/2006/main" xmlns:r="http://schemas.openxmlformats.org/officeDocument/2006/relationships" xmlns:mc="http://schemas.openxmlformats.org/markup-compatibility/2006" xmlns:mv="urn:schemas-microsoft-com:mac:vml" xmlns:p="http://schemas.openxmlformats.org/presentationml/2006/main" xmlns:c="http://schemas.openxmlformats.org/drawingml/2006/chart" xmlns:dgm="http://schemas.openxmlformats.org/drawingml/2006/diagram" xmlns:o="urn:schemas-microsoft-com:office:office" xmlns:v="urn:schemas-microsoft-com:vml" xmlns:pvml="urn:schemas-microsoft-com:office:powerpoint" xmlns:com="http://schemas.openxmlformats.org/drawingml/2006/compatibility" xmlns:p14="http://schemas.microsoft.com/office/powerpoint/2010/main" xmlns:p15="http://schemas.microsoft.com/office/powerpoint/2012/main" type="titleOnly">
   <p:cSld name="Title only">
     <p:spTree>
       <p:nvGrpSpPr>
-        <p:cNvPr id="1" name="Shape 56"/>
+        <p:cNvPr id="56" name="Shape 56"/>
         <p:cNvGrpSpPr/>
         <p:nvPr/>
       </p:nvGrpSpPr>
@@ -4826,7 +4782,7 @@
             </a:xfrm>
             <a:prstGeom prst="diagStripe">
               <a:avLst>
-                <a:gd name="adj" fmla="val 50000"/>
+                <a:gd fmla="val 50000" name="adj"/>
               </a:avLst>
             </a:prstGeom>
             <a:solidFill>
@@ -4837,12 +4793,12 @@
             </a:ln>
           </p:spPr>
           <p:txBody>
-            <a:bodyPr wrap="square" lIns="91425" tIns="91425" rIns="91425" bIns="91425" anchor="ctr" anchorCtr="0">
+            <a:bodyPr anchorCtr="0" anchor="ctr" bIns="91425" lIns="91425" rIns="91425" wrap="square" tIns="91425">
               <a:noAutofit/>
             </a:bodyPr>
             <a:lstStyle/>
             <a:p>
-              <a:pPr marL="0" lvl="0" indent="0">
+              <a:pPr indent="0" lvl="0" marL="0">
                 <a:spcBef>
                   <a:spcPts val="0"/>
                 </a:spcBef>
@@ -4851,6 +4807,9 @@
                 </a:spcAft>
                 <a:buNone/>
               </a:pPr>
+              <a:r>
+                <a:t/>
+              </a:r>
               <a:endParaRPr/>
             </a:p>
           </p:txBody>
@@ -4868,7 +4827,7 @@
             </a:xfrm>
             <a:prstGeom prst="diagStripe">
               <a:avLst>
-                <a:gd name="adj" fmla="val 50000"/>
+                <a:gd fmla="val 50000" name="adj"/>
               </a:avLst>
             </a:prstGeom>
             <a:solidFill>
@@ -4879,12 +4838,12 @@
             </a:ln>
           </p:spPr>
           <p:txBody>
-            <a:bodyPr wrap="square" lIns="91425" tIns="91425" rIns="91425" bIns="91425" anchor="ctr" anchorCtr="0">
+            <a:bodyPr anchorCtr="0" anchor="ctr" bIns="91425" lIns="91425" rIns="91425" wrap="square" tIns="91425">
               <a:noAutofit/>
             </a:bodyPr>
             <a:lstStyle/>
             <a:p>
-              <a:pPr marL="0" lvl="0" indent="0">
+              <a:pPr indent="0" lvl="0" marL="0">
                 <a:spcBef>
                   <a:spcPts val="0"/>
                 </a:spcBef>
@@ -4893,6 +4852,9 @@
                 </a:spcAft>
                 <a:buNone/>
               </a:pPr>
+              <a:r>
+                <a:t/>
+              </a:r>
               <a:endParaRPr/>
             </a:p>
           </p:txBody>
@@ -4901,9 +4863,7 @@
       <p:sp>
         <p:nvSpPr>
           <p:cNvPr id="60" name="Shape 60"/>
-          <p:cNvSpPr txBox="1">
-            <a:spLocks noGrp="1"/>
-          </p:cNvSpPr>
+          <p:cNvSpPr txBox="1"/>
           <p:nvPr>
             <p:ph type="title"/>
           </p:nvPr>
@@ -4918,7 +4878,7 @@
           </a:prstGeom>
         </p:spPr>
         <p:txBody>
-          <a:bodyPr wrap="square" lIns="91425" tIns="91425" rIns="91425" bIns="91425" anchor="t" anchorCtr="0"/>
+          <a:bodyPr anchorCtr="0" anchor="t" bIns="91425" lIns="91425" rIns="91425" wrap="square" tIns="91425"/>
           <a:lstStyle>
             <a:lvl1pPr lvl="0">
               <a:spcBef>
@@ -5020,19 +4980,15 @@
               <a:defRPr sz="2400"/>
             </a:lvl9pPr>
           </a:lstStyle>
-          <a:p>
-            <a:endParaRPr/>
-          </a:p>
+          <a:p/>
         </p:txBody>
       </p:sp>
       <p:sp>
         <p:nvSpPr>
           <p:cNvPr id="61" name="Shape 61"/>
-          <p:cNvSpPr txBox="1">
-            <a:spLocks noGrp="1"/>
-          </p:cNvSpPr>
+          <p:cNvSpPr txBox="1"/>
           <p:nvPr>
-            <p:ph type="sldNum" idx="12"/>
+            <p:ph idx="12" type="sldNum"/>
           </p:nvPr>
         </p:nvSpPr>
         <p:spPr>
@@ -5045,12 +5001,12 @@
           </a:prstGeom>
         </p:spPr>
         <p:txBody>
-          <a:bodyPr wrap="square" lIns="91425" tIns="91425" rIns="91425" bIns="91425" anchor="ctr" anchorCtr="0">
+          <a:bodyPr anchorCtr="0" anchor="ctr" bIns="91425" lIns="91425" rIns="91425" wrap="square" tIns="91425">
             <a:noAutofit/>
           </a:bodyPr>
           <a:lstStyle/>
           <a:p>
-            <a:pPr marL="0" lvl="0" indent="0">
+            <a:pPr indent="0" lvl="0" marL="0">
               <a:spcBef>
                 <a:spcPts val="0"/>
               </a:spcBef>
@@ -5076,11 +5032,11 @@
 </file>
 
 <file path=ppt/slideLayouts/slideLayout6.xml><?xml version="1.0" encoding="utf-8"?>
-<p:sldLayout xmlns:a="http://schemas.openxmlformats.org/drawingml/2006/main" xmlns:r="http://schemas.openxmlformats.org/officeDocument/2006/relationships" xmlns:p="http://schemas.openxmlformats.org/presentationml/2006/main">
+<p:sldLayout xmlns:a="http://schemas.openxmlformats.org/drawingml/2006/main" xmlns:r="http://schemas.openxmlformats.org/officeDocument/2006/relationships" xmlns:mc="http://schemas.openxmlformats.org/markup-compatibility/2006" xmlns:mv="urn:schemas-microsoft-com:mac:vml" xmlns:p="http://schemas.openxmlformats.org/presentationml/2006/main" xmlns:c="http://schemas.openxmlformats.org/drawingml/2006/chart" xmlns:dgm="http://schemas.openxmlformats.org/drawingml/2006/diagram" xmlns:o="urn:schemas-microsoft-com:office:office" xmlns:v="urn:schemas-microsoft-com:vml" xmlns:pvml="urn:schemas-microsoft-com:office:powerpoint" xmlns:com="http://schemas.openxmlformats.org/drawingml/2006/compatibility" xmlns:p14="http://schemas.microsoft.com/office/powerpoint/2010/main" xmlns:p15="http://schemas.microsoft.com/office/powerpoint/2012/main">
   <p:cSld name="One column text">
     <p:spTree>
       <p:nvGrpSpPr>
-        <p:cNvPr id="1" name="Shape 62"/>
+        <p:cNvPr id="62" name="Shape 62"/>
         <p:cNvGrpSpPr/>
         <p:nvPr/>
       </p:nvGrpSpPr>
@@ -5119,7 +5075,7 @@
             </a:xfrm>
             <a:prstGeom prst="diagStripe">
               <a:avLst>
-                <a:gd name="adj" fmla="val 50000"/>
+                <a:gd fmla="val 50000" name="adj"/>
               </a:avLst>
             </a:prstGeom>
             <a:solidFill>
@@ -5130,12 +5086,12 @@
             </a:ln>
           </p:spPr>
           <p:txBody>
-            <a:bodyPr wrap="square" lIns="91425" tIns="91425" rIns="91425" bIns="91425" anchor="ctr" anchorCtr="0">
+            <a:bodyPr anchorCtr="0" anchor="ctr" bIns="91425" lIns="91425" rIns="91425" wrap="square" tIns="91425">
               <a:noAutofit/>
             </a:bodyPr>
             <a:lstStyle/>
             <a:p>
-              <a:pPr marL="0" lvl="0" indent="0">
+              <a:pPr indent="0" lvl="0" marL="0">
                 <a:spcBef>
                   <a:spcPts val="0"/>
                 </a:spcBef>
@@ -5144,6 +5100,9 @@
                 </a:spcAft>
                 <a:buNone/>
               </a:pPr>
+              <a:r>
+                <a:t/>
+              </a:r>
               <a:endParaRPr/>
             </a:p>
           </p:txBody>
@@ -5161,7 +5120,7 @@
             </a:xfrm>
             <a:prstGeom prst="diagStripe">
               <a:avLst>
-                <a:gd name="adj" fmla="val 50000"/>
+                <a:gd fmla="val 50000" name="adj"/>
               </a:avLst>
             </a:prstGeom>
             <a:solidFill>
@@ -5172,12 +5131,12 @@
             </a:ln>
           </p:spPr>
           <p:txBody>
-            <a:bodyPr wrap="square" lIns="91425" tIns="91425" rIns="91425" bIns="91425" anchor="ctr" anchorCtr="0">
+            <a:bodyPr anchorCtr="0" anchor="ctr" bIns="91425" lIns="91425" rIns="91425" wrap="square" tIns="91425">
               <a:noAutofit/>
             </a:bodyPr>
             <a:lstStyle/>
             <a:p>
-              <a:pPr marL="0" lvl="0" indent="0">
+              <a:pPr indent="0" lvl="0" marL="0">
                 <a:spcBef>
                   <a:spcPts val="0"/>
                 </a:spcBef>
@@ -5186,6 +5145,9 @@
                 </a:spcAft>
                 <a:buNone/>
               </a:pPr>
+              <a:r>
+                <a:t/>
+              </a:r>
               <a:endParaRPr/>
             </a:p>
           </p:txBody>
@@ -5194,9 +5156,7 @@
       <p:sp>
         <p:nvSpPr>
           <p:cNvPr id="66" name="Shape 66"/>
-          <p:cNvSpPr txBox="1">
-            <a:spLocks noGrp="1"/>
-          </p:cNvSpPr>
+          <p:cNvSpPr txBox="1"/>
           <p:nvPr>
             <p:ph type="title"/>
           </p:nvPr>
@@ -5211,7 +5171,7 @@
           </a:prstGeom>
         </p:spPr>
         <p:txBody>
-          <a:bodyPr wrap="square" lIns="91425" tIns="91425" rIns="91425" bIns="91425" anchor="t" anchorCtr="0"/>
+          <a:bodyPr anchorCtr="0" anchor="t" bIns="91425" lIns="91425" rIns="91425" wrap="square" tIns="91425"/>
           <a:lstStyle>
             <a:lvl1pPr lvl="0">
               <a:spcBef>
@@ -5313,19 +5273,15 @@
               <a:defRPr sz="2400"/>
             </a:lvl9pPr>
           </a:lstStyle>
-          <a:p>
-            <a:endParaRPr/>
-          </a:p>
+          <a:p/>
         </p:txBody>
       </p:sp>
       <p:sp>
         <p:nvSpPr>
           <p:cNvPr id="67" name="Shape 67"/>
-          <p:cNvSpPr txBox="1">
-            <a:spLocks noGrp="1"/>
-          </p:cNvSpPr>
+          <p:cNvSpPr txBox="1"/>
           <p:nvPr>
-            <p:ph type="body" idx="1"/>
+            <p:ph idx="1" type="body"/>
           </p:nvPr>
         </p:nvSpPr>
         <p:spPr>
@@ -5338,9 +5294,9 @@
           </a:prstGeom>
         </p:spPr>
         <p:txBody>
-          <a:bodyPr wrap="square" lIns="91425" tIns="91425" rIns="91425" bIns="91425" anchor="t" anchorCtr="0"/>
+          <a:bodyPr anchorCtr="0" anchor="t" bIns="91425" lIns="91425" rIns="91425" wrap="square" tIns="91425"/>
           <a:lstStyle>
-            <a:lvl1pPr marL="457200" lvl="0" indent="-311150">
+            <a:lvl1pPr indent="-311150" lvl="0" marL="457200">
               <a:spcBef>
                 <a:spcPts val="0"/>
               </a:spcBef>
@@ -5351,7 +5307,7 @@
               <a:buChar char="●"/>
               <a:defRPr/>
             </a:lvl1pPr>
-            <a:lvl2pPr marL="914400" lvl="1" indent="-298450">
+            <a:lvl2pPr indent="-298450" lvl="1" marL="914400">
               <a:spcBef>
                 <a:spcPts val="1600"/>
               </a:spcBef>
@@ -5362,7 +5318,7 @@
               <a:buChar char="○"/>
               <a:defRPr/>
             </a:lvl2pPr>
-            <a:lvl3pPr marL="1371600" lvl="2" indent="-298450">
+            <a:lvl3pPr indent="-298450" lvl="2" marL="1371600">
               <a:spcBef>
                 <a:spcPts val="1600"/>
               </a:spcBef>
@@ -5373,7 +5329,7 @@
               <a:buChar char="■"/>
               <a:defRPr/>
             </a:lvl3pPr>
-            <a:lvl4pPr marL="1828800" lvl="3" indent="-298450">
+            <a:lvl4pPr indent="-298450" lvl="3" marL="1828800">
               <a:spcBef>
                 <a:spcPts val="1600"/>
               </a:spcBef>
@@ -5384,7 +5340,7 @@
               <a:buChar char="●"/>
               <a:defRPr/>
             </a:lvl4pPr>
-            <a:lvl5pPr marL="2286000" lvl="4" indent="-298450">
+            <a:lvl5pPr indent="-298450" lvl="4" marL="2286000">
               <a:spcBef>
                 <a:spcPts val="1600"/>
               </a:spcBef>
@@ -5395,7 +5351,7 @@
               <a:buChar char="○"/>
               <a:defRPr/>
             </a:lvl5pPr>
-            <a:lvl6pPr marL="2743200" lvl="5" indent="-298450">
+            <a:lvl6pPr indent="-298450" lvl="5" marL="2743200">
               <a:spcBef>
                 <a:spcPts val="1600"/>
               </a:spcBef>
@@ -5406,7 +5362,7 @@
               <a:buChar char="■"/>
               <a:defRPr/>
             </a:lvl6pPr>
-            <a:lvl7pPr marL="3200400" lvl="6" indent="-298450">
+            <a:lvl7pPr indent="-298450" lvl="6" marL="3200400">
               <a:spcBef>
                 <a:spcPts val="1600"/>
               </a:spcBef>
@@ -5417,7 +5373,7 @@
               <a:buChar char="●"/>
               <a:defRPr/>
             </a:lvl7pPr>
-            <a:lvl8pPr marL="3657600" lvl="7" indent="-298450">
+            <a:lvl8pPr indent="-298450" lvl="7" marL="3657600">
               <a:spcBef>
                 <a:spcPts val="1600"/>
               </a:spcBef>
@@ -5428,7 +5384,7 @@
               <a:buChar char="○"/>
               <a:defRPr/>
             </a:lvl8pPr>
-            <a:lvl9pPr marL="4114800" lvl="8" indent="-298450">
+            <a:lvl9pPr indent="-298450" lvl="8" marL="4114800">
               <a:spcBef>
                 <a:spcPts val="1600"/>
               </a:spcBef>
@@ -5440,19 +5396,15 @@
               <a:defRPr/>
             </a:lvl9pPr>
           </a:lstStyle>
-          <a:p>
-            <a:endParaRPr/>
-          </a:p>
+          <a:p/>
         </p:txBody>
       </p:sp>
       <p:sp>
         <p:nvSpPr>
           <p:cNvPr id="68" name="Shape 68"/>
-          <p:cNvSpPr txBox="1">
-            <a:spLocks noGrp="1"/>
-          </p:cNvSpPr>
+          <p:cNvSpPr txBox="1"/>
           <p:nvPr>
-            <p:ph type="sldNum" idx="12"/>
+            <p:ph idx="12" type="sldNum"/>
           </p:nvPr>
         </p:nvSpPr>
         <p:spPr>
@@ -5465,12 +5417,12 @@
           </a:prstGeom>
         </p:spPr>
         <p:txBody>
-          <a:bodyPr wrap="square" lIns="91425" tIns="91425" rIns="91425" bIns="91425" anchor="ctr" anchorCtr="0">
+          <a:bodyPr anchorCtr="0" anchor="ctr" bIns="91425" lIns="91425" rIns="91425" wrap="square" tIns="91425">
             <a:noAutofit/>
           </a:bodyPr>
           <a:lstStyle/>
           <a:p>
-            <a:pPr marL="0" lvl="0" indent="0">
+            <a:pPr indent="0" lvl="0" marL="0">
               <a:spcBef>
                 <a:spcPts val="0"/>
               </a:spcBef>
@@ -5496,11 +5448,11 @@
 </file>
 
 <file path=ppt/slideLayouts/slideLayout7.xml><?xml version="1.0" encoding="utf-8"?>
-<p:sldLayout xmlns:a="http://schemas.openxmlformats.org/drawingml/2006/main" xmlns:r="http://schemas.openxmlformats.org/officeDocument/2006/relationships" xmlns:p="http://schemas.openxmlformats.org/presentationml/2006/main">
+<p:sldLayout xmlns:a="http://schemas.openxmlformats.org/drawingml/2006/main" xmlns:r="http://schemas.openxmlformats.org/officeDocument/2006/relationships" xmlns:mc="http://schemas.openxmlformats.org/markup-compatibility/2006" xmlns:mv="urn:schemas-microsoft-com:mac:vml" xmlns:p="http://schemas.openxmlformats.org/presentationml/2006/main" xmlns:c="http://schemas.openxmlformats.org/drawingml/2006/chart" xmlns:dgm="http://schemas.openxmlformats.org/drawingml/2006/diagram" xmlns:o="urn:schemas-microsoft-com:office:office" xmlns:v="urn:schemas-microsoft-com:vml" xmlns:pvml="urn:schemas-microsoft-com:office:powerpoint" xmlns:com="http://schemas.openxmlformats.org/drawingml/2006/compatibility" xmlns:p14="http://schemas.microsoft.com/office/powerpoint/2010/main" xmlns:p15="http://schemas.microsoft.com/office/powerpoint/2012/main">
   <p:cSld name="Main point">
     <p:spTree>
       <p:nvGrpSpPr>
-        <p:cNvPr id="1" name="Shape 69"/>
+        <p:cNvPr id="69" name="Shape 69"/>
         <p:cNvGrpSpPr/>
         <p:nvPr/>
       </p:nvGrpSpPr>
@@ -5539,7 +5491,7 @@
             </a:xfrm>
             <a:prstGeom prst="diagStripe">
               <a:avLst>
-                <a:gd name="adj" fmla="val 49469"/>
+                <a:gd fmla="val 49469" name="adj"/>
               </a:avLst>
             </a:prstGeom>
             <a:solidFill>
@@ -5552,12 +5504,12 @@
             </a:ln>
           </p:spPr>
           <p:txBody>
-            <a:bodyPr wrap="square" lIns="91425" tIns="91425" rIns="91425" bIns="91425" anchor="ctr" anchorCtr="0">
+            <a:bodyPr anchorCtr="0" anchor="ctr" bIns="91425" lIns="91425" rIns="91425" wrap="square" tIns="91425">
               <a:noAutofit/>
             </a:bodyPr>
             <a:lstStyle/>
             <a:p>
-              <a:pPr marL="0" lvl="0" indent="0">
+              <a:pPr indent="0" lvl="0" marL="0">
                 <a:spcBef>
                   <a:spcPts val="0"/>
                 </a:spcBef>
@@ -5566,6 +5518,9 @@
                 </a:spcAft>
                 <a:buNone/>
               </a:pPr>
+              <a:r>
+                <a:t/>
+              </a:r>
               <a:endParaRPr/>
             </a:p>
           </p:txBody>
@@ -5583,7 +5538,7 @@
             </a:xfrm>
             <a:prstGeom prst="diagStripe">
               <a:avLst>
-                <a:gd name="adj" fmla="val 0"/>
+                <a:gd fmla="val 0" name="adj"/>
               </a:avLst>
             </a:prstGeom>
             <a:solidFill>
@@ -5596,12 +5551,12 @@
             </a:ln>
           </p:spPr>
           <p:txBody>
-            <a:bodyPr wrap="square" lIns="91425" tIns="91425" rIns="91425" bIns="91425" anchor="ctr" anchorCtr="0">
+            <a:bodyPr anchorCtr="0" anchor="ctr" bIns="91425" lIns="91425" rIns="91425" wrap="square" tIns="91425">
               <a:noAutofit/>
             </a:bodyPr>
             <a:lstStyle/>
             <a:p>
-              <a:pPr marL="0" lvl="0" indent="0">
+              <a:pPr indent="0" lvl="0" marL="0">
                 <a:spcBef>
                   <a:spcPts val="0"/>
                 </a:spcBef>
@@ -5610,6 +5565,9 @@
                 </a:spcAft>
                 <a:buNone/>
               </a:pPr>
+              <a:r>
+                <a:t/>
+              </a:r>
               <a:endParaRPr/>
             </a:p>
           </p:txBody>
@@ -5627,7 +5585,7 @@
             </a:xfrm>
             <a:prstGeom prst="diagStripe">
               <a:avLst>
-                <a:gd name="adj" fmla="val 50000"/>
+                <a:gd fmla="val 50000" name="adj"/>
               </a:avLst>
             </a:prstGeom>
             <a:solidFill>
@@ -5640,12 +5598,12 @@
             </a:ln>
           </p:spPr>
           <p:txBody>
-            <a:bodyPr wrap="square" lIns="91425" tIns="91425" rIns="91425" bIns="91425" anchor="ctr" anchorCtr="0">
+            <a:bodyPr anchorCtr="0" anchor="ctr" bIns="91425" lIns="91425" rIns="91425" wrap="square" tIns="91425">
               <a:noAutofit/>
             </a:bodyPr>
             <a:lstStyle/>
             <a:p>
-              <a:pPr marL="0" lvl="0" indent="0">
+              <a:pPr indent="0" lvl="0" marL="0">
                 <a:spcBef>
                   <a:spcPts val="0"/>
                 </a:spcBef>
@@ -5654,6 +5612,9 @@
                 </a:spcAft>
                 <a:buNone/>
               </a:pPr>
+              <a:r>
+                <a:t/>
+              </a:r>
               <a:endParaRPr/>
             </a:p>
           </p:txBody>
@@ -5671,7 +5632,7 @@
             </a:xfrm>
             <a:prstGeom prst="diagStripe">
               <a:avLst>
-                <a:gd name="adj" fmla="val 50000"/>
+                <a:gd fmla="val 50000" name="adj"/>
               </a:avLst>
             </a:prstGeom>
             <a:solidFill>
@@ -5684,12 +5645,12 @@
             </a:ln>
           </p:spPr>
           <p:txBody>
-            <a:bodyPr wrap="square" lIns="91425" tIns="91425" rIns="91425" bIns="91425" anchor="ctr" anchorCtr="0">
+            <a:bodyPr anchorCtr="0" anchor="ctr" bIns="91425" lIns="91425" rIns="91425" wrap="square" tIns="91425">
               <a:noAutofit/>
             </a:bodyPr>
             <a:lstStyle/>
             <a:p>
-              <a:pPr marL="0" lvl="0" indent="0">
+              <a:pPr indent="0" lvl="0" marL="0">
                 <a:spcBef>
                   <a:spcPts val="0"/>
                 </a:spcBef>
@@ -5698,6 +5659,9 @@
                 </a:spcAft>
                 <a:buNone/>
               </a:pPr>
+              <a:r>
+                <a:t/>
+              </a:r>
               <a:endParaRPr/>
             </a:p>
           </p:txBody>
@@ -5715,7 +5679,7 @@
             </a:xfrm>
             <a:prstGeom prst="diagStripe">
               <a:avLst>
-                <a:gd name="adj" fmla="val 50000"/>
+                <a:gd fmla="val 50000" name="adj"/>
               </a:avLst>
             </a:prstGeom>
             <a:solidFill>
@@ -5728,12 +5692,12 @@
             </a:ln>
           </p:spPr>
           <p:txBody>
-            <a:bodyPr wrap="square" lIns="91425" tIns="91425" rIns="91425" bIns="91425" anchor="ctr" anchorCtr="0">
+            <a:bodyPr anchorCtr="0" anchor="ctr" bIns="91425" lIns="91425" rIns="91425" wrap="square" tIns="91425">
               <a:noAutofit/>
             </a:bodyPr>
             <a:lstStyle/>
             <a:p>
-              <a:pPr marL="0" lvl="0" indent="0">
+              <a:pPr indent="0" lvl="0" marL="0">
                 <a:spcBef>
                   <a:spcPts val="0"/>
                 </a:spcBef>
@@ -5742,6 +5706,9 @@
                 </a:spcAft>
                 <a:buNone/>
               </a:pPr>
+              <a:r>
+                <a:t/>
+              </a:r>
               <a:endParaRPr/>
             </a:p>
           </p:txBody>
@@ -5759,7 +5726,7 @@
             </a:xfrm>
             <a:prstGeom prst="diagStripe">
               <a:avLst>
-                <a:gd name="adj" fmla="val 50000"/>
+                <a:gd fmla="val 50000" name="adj"/>
               </a:avLst>
             </a:prstGeom>
             <a:solidFill>
@@ -5772,12 +5739,12 @@
             </a:ln>
           </p:spPr>
           <p:txBody>
-            <a:bodyPr wrap="square" lIns="91425" tIns="91425" rIns="91425" bIns="91425" anchor="ctr" anchorCtr="0">
+            <a:bodyPr anchorCtr="0" anchor="ctr" bIns="91425" lIns="91425" rIns="91425" wrap="square" tIns="91425">
               <a:noAutofit/>
             </a:bodyPr>
             <a:lstStyle/>
             <a:p>
-              <a:pPr marL="0" lvl="0" indent="0">
+              <a:pPr indent="0" lvl="0" marL="0">
                 <a:spcBef>
                   <a:spcPts val="0"/>
                 </a:spcBef>
@@ -5786,6 +5753,9 @@
                 </a:spcAft>
                 <a:buNone/>
               </a:pPr>
+              <a:r>
+                <a:t/>
+              </a:r>
               <a:endParaRPr/>
             </a:p>
           </p:txBody>
@@ -5803,7 +5773,7 @@
             </a:xfrm>
             <a:prstGeom prst="diagStripe">
               <a:avLst>
-                <a:gd name="adj" fmla="val 50000"/>
+                <a:gd fmla="val 50000" name="adj"/>
               </a:avLst>
             </a:prstGeom>
             <a:solidFill>
@@ -5816,12 +5786,12 @@
             </a:ln>
           </p:spPr>
           <p:txBody>
-            <a:bodyPr wrap="square" lIns="91425" tIns="91425" rIns="91425" bIns="91425" anchor="ctr" anchorCtr="0">
+            <a:bodyPr anchorCtr="0" anchor="ctr" bIns="91425" lIns="91425" rIns="91425" wrap="square" tIns="91425">
               <a:noAutofit/>
             </a:bodyPr>
             <a:lstStyle/>
             <a:p>
-              <a:pPr marL="0" lvl="0" indent="0">
+              <a:pPr indent="0" lvl="0" marL="0">
                 <a:spcBef>
                   <a:spcPts val="0"/>
                 </a:spcBef>
@@ -5830,6 +5800,9 @@
                 </a:spcAft>
                 <a:buNone/>
               </a:pPr>
+              <a:r>
+                <a:t/>
+              </a:r>
               <a:endParaRPr/>
             </a:p>
           </p:txBody>
@@ -5847,7 +5820,7 @@
             </a:xfrm>
             <a:prstGeom prst="diagStripe">
               <a:avLst>
-                <a:gd name="adj" fmla="val 50000"/>
+                <a:gd fmla="val 50000" name="adj"/>
               </a:avLst>
             </a:prstGeom>
             <a:solidFill>
@@ -5858,12 +5831,12 @@
             </a:ln>
           </p:spPr>
           <p:txBody>
-            <a:bodyPr wrap="square" lIns="91425" tIns="91425" rIns="91425" bIns="91425" anchor="ctr" anchorCtr="0">
+            <a:bodyPr anchorCtr="0" anchor="ctr" bIns="91425" lIns="91425" rIns="91425" wrap="square" tIns="91425">
               <a:noAutofit/>
             </a:bodyPr>
             <a:lstStyle/>
             <a:p>
-              <a:pPr marL="0" lvl="0" indent="0">
+              <a:pPr indent="0" lvl="0" marL="0">
                 <a:spcBef>
                   <a:spcPts val="0"/>
                 </a:spcBef>
@@ -5872,6 +5845,9 @@
                 </a:spcAft>
                 <a:buNone/>
               </a:pPr>
+              <a:r>
+                <a:t/>
+              </a:r>
               <a:endParaRPr/>
             </a:p>
           </p:txBody>
@@ -5889,7 +5865,7 @@
             </a:xfrm>
             <a:prstGeom prst="diagStripe">
               <a:avLst>
-                <a:gd name="adj" fmla="val 50000"/>
+                <a:gd fmla="val 50000" name="adj"/>
               </a:avLst>
             </a:prstGeom>
             <a:solidFill>
@@ -5902,12 +5878,12 @@
             </a:ln>
           </p:spPr>
           <p:txBody>
-            <a:bodyPr wrap="square" lIns="91425" tIns="91425" rIns="91425" bIns="91425" anchor="ctr" anchorCtr="0">
+            <a:bodyPr anchorCtr="0" anchor="ctr" bIns="91425" lIns="91425" rIns="91425" wrap="square" tIns="91425">
               <a:noAutofit/>
             </a:bodyPr>
             <a:lstStyle/>
             <a:p>
-              <a:pPr marL="0" lvl="0" indent="0">
+              <a:pPr indent="0" lvl="0" marL="0">
                 <a:spcBef>
                   <a:spcPts val="0"/>
                 </a:spcBef>
@@ -5916,6 +5892,9 @@
                 </a:spcAft>
                 <a:buNone/>
               </a:pPr>
+              <a:r>
+                <a:t/>
+              </a:r>
               <a:endParaRPr/>
             </a:p>
           </p:txBody>
@@ -5933,7 +5912,7 @@
             </a:xfrm>
             <a:prstGeom prst="diagStripe">
               <a:avLst>
-                <a:gd name="adj" fmla="val 50000"/>
+                <a:gd fmla="val 50000" name="adj"/>
               </a:avLst>
             </a:prstGeom>
             <a:solidFill>
@@ -5946,12 +5925,12 @@
             </a:ln>
           </p:spPr>
           <p:txBody>
-            <a:bodyPr wrap="square" lIns="91425" tIns="91425" rIns="91425" bIns="91425" anchor="ctr" anchorCtr="0">
+            <a:bodyPr anchorCtr="0" anchor="ctr" bIns="91425" lIns="91425" rIns="91425" wrap="square" tIns="91425">
               <a:noAutofit/>
             </a:bodyPr>
             <a:lstStyle/>
             <a:p>
-              <a:pPr marL="0" lvl="0" indent="0">
+              <a:pPr indent="0" lvl="0" marL="0">
                 <a:spcBef>
                   <a:spcPts val="0"/>
                 </a:spcBef>
@@ -5960,6 +5939,9 @@
                 </a:spcAft>
                 <a:buNone/>
               </a:pPr>
+              <a:r>
+                <a:t/>
+              </a:r>
               <a:endParaRPr/>
             </a:p>
           </p:txBody>
@@ -5977,7 +5959,7 @@
             </a:xfrm>
             <a:prstGeom prst="diagStripe">
               <a:avLst>
-                <a:gd name="adj" fmla="val 50000"/>
+                <a:gd fmla="val 50000" name="adj"/>
               </a:avLst>
             </a:prstGeom>
             <a:solidFill>
@@ -5990,12 +5972,12 @@
             </a:ln>
           </p:spPr>
           <p:txBody>
-            <a:bodyPr wrap="square" lIns="91425" tIns="91425" rIns="91425" bIns="91425" anchor="ctr" anchorCtr="0">
+            <a:bodyPr anchorCtr="0" anchor="ctr" bIns="91425" lIns="91425" rIns="91425" wrap="square" tIns="91425">
               <a:noAutofit/>
             </a:bodyPr>
             <a:lstStyle/>
             <a:p>
-              <a:pPr marL="0" lvl="0" indent="0">
+              <a:pPr indent="0" lvl="0" marL="0">
                 <a:spcBef>
                   <a:spcPts val="0"/>
                 </a:spcBef>
@@ -6004,6 +5986,9 @@
                 </a:spcAft>
                 <a:buNone/>
               </a:pPr>
+              <a:r>
+                <a:t/>
+              </a:r>
               <a:endParaRPr/>
             </a:p>
           </p:txBody>
@@ -6021,7 +6006,7 @@
             </a:xfrm>
             <a:prstGeom prst="diagStripe">
               <a:avLst>
-                <a:gd name="adj" fmla="val 50000"/>
+                <a:gd fmla="val 50000" name="adj"/>
               </a:avLst>
             </a:prstGeom>
             <a:solidFill>
@@ -6034,12 +6019,12 @@
             </a:ln>
           </p:spPr>
           <p:txBody>
-            <a:bodyPr wrap="square" lIns="91425" tIns="91425" rIns="91425" bIns="91425" anchor="ctr" anchorCtr="0">
+            <a:bodyPr anchorCtr="0" anchor="ctr" bIns="91425" lIns="91425" rIns="91425" wrap="square" tIns="91425">
               <a:noAutofit/>
             </a:bodyPr>
             <a:lstStyle/>
             <a:p>
-              <a:pPr marL="0" lvl="0" indent="0">
+              <a:pPr indent="0" lvl="0" marL="0">
                 <a:spcBef>
                   <a:spcPts val="0"/>
                 </a:spcBef>
@@ -6048,6 +6033,9 @@
                 </a:spcAft>
                 <a:buNone/>
               </a:pPr>
+              <a:r>
+                <a:t/>
+              </a:r>
               <a:endParaRPr/>
             </a:p>
           </p:txBody>
@@ -6065,7 +6053,7 @@
             </a:xfrm>
             <a:prstGeom prst="diagStripe">
               <a:avLst>
-                <a:gd name="adj" fmla="val 50000"/>
+                <a:gd fmla="val 50000" name="adj"/>
               </a:avLst>
             </a:prstGeom>
             <a:solidFill>
@@ -6078,12 +6066,12 @@
             </a:ln>
           </p:spPr>
           <p:txBody>
-            <a:bodyPr wrap="square" lIns="91425" tIns="91425" rIns="91425" bIns="91425" anchor="ctr" anchorCtr="0">
+            <a:bodyPr anchorCtr="0" anchor="ctr" bIns="91425" lIns="91425" rIns="91425" wrap="square" tIns="91425">
               <a:noAutofit/>
             </a:bodyPr>
             <a:lstStyle/>
             <a:p>
-              <a:pPr marL="0" lvl="0" indent="0">
+              <a:pPr indent="0" lvl="0" marL="0">
                 <a:spcBef>
                   <a:spcPts val="0"/>
                 </a:spcBef>
@@ -6092,6 +6080,9 @@
                 </a:spcAft>
                 <a:buNone/>
               </a:pPr>
+              <a:r>
+                <a:t/>
+              </a:r>
               <a:endParaRPr/>
             </a:p>
           </p:txBody>
@@ -6109,7 +6100,7 @@
             </a:xfrm>
             <a:prstGeom prst="diagStripe">
               <a:avLst>
-                <a:gd name="adj" fmla="val 50000"/>
+                <a:gd fmla="val 50000" name="adj"/>
               </a:avLst>
             </a:prstGeom>
             <a:solidFill>
@@ -6120,12 +6111,12 @@
             </a:ln>
           </p:spPr>
           <p:txBody>
-            <a:bodyPr wrap="square" lIns="91425" tIns="91425" rIns="91425" bIns="91425" anchor="ctr" anchorCtr="0">
+            <a:bodyPr anchorCtr="0" anchor="ctr" bIns="91425" lIns="91425" rIns="91425" wrap="square" tIns="91425">
               <a:noAutofit/>
             </a:bodyPr>
             <a:lstStyle/>
             <a:p>
-              <a:pPr marL="0" lvl="0" indent="0">
+              <a:pPr indent="0" lvl="0" marL="0">
                 <a:spcBef>
                   <a:spcPts val="0"/>
                 </a:spcBef>
@@ -6134,6 +6125,9 @@
                 </a:spcAft>
                 <a:buNone/>
               </a:pPr>
+              <a:r>
+                <a:t/>
+              </a:r>
               <a:endParaRPr/>
             </a:p>
           </p:txBody>
@@ -6151,7 +6145,7 @@
             </a:xfrm>
             <a:prstGeom prst="diagStripe">
               <a:avLst>
-                <a:gd name="adj" fmla="val 50000"/>
+                <a:gd fmla="val 50000" name="adj"/>
               </a:avLst>
             </a:prstGeom>
             <a:solidFill>
@@ -6164,12 +6158,12 @@
             </a:ln>
           </p:spPr>
           <p:txBody>
-            <a:bodyPr wrap="square" lIns="91425" tIns="91425" rIns="91425" bIns="91425" anchor="ctr" anchorCtr="0">
+            <a:bodyPr anchorCtr="0" anchor="ctr" bIns="91425" lIns="91425" rIns="91425" wrap="square" tIns="91425">
               <a:noAutofit/>
             </a:bodyPr>
             <a:lstStyle/>
             <a:p>
-              <a:pPr marL="0" lvl="0" indent="0">
+              <a:pPr indent="0" lvl="0" marL="0">
                 <a:spcBef>
                   <a:spcPts val="0"/>
                 </a:spcBef>
@@ -6178,6 +6172,9 @@
                 </a:spcAft>
                 <a:buNone/>
               </a:pPr>
+              <a:r>
+                <a:t/>
+              </a:r>
               <a:endParaRPr/>
             </a:p>
           </p:txBody>
@@ -6195,7 +6192,7 @@
             </a:xfrm>
             <a:prstGeom prst="diagStripe">
               <a:avLst>
-                <a:gd name="adj" fmla="val 50000"/>
+                <a:gd fmla="val 50000" name="adj"/>
               </a:avLst>
             </a:prstGeom>
             <a:solidFill>
@@ -6208,12 +6205,12 @@
             </a:ln>
           </p:spPr>
           <p:txBody>
-            <a:bodyPr wrap="square" lIns="91425" tIns="91425" rIns="91425" bIns="91425" anchor="ctr" anchorCtr="0">
+            <a:bodyPr anchorCtr="0" anchor="ctr" bIns="91425" lIns="91425" rIns="91425" wrap="square" tIns="91425">
               <a:noAutofit/>
             </a:bodyPr>
             <a:lstStyle/>
             <a:p>
-              <a:pPr marL="0" lvl="0" indent="0">
+              <a:pPr indent="0" lvl="0" marL="0">
                 <a:spcBef>
                   <a:spcPts val="0"/>
                 </a:spcBef>
@@ -6222,6 +6219,9 @@
                 </a:spcAft>
                 <a:buNone/>
               </a:pPr>
+              <a:r>
+                <a:t/>
+              </a:r>
               <a:endParaRPr/>
             </a:p>
           </p:txBody>
@@ -6239,7 +6239,7 @@
             </a:xfrm>
             <a:prstGeom prst="diagStripe">
               <a:avLst>
-                <a:gd name="adj" fmla="val 50000"/>
+                <a:gd fmla="val 50000" name="adj"/>
               </a:avLst>
             </a:prstGeom>
             <a:solidFill>
@@ -6252,12 +6252,12 @@
             </a:ln>
           </p:spPr>
           <p:txBody>
-            <a:bodyPr wrap="square" lIns="91425" tIns="91425" rIns="91425" bIns="91425" anchor="ctr" anchorCtr="0">
+            <a:bodyPr anchorCtr="0" anchor="ctr" bIns="91425" lIns="91425" rIns="91425" wrap="square" tIns="91425">
               <a:noAutofit/>
             </a:bodyPr>
             <a:lstStyle/>
             <a:p>
-              <a:pPr marL="0" lvl="0" indent="0">
+              <a:pPr indent="0" lvl="0" marL="0">
                 <a:spcBef>
                   <a:spcPts val="0"/>
                 </a:spcBef>
@@ -6266,6 +6266,9 @@
                 </a:spcAft>
                 <a:buNone/>
               </a:pPr>
+              <a:r>
+                <a:t/>
+              </a:r>
               <a:endParaRPr/>
             </a:p>
           </p:txBody>
@@ -6283,7 +6286,7 @@
             </a:xfrm>
             <a:prstGeom prst="diagStripe">
               <a:avLst>
-                <a:gd name="adj" fmla="val 50000"/>
+                <a:gd fmla="val 50000" name="adj"/>
               </a:avLst>
             </a:prstGeom>
             <a:solidFill>
@@ -6296,12 +6299,12 @@
             </a:ln>
           </p:spPr>
           <p:txBody>
-            <a:bodyPr wrap="square" lIns="91425" tIns="91425" rIns="91425" bIns="91425" anchor="ctr" anchorCtr="0">
+            <a:bodyPr anchorCtr="0" anchor="ctr" bIns="91425" lIns="91425" rIns="91425" wrap="square" tIns="91425">
               <a:noAutofit/>
             </a:bodyPr>
             <a:lstStyle/>
             <a:p>
-              <a:pPr marL="0" lvl="0" indent="0">
+              <a:pPr indent="0" lvl="0" marL="0">
                 <a:spcBef>
                   <a:spcPts val="0"/>
                 </a:spcBef>
@@ -6310,6 +6313,9 @@
                 </a:spcAft>
                 <a:buNone/>
               </a:pPr>
+              <a:r>
+                <a:t/>
+              </a:r>
               <a:endParaRPr/>
             </a:p>
           </p:txBody>
@@ -6318,9 +6324,7 @@
       <p:sp>
         <p:nvSpPr>
           <p:cNvPr id="89" name="Shape 89"/>
-          <p:cNvSpPr txBox="1">
-            <a:spLocks noGrp="1"/>
-          </p:cNvSpPr>
+          <p:cNvSpPr txBox="1"/>
           <p:nvPr>
             <p:ph type="title"/>
           </p:nvPr>
@@ -6335,7 +6339,7 @@
           </a:prstGeom>
         </p:spPr>
         <p:txBody>
-          <a:bodyPr wrap="square" lIns="91425" tIns="91425" rIns="91425" bIns="91425" anchor="ctr" anchorCtr="0"/>
+          <a:bodyPr anchorCtr="0" anchor="ctr" bIns="91425" lIns="91425" rIns="91425" wrap="square" tIns="91425"/>
           <a:lstStyle>
             <a:lvl1pPr lvl="0">
               <a:spcBef>
@@ -6437,19 +6441,15 @@
               <a:defRPr/>
             </a:lvl9pPr>
           </a:lstStyle>
-          <a:p>
-            <a:endParaRPr/>
-          </a:p>
+          <a:p/>
         </p:txBody>
       </p:sp>
       <p:sp>
         <p:nvSpPr>
           <p:cNvPr id="90" name="Shape 90"/>
-          <p:cNvSpPr txBox="1">
-            <a:spLocks noGrp="1"/>
-          </p:cNvSpPr>
+          <p:cNvSpPr txBox="1"/>
           <p:nvPr>
-            <p:ph type="sldNum" idx="12"/>
+            <p:ph idx="12" type="sldNum"/>
           </p:nvPr>
         </p:nvSpPr>
         <p:spPr>
@@ -6462,12 +6462,12 @@
           </a:prstGeom>
         </p:spPr>
         <p:txBody>
-          <a:bodyPr wrap="square" lIns="91425" tIns="91425" rIns="91425" bIns="91425" anchor="ctr" anchorCtr="0">
+          <a:bodyPr anchorCtr="0" anchor="ctr" bIns="91425" lIns="91425" rIns="91425" wrap="square" tIns="91425">
             <a:noAutofit/>
           </a:bodyPr>
           <a:lstStyle/>
           <a:p>
-            <a:pPr marL="0" lvl="0" indent="0">
+            <a:pPr indent="0" lvl="0" marL="0">
               <a:spcBef>
                 <a:spcPts val="0"/>
               </a:spcBef>
@@ -6493,11 +6493,11 @@
 </file>
 
 <file path=ppt/slideLayouts/slideLayout8.xml><?xml version="1.0" encoding="utf-8"?>
-<p:sldLayout xmlns:a="http://schemas.openxmlformats.org/drawingml/2006/main" xmlns:r="http://schemas.openxmlformats.org/officeDocument/2006/relationships" xmlns:p="http://schemas.openxmlformats.org/presentationml/2006/main">
+<p:sldLayout xmlns:a="http://schemas.openxmlformats.org/drawingml/2006/main" xmlns:r="http://schemas.openxmlformats.org/officeDocument/2006/relationships" xmlns:mc="http://schemas.openxmlformats.org/markup-compatibility/2006" xmlns:mv="urn:schemas-microsoft-com:mac:vml" xmlns:p="http://schemas.openxmlformats.org/presentationml/2006/main" xmlns:c="http://schemas.openxmlformats.org/drawingml/2006/chart" xmlns:dgm="http://schemas.openxmlformats.org/drawingml/2006/diagram" xmlns:o="urn:schemas-microsoft-com:office:office" xmlns:v="urn:schemas-microsoft-com:vml" xmlns:pvml="urn:schemas-microsoft-com:office:powerpoint" xmlns:com="http://schemas.openxmlformats.org/drawingml/2006/compatibility" xmlns:p14="http://schemas.microsoft.com/office/powerpoint/2010/main" xmlns:p15="http://schemas.microsoft.com/office/powerpoint/2012/main">
   <p:cSld name="Section title and description">
     <p:spTree>
       <p:nvGrpSpPr>
-        <p:cNvPr id="1" name="Shape 91"/>
+        <p:cNvPr id="91" name="Shape 91"/>
         <p:cNvGrpSpPr/>
         <p:nvPr/>
       </p:nvGrpSpPr>
@@ -6536,7 +6536,7 @@
             </a:xfrm>
             <a:prstGeom prst="diagStripe">
               <a:avLst>
-                <a:gd name="adj" fmla="val 50000"/>
+                <a:gd fmla="val 50000" name="adj"/>
               </a:avLst>
             </a:prstGeom>
             <a:solidFill>
@@ -6547,12 +6547,12 @@
             </a:ln>
           </p:spPr>
           <p:txBody>
-            <a:bodyPr wrap="square" lIns="91425" tIns="91425" rIns="91425" bIns="91425" anchor="ctr" anchorCtr="0">
+            <a:bodyPr anchorCtr="0" anchor="ctr" bIns="91425" lIns="91425" rIns="91425" wrap="square" tIns="91425">
               <a:noAutofit/>
             </a:bodyPr>
             <a:lstStyle/>
             <a:p>
-              <a:pPr marL="0" lvl="0" indent="0">
+              <a:pPr indent="0" lvl="0" marL="0">
                 <a:spcBef>
                   <a:spcPts val="0"/>
                 </a:spcBef>
@@ -6561,6 +6561,9 @@
                 </a:spcAft>
                 <a:buNone/>
               </a:pPr>
+              <a:r>
+                <a:t/>
+              </a:r>
               <a:endParaRPr/>
             </a:p>
           </p:txBody>
@@ -6578,7 +6581,7 @@
             </a:xfrm>
             <a:prstGeom prst="diagStripe">
               <a:avLst>
-                <a:gd name="adj" fmla="val 50000"/>
+                <a:gd fmla="val 50000" name="adj"/>
               </a:avLst>
             </a:prstGeom>
             <a:solidFill>
@@ -6589,12 +6592,12 @@
             </a:ln>
           </p:spPr>
           <p:txBody>
-            <a:bodyPr wrap="square" lIns="91425" tIns="91425" rIns="91425" bIns="91425" anchor="ctr" anchorCtr="0">
+            <a:bodyPr anchorCtr="0" anchor="ctr" bIns="91425" lIns="91425" rIns="91425" wrap="square" tIns="91425">
               <a:noAutofit/>
             </a:bodyPr>
             <a:lstStyle/>
             <a:p>
-              <a:pPr marL="0" lvl="0" indent="0">
+              <a:pPr indent="0" lvl="0" marL="0">
                 <a:spcBef>
                   <a:spcPts val="0"/>
                 </a:spcBef>
@@ -6603,6 +6606,9 @@
                 </a:spcAft>
                 <a:buNone/>
               </a:pPr>
+              <a:r>
+                <a:t/>
+              </a:r>
               <a:endParaRPr/>
             </a:p>
           </p:txBody>
@@ -6611,9 +6617,7 @@
       <p:sp>
         <p:nvSpPr>
           <p:cNvPr id="95" name="Shape 95"/>
-          <p:cNvSpPr txBox="1">
-            <a:spLocks noGrp="1"/>
-          </p:cNvSpPr>
+          <p:cNvSpPr txBox="1"/>
           <p:nvPr>
             <p:ph type="title"/>
           </p:nvPr>
@@ -6628,7 +6632,7 @@
           </a:prstGeom>
         </p:spPr>
         <p:txBody>
-          <a:bodyPr wrap="square" lIns="91425" tIns="91425" rIns="91425" bIns="91425" anchor="t" anchorCtr="0"/>
+          <a:bodyPr anchorCtr="0" anchor="t" bIns="91425" lIns="91425" rIns="91425" wrap="square" tIns="91425"/>
           <a:lstStyle>
             <a:lvl1pPr lvl="0">
               <a:spcBef>
@@ -6730,19 +6734,15 @@
               <a:defRPr sz="2400"/>
             </a:lvl9pPr>
           </a:lstStyle>
-          <a:p>
-            <a:endParaRPr/>
-          </a:p>
+          <a:p/>
         </p:txBody>
       </p:sp>
       <p:sp>
         <p:nvSpPr>
           <p:cNvPr id="96" name="Shape 96"/>
-          <p:cNvSpPr txBox="1">
-            <a:spLocks noGrp="1"/>
-          </p:cNvSpPr>
+          <p:cNvSpPr txBox="1"/>
           <p:nvPr>
-            <p:ph type="subTitle" idx="1"/>
+            <p:ph idx="1" type="subTitle"/>
           </p:nvPr>
         </p:nvSpPr>
         <p:spPr>
@@ -6755,7 +6755,7 @@
           </a:prstGeom>
         </p:spPr>
         <p:txBody>
-          <a:bodyPr wrap="square" lIns="91425" tIns="91425" rIns="91425" bIns="91425" anchor="t" anchorCtr="0"/>
+          <a:bodyPr anchorCtr="0" anchor="t" bIns="91425" lIns="91425" rIns="91425" wrap="square" tIns="91425"/>
           <a:lstStyle>
             <a:lvl1pPr lvl="0">
               <a:lnSpc>
@@ -6884,19 +6884,15 @@
               <a:defRPr sz="1300"/>
             </a:lvl9pPr>
           </a:lstStyle>
-          <a:p>
-            <a:endParaRPr/>
-          </a:p>
+          <a:p/>
         </p:txBody>
       </p:sp>
       <p:sp>
         <p:nvSpPr>
           <p:cNvPr id="97" name="Shape 97"/>
-          <p:cNvSpPr txBox="1">
-            <a:spLocks noGrp="1"/>
-          </p:cNvSpPr>
+          <p:cNvSpPr txBox="1"/>
           <p:nvPr>
-            <p:ph type="body" idx="2"/>
+            <p:ph idx="2" type="body"/>
           </p:nvPr>
         </p:nvSpPr>
         <p:spPr>
@@ -6909,9 +6905,9 @@
           </a:prstGeom>
         </p:spPr>
         <p:txBody>
-          <a:bodyPr wrap="square" lIns="91425" tIns="91425" rIns="91425" bIns="91425" anchor="t" anchorCtr="0"/>
+          <a:bodyPr anchorCtr="0" anchor="t" bIns="91425" lIns="91425" rIns="91425" wrap="square" tIns="91425"/>
           <a:lstStyle>
-            <a:lvl1pPr marL="457200" lvl="0" indent="-311150">
+            <a:lvl1pPr indent="-311150" lvl="0" marL="457200">
               <a:spcBef>
                 <a:spcPts val="0"/>
               </a:spcBef>
@@ -6922,7 +6918,7 @@
               <a:buChar char="●"/>
               <a:defRPr/>
             </a:lvl1pPr>
-            <a:lvl2pPr marL="914400" lvl="1" indent="-298450">
+            <a:lvl2pPr indent="-298450" lvl="1" marL="914400">
               <a:spcBef>
                 <a:spcPts val="1600"/>
               </a:spcBef>
@@ -6933,7 +6929,7 @@
               <a:buChar char="○"/>
               <a:defRPr/>
             </a:lvl2pPr>
-            <a:lvl3pPr marL="1371600" lvl="2" indent="-298450">
+            <a:lvl3pPr indent="-298450" lvl="2" marL="1371600">
               <a:spcBef>
                 <a:spcPts val="1600"/>
               </a:spcBef>
@@ -6944,7 +6940,7 @@
               <a:buChar char="■"/>
               <a:defRPr/>
             </a:lvl3pPr>
-            <a:lvl4pPr marL="1828800" lvl="3" indent="-298450">
+            <a:lvl4pPr indent="-298450" lvl="3" marL="1828800">
               <a:spcBef>
                 <a:spcPts val="1600"/>
               </a:spcBef>
@@ -6955,7 +6951,7 @@
               <a:buChar char="●"/>
               <a:defRPr/>
             </a:lvl4pPr>
-            <a:lvl5pPr marL="2286000" lvl="4" indent="-298450">
+            <a:lvl5pPr indent="-298450" lvl="4" marL="2286000">
               <a:spcBef>
                 <a:spcPts val="1600"/>
               </a:spcBef>
@@ -6966,7 +6962,7 @@
               <a:buChar char="○"/>
               <a:defRPr/>
             </a:lvl5pPr>
-            <a:lvl6pPr marL="2743200" lvl="5" indent="-298450">
+            <a:lvl6pPr indent="-298450" lvl="5" marL="2743200">
               <a:spcBef>
                 <a:spcPts val="1600"/>
               </a:spcBef>
@@ -6977,7 +6973,7 @@
               <a:buChar char="■"/>
               <a:defRPr/>
             </a:lvl6pPr>
-            <a:lvl7pPr marL="3200400" lvl="6" indent="-298450">
+            <a:lvl7pPr indent="-298450" lvl="6" marL="3200400">
               <a:spcBef>
                 <a:spcPts val="1600"/>
               </a:spcBef>
@@ -6988,7 +6984,7 @@
               <a:buChar char="●"/>
               <a:defRPr/>
             </a:lvl7pPr>
-            <a:lvl8pPr marL="3657600" lvl="7" indent="-298450">
+            <a:lvl8pPr indent="-298450" lvl="7" marL="3657600">
               <a:spcBef>
                 <a:spcPts val="1600"/>
               </a:spcBef>
@@ -6999,7 +6995,7 @@
               <a:buChar char="○"/>
               <a:defRPr/>
             </a:lvl8pPr>
-            <a:lvl9pPr marL="4114800" lvl="8" indent="-298450">
+            <a:lvl9pPr indent="-298450" lvl="8" marL="4114800">
               <a:spcBef>
                 <a:spcPts val="1600"/>
               </a:spcBef>
@@ -7011,19 +7007,15 @@
               <a:defRPr/>
             </a:lvl9pPr>
           </a:lstStyle>
-          <a:p>
-            <a:endParaRPr/>
-          </a:p>
+          <a:p/>
         </p:txBody>
       </p:sp>
       <p:sp>
         <p:nvSpPr>
           <p:cNvPr id="98" name="Shape 98"/>
-          <p:cNvSpPr txBox="1">
-            <a:spLocks noGrp="1"/>
-          </p:cNvSpPr>
+          <p:cNvSpPr txBox="1"/>
           <p:nvPr>
-            <p:ph type="sldNum" idx="12"/>
+            <p:ph idx="12" type="sldNum"/>
           </p:nvPr>
         </p:nvSpPr>
         <p:spPr>
@@ -7036,12 +7028,12 @@
           </a:prstGeom>
         </p:spPr>
         <p:txBody>
-          <a:bodyPr wrap="square" lIns="91425" tIns="91425" rIns="91425" bIns="91425" anchor="ctr" anchorCtr="0">
+          <a:bodyPr anchorCtr="0" anchor="ctr" bIns="91425" lIns="91425" rIns="91425" wrap="square" tIns="91425">
             <a:noAutofit/>
           </a:bodyPr>
           <a:lstStyle/>
           <a:p>
-            <a:pPr marL="0" lvl="0" indent="0">
+            <a:pPr indent="0" lvl="0" marL="0">
               <a:spcBef>
                 <a:spcPts val="0"/>
               </a:spcBef>
@@ -7067,11 +7059,11 @@
 </file>
 
 <file path=ppt/slideLayouts/slideLayout9.xml><?xml version="1.0" encoding="utf-8"?>
-<p:sldLayout xmlns:a="http://schemas.openxmlformats.org/drawingml/2006/main" xmlns:r="http://schemas.openxmlformats.org/officeDocument/2006/relationships" xmlns:p="http://schemas.openxmlformats.org/presentationml/2006/main">
+<p:sldLayout xmlns:a="http://schemas.openxmlformats.org/drawingml/2006/main" xmlns:r="http://schemas.openxmlformats.org/officeDocument/2006/relationships" xmlns:mc="http://schemas.openxmlformats.org/markup-compatibility/2006" xmlns:mv="urn:schemas-microsoft-com:mac:vml" xmlns:p="http://schemas.openxmlformats.org/presentationml/2006/main" xmlns:c="http://schemas.openxmlformats.org/drawingml/2006/chart" xmlns:dgm="http://schemas.openxmlformats.org/drawingml/2006/diagram" xmlns:o="urn:schemas-microsoft-com:office:office" xmlns:v="urn:schemas-microsoft-com:vml" xmlns:pvml="urn:schemas-microsoft-com:office:powerpoint" xmlns:com="http://schemas.openxmlformats.org/drawingml/2006/compatibility" xmlns:p14="http://schemas.microsoft.com/office/powerpoint/2010/main" xmlns:p15="http://schemas.microsoft.com/office/powerpoint/2012/main">
   <p:cSld name="Caption">
     <p:spTree>
       <p:nvGrpSpPr>
-        <p:cNvPr id="1" name="Shape 99"/>
+        <p:cNvPr id="99" name="Shape 99"/>
         <p:cNvGrpSpPr/>
         <p:nvPr/>
       </p:nvGrpSpPr>
@@ -7110,7 +7102,7 @@
             </a:xfrm>
             <a:prstGeom prst="diagStripe">
               <a:avLst>
-                <a:gd name="adj" fmla="val 50000"/>
+                <a:gd fmla="val 50000" name="adj"/>
               </a:avLst>
             </a:prstGeom>
             <a:solidFill>
@@ -7123,12 +7115,12 @@
             </a:ln>
           </p:spPr>
           <p:txBody>
-            <a:bodyPr wrap="square" lIns="91425" tIns="91425" rIns="91425" bIns="91425" anchor="ctr" anchorCtr="0">
+            <a:bodyPr anchorCtr="0" anchor="ctr" bIns="91425" lIns="91425" rIns="91425" wrap="square" tIns="91425">
               <a:noAutofit/>
             </a:bodyPr>
             <a:lstStyle/>
             <a:p>
-              <a:pPr marL="0" lvl="0" indent="0">
+              <a:pPr indent="0" lvl="0" marL="0">
                 <a:spcBef>
                   <a:spcPts val="0"/>
                 </a:spcBef>
@@ -7137,6 +7129,9 @@
                 </a:spcAft>
                 <a:buNone/>
               </a:pPr>
+              <a:r>
+                <a:t/>
+              </a:r>
               <a:endParaRPr/>
             </a:p>
           </p:txBody>
@@ -7154,7 +7149,7 @@
             </a:xfrm>
             <a:prstGeom prst="diagStripe">
               <a:avLst>
-                <a:gd name="adj" fmla="val 50000"/>
+                <a:gd fmla="val 50000" name="adj"/>
               </a:avLst>
             </a:prstGeom>
             <a:solidFill>
@@ -7167,12 +7162,12 @@
             </a:ln>
           </p:spPr>
           <p:txBody>
-            <a:bodyPr wrap="square" lIns="91425" tIns="91425" rIns="91425" bIns="91425" anchor="ctr" anchorCtr="0">
+            <a:bodyPr anchorCtr="0" anchor="ctr" bIns="91425" lIns="91425" rIns="91425" wrap="square" tIns="91425">
               <a:noAutofit/>
             </a:bodyPr>
             <a:lstStyle/>
             <a:p>
-              <a:pPr marL="0" lvl="0" indent="0">
+              <a:pPr indent="0" lvl="0" marL="0">
                 <a:spcBef>
                   <a:spcPts val="0"/>
                 </a:spcBef>
@@ -7181,6 +7176,9 @@
                 </a:spcAft>
                 <a:buNone/>
               </a:pPr>
+              <a:r>
+                <a:t/>
+              </a:r>
               <a:endParaRPr/>
             </a:p>
           </p:txBody>
@@ -7189,11 +7187,9 @@
       <p:sp>
         <p:nvSpPr>
           <p:cNvPr id="103" name="Shape 103"/>
-          <p:cNvSpPr txBox="1">
-            <a:spLocks noGrp="1"/>
-          </p:cNvSpPr>
+          <p:cNvSpPr txBox="1"/>
           <p:nvPr>
-            <p:ph type="body" idx="1"/>
+            <p:ph idx="1" type="body"/>
           </p:nvPr>
         </p:nvSpPr>
         <p:spPr>
@@ -7206,9 +7202,9 @@
           </a:prstGeom>
         </p:spPr>
         <p:txBody>
-          <a:bodyPr wrap="square" lIns="91425" tIns="91425" rIns="91425" bIns="91425" anchor="ctr" anchorCtr="0"/>
+          <a:bodyPr anchorCtr="0" anchor="ctr" bIns="91425" lIns="91425" rIns="91425" wrap="square" tIns="91425"/>
           <a:lstStyle>
-            <a:lvl1pPr marL="457200" lvl="0" indent="-228600">
+            <a:lvl1pPr indent="-228600" lvl="0" marL="457200">
               <a:lnSpc>
                 <a:spcPct val="100000"/>
               </a:lnSpc>
@@ -7223,19 +7219,15 @@
               <a:defRPr/>
             </a:lvl1pPr>
           </a:lstStyle>
-          <a:p>
-            <a:endParaRPr/>
-          </a:p>
+          <a:p/>
         </p:txBody>
       </p:sp>
       <p:sp>
         <p:nvSpPr>
           <p:cNvPr id="104" name="Shape 104"/>
-          <p:cNvSpPr txBox="1">
-            <a:spLocks noGrp="1"/>
-          </p:cNvSpPr>
+          <p:cNvSpPr txBox="1"/>
           <p:nvPr>
-            <p:ph type="sldNum" idx="12"/>
+            <p:ph idx="12" type="sldNum"/>
           </p:nvPr>
         </p:nvSpPr>
         <p:spPr>
@@ -7248,12 +7240,12 @@
           </a:prstGeom>
         </p:spPr>
         <p:txBody>
-          <a:bodyPr wrap="square" lIns="91425" tIns="91425" rIns="91425" bIns="91425" anchor="ctr" anchorCtr="0">
+          <a:bodyPr anchorCtr="0" anchor="ctr" bIns="91425" lIns="91425" rIns="91425" wrap="square" tIns="91425">
             <a:noAutofit/>
           </a:bodyPr>
           <a:lstStyle/>
           <a:p>
-            <a:pPr marL="0" lvl="0" indent="0">
+            <a:pPr indent="0" lvl="0" marL="0">
               <a:spcBef>
                 <a:spcPts val="0"/>
               </a:spcBef>
@@ -7279,19 +7271,18 @@
 </file>
 
 <file path=ppt/slideMasters/slideMaster1.xml><?xml version="1.0" encoding="utf-8"?>
-<p:sldMaster xmlns:a="http://schemas.openxmlformats.org/drawingml/2006/main" xmlns:r="http://schemas.openxmlformats.org/officeDocument/2006/relationships" xmlns:p="http://schemas.openxmlformats.org/presentationml/2006/main">
+<p:sldMaster xmlns:a="http://schemas.openxmlformats.org/drawingml/2006/main" xmlns:r="http://schemas.openxmlformats.org/officeDocument/2006/relationships" xmlns:mc="http://schemas.openxmlformats.org/markup-compatibility/2006" xmlns:mv="urn:schemas-microsoft-com:mac:vml" xmlns:p="http://schemas.openxmlformats.org/presentationml/2006/main" xmlns:c="http://schemas.openxmlformats.org/drawingml/2006/chart" xmlns:dgm="http://schemas.openxmlformats.org/drawingml/2006/diagram" xmlns:o="urn:schemas-microsoft-com:office:office" xmlns:v="urn:schemas-microsoft-com:vml" xmlns:pvml="urn:schemas-microsoft-com:office:powerpoint" xmlns:com="http://schemas.openxmlformats.org/drawingml/2006/compatibility" xmlns:p14="http://schemas.microsoft.com/office/powerpoint/2010/main" xmlns:p15="http://schemas.microsoft.com/office/powerpoint/2012/main">
   <p:cSld name="focus">
     <p:bg>
       <p:bgPr>
         <a:solidFill>
           <a:schemeClr val="dk1"/>
         </a:solidFill>
-        <a:effectLst/>
       </p:bgPr>
     </p:bg>
     <p:spTree>
       <p:nvGrpSpPr>
-        <p:cNvPr id="1" name="Shape 5"/>
+        <p:cNvPr id="5" name="Shape 5"/>
         <p:cNvGrpSpPr/>
         <p:nvPr/>
       </p:nvGrpSpPr>
@@ -7306,9 +7297,7 @@
       <p:sp>
         <p:nvSpPr>
           <p:cNvPr id="6" name="Shape 6"/>
-          <p:cNvSpPr txBox="1">
-            <a:spLocks noGrp="1"/>
-          </p:cNvSpPr>
+          <p:cNvSpPr txBox="1"/>
           <p:nvPr>
             <p:ph type="title"/>
           </p:nvPr>
@@ -7327,7 +7316,7 @@
           </a:ln>
         </p:spPr>
         <p:txBody>
-          <a:bodyPr wrap="square" lIns="91425" tIns="91425" rIns="91425" bIns="91425" anchor="t" anchorCtr="0"/>
+          <a:bodyPr anchorCtr="0" anchor="t" bIns="91425" lIns="91425" rIns="91425" wrap="square" tIns="91425"/>
           <a:lstStyle>
             <a:lvl1pPr lvl="0">
               <a:spcBef>
@@ -7537,19 +7526,15 @@
               </a:defRPr>
             </a:lvl9pPr>
           </a:lstStyle>
-          <a:p>
-            <a:endParaRPr/>
-          </a:p>
+          <a:p/>
         </p:txBody>
       </p:sp>
       <p:sp>
         <p:nvSpPr>
           <p:cNvPr id="7" name="Shape 7"/>
-          <p:cNvSpPr txBox="1">
-            <a:spLocks noGrp="1"/>
-          </p:cNvSpPr>
+          <p:cNvSpPr txBox="1"/>
           <p:nvPr>
-            <p:ph type="body" idx="1"/>
+            <p:ph idx="1" type="body"/>
           </p:nvPr>
         </p:nvSpPr>
         <p:spPr>
@@ -7566,9 +7551,9 @@
           </a:ln>
         </p:spPr>
         <p:txBody>
-          <a:bodyPr wrap="square" lIns="91425" tIns="91425" rIns="91425" bIns="91425" anchor="t" anchorCtr="0"/>
+          <a:bodyPr anchorCtr="0" anchor="t" bIns="91425" lIns="91425" rIns="91425" wrap="square" tIns="91425"/>
           <a:lstStyle>
-            <a:lvl1pPr marL="457200" lvl="0" indent="-311150">
+            <a:lvl1pPr indent="-311150" lvl="0" marL="457200">
               <a:lnSpc>
                 <a:spcPct val="115000"/>
               </a:lnSpc>
@@ -7594,7 +7579,7 @@
                 <a:sym typeface="Lato"/>
               </a:defRPr>
             </a:lvl1pPr>
-            <a:lvl2pPr marL="914400" lvl="1" indent="-298450">
+            <a:lvl2pPr indent="-298450" lvl="1" marL="914400">
               <a:lnSpc>
                 <a:spcPct val="115000"/>
               </a:lnSpc>
@@ -7620,7 +7605,7 @@
                 <a:sym typeface="Lato"/>
               </a:defRPr>
             </a:lvl2pPr>
-            <a:lvl3pPr marL="1371600" lvl="2" indent="-298450">
+            <a:lvl3pPr indent="-298450" lvl="2" marL="1371600">
               <a:lnSpc>
                 <a:spcPct val="115000"/>
               </a:lnSpc>
@@ -7646,7 +7631,7 @@
                 <a:sym typeface="Lato"/>
               </a:defRPr>
             </a:lvl3pPr>
-            <a:lvl4pPr marL="1828800" lvl="3" indent="-298450">
+            <a:lvl4pPr indent="-298450" lvl="3" marL="1828800">
               <a:lnSpc>
                 <a:spcPct val="115000"/>
               </a:lnSpc>
@@ -7672,7 +7657,7 @@
                 <a:sym typeface="Lato"/>
               </a:defRPr>
             </a:lvl4pPr>
-            <a:lvl5pPr marL="2286000" lvl="4" indent="-298450">
+            <a:lvl5pPr indent="-298450" lvl="4" marL="2286000">
               <a:lnSpc>
                 <a:spcPct val="115000"/>
               </a:lnSpc>
@@ -7698,7 +7683,7 @@
                 <a:sym typeface="Lato"/>
               </a:defRPr>
             </a:lvl5pPr>
-            <a:lvl6pPr marL="2743200" lvl="5" indent="-298450">
+            <a:lvl6pPr indent="-298450" lvl="5" marL="2743200">
               <a:lnSpc>
                 <a:spcPct val="115000"/>
               </a:lnSpc>
@@ -7724,7 +7709,7 @@
                 <a:sym typeface="Lato"/>
               </a:defRPr>
             </a:lvl6pPr>
-            <a:lvl7pPr marL="3200400" lvl="6" indent="-298450">
+            <a:lvl7pPr indent="-298450" lvl="6" marL="3200400">
               <a:lnSpc>
                 <a:spcPct val="115000"/>
               </a:lnSpc>
@@ -7750,7 +7735,7 @@
                 <a:sym typeface="Lato"/>
               </a:defRPr>
             </a:lvl7pPr>
-            <a:lvl8pPr marL="3657600" lvl="7" indent="-298450">
+            <a:lvl8pPr indent="-298450" lvl="7" marL="3657600">
               <a:lnSpc>
                 <a:spcPct val="115000"/>
               </a:lnSpc>
@@ -7776,7 +7761,7 @@
                 <a:sym typeface="Lato"/>
               </a:defRPr>
             </a:lvl8pPr>
-            <a:lvl9pPr marL="4114800" lvl="8" indent="-298450">
+            <a:lvl9pPr indent="-298450" lvl="8" marL="4114800">
               <a:lnSpc>
                 <a:spcPct val="115000"/>
               </a:lnSpc>
@@ -7803,19 +7788,15 @@
               </a:defRPr>
             </a:lvl9pPr>
           </a:lstStyle>
-          <a:p>
-            <a:endParaRPr/>
-          </a:p>
+          <a:p/>
         </p:txBody>
       </p:sp>
       <p:sp>
         <p:nvSpPr>
           <p:cNvPr id="8" name="Shape 8"/>
-          <p:cNvSpPr txBox="1">
-            <a:spLocks noGrp="1"/>
-          </p:cNvSpPr>
+          <p:cNvSpPr txBox="1"/>
           <p:nvPr>
-            <p:ph type="sldNum" idx="12"/>
+            <p:ph idx="12" type="sldNum"/>
           </p:nvPr>
         </p:nvSpPr>
         <p:spPr>
@@ -7832,12 +7813,12 @@
           </a:ln>
         </p:spPr>
         <p:txBody>
-          <a:bodyPr wrap="square" lIns="91425" tIns="91425" rIns="91425" bIns="91425" anchor="ctr" anchorCtr="0">
+          <a:bodyPr anchorCtr="0" anchor="ctr" bIns="91425" lIns="91425" rIns="91425" wrap="square" tIns="91425">
             <a:noAutofit/>
           </a:bodyPr>
           <a:lstStyle/>
           <a:p>
-            <a:pPr marL="0" lvl="0" indent="0" algn="r">
+            <a:pPr indent="0" lvl="0" marL="0" algn="r">
               <a:spcBef>
                 <a:spcPts val="0"/>
               </a:spcBef>
@@ -7872,7 +7853,7 @@
       </p:sp>
     </p:spTree>
   </p:cSld>
-  <p:clrMap bg1="lt1" tx1="dk1" bg2="dk2" tx2="lt2" accent1="accent1" accent2="accent2" accent3="accent3" accent4="accent4" accent5="accent5" accent6="accent6" hlink="hlink" folHlink="folHlink"/>
+  <p:clrMap accent1="accent1" accent2="accent2" accent3="accent3" accent4="accent4" accent5="accent5" accent6="accent6" bg1="lt1" bg2="dk2" tx1="dk1" tx2="lt2" folHlink="folHlink" hlink="hlink"/>
   <p:sldLayoutIdLst>
     <p:sldLayoutId id="2147483648" r:id="rId1"/>
     <p:sldLayoutId id="2147483649" r:id="rId2"/>
@@ -7886,10 +7867,10 @@
     <p:sldLayoutId id="2147483657" r:id="rId10"/>
     <p:sldLayoutId id="2147483658" r:id="rId11"/>
   </p:sldLayoutIdLst>
-  <p:hf sldNum="0" hdr="0" ftr="0" dt="0"/>
+  <p:hf dt="0" ftr="0" hdr="0" sldNum="0"/>
   <p:txStyles>
     <p:titleStyle>
-      <a:defPPr marR="0" lvl="0" algn="l" rtl="0">
+      <a:defPPr lvl="0" marR="0" rtl="0" algn="l">
         <a:lnSpc>
           <a:spcPct val="100000"/>
         </a:lnSpc>
@@ -7900,7 +7881,7 @@
           <a:spcPts val="0"/>
         </a:spcAft>
       </a:defPPr>
-      <a:lvl1pPr marR="0" lvl="0" algn="l" rtl="0">
+      <a:lvl1pPr lvl="0" marR="0" rtl="0" algn="l">
         <a:lnSpc>
           <a:spcPct val="100000"/>
         </a:lnSpc>
@@ -7911,7 +7892,7 @@
           <a:spcPts val="0"/>
         </a:spcAft>
         <a:buNone/>
-        <a:defRPr sz="1400" b="0" i="0" u="none" strike="noStrike" cap="none">
+        <a:defRPr b="0" i="0" sz="1400" u="none" cap="none" strike="noStrike">
           <a:solidFill>
             <a:srgbClr val="000000"/>
           </a:solidFill>
@@ -7923,7 +7904,7 @@
       </a:lvl1pPr>
     </p:titleStyle>
     <p:bodyStyle>
-      <a:defPPr marR="0" lvl="0" algn="l" rtl="0">
+      <a:defPPr lvl="0" marR="0" rtl="0" algn="l">
         <a:lnSpc>
           <a:spcPct val="100000"/>
         </a:lnSpc>
@@ -7934,7 +7915,7 @@
           <a:spcPts val="0"/>
         </a:spcAft>
       </a:defPPr>
-      <a:lvl1pPr marR="0" lvl="0" algn="l" rtl="0">
+      <a:lvl1pPr lvl="0" marR="0" rtl="0" algn="l">
         <a:lnSpc>
           <a:spcPct val="100000"/>
         </a:lnSpc>
@@ -7945,7 +7926,7 @@
           <a:spcPts val="0"/>
         </a:spcAft>
         <a:buNone/>
-        <a:defRPr sz="1400" b="0" i="0" u="none" strike="noStrike" cap="none">
+        <a:defRPr b="0" i="0" sz="1400" u="none" cap="none" strike="noStrike">
           <a:solidFill>
             <a:srgbClr val="000000"/>
           </a:solidFill>
@@ -7955,7 +7936,7 @@
           <a:sym typeface="Arial"/>
         </a:defRPr>
       </a:lvl1pPr>
-      <a:lvl2pPr marR="0" lvl="1" algn="l" rtl="0">
+      <a:lvl2pPr lvl="1" marR="0" rtl="0" algn="l">
         <a:lnSpc>
           <a:spcPct val="100000"/>
         </a:lnSpc>
@@ -7966,7 +7947,7 @@
           <a:spcPts val="0"/>
         </a:spcAft>
         <a:buNone/>
-        <a:defRPr sz="1400" b="0" i="0" u="none" strike="noStrike" cap="none">
+        <a:defRPr b="0" i="0" sz="1400" u="none" cap="none" strike="noStrike">
           <a:solidFill>
             <a:srgbClr val="000000"/>
           </a:solidFill>
@@ -7976,7 +7957,7 @@
           <a:sym typeface="Arial"/>
         </a:defRPr>
       </a:lvl2pPr>
-      <a:lvl3pPr marR="0" lvl="2" algn="l" rtl="0">
+      <a:lvl3pPr lvl="2" marR="0" rtl="0" algn="l">
         <a:lnSpc>
           <a:spcPct val="100000"/>
         </a:lnSpc>
@@ -7987,7 +7968,7 @@
           <a:spcPts val="0"/>
         </a:spcAft>
         <a:buNone/>
-        <a:defRPr sz="1400" b="0" i="0" u="none" strike="noStrike" cap="none">
+        <a:defRPr b="0" i="0" sz="1400" u="none" cap="none" strike="noStrike">
           <a:solidFill>
             <a:srgbClr val="000000"/>
           </a:solidFill>
@@ -7997,7 +7978,7 @@
           <a:sym typeface="Arial"/>
         </a:defRPr>
       </a:lvl3pPr>
-      <a:lvl4pPr marR="0" lvl="3" algn="l" rtl="0">
+      <a:lvl4pPr lvl="3" marR="0" rtl="0" algn="l">
         <a:lnSpc>
           <a:spcPct val="100000"/>
         </a:lnSpc>
@@ -8008,7 +7989,7 @@
           <a:spcPts val="0"/>
         </a:spcAft>
         <a:buNone/>
-        <a:defRPr sz="1400" b="0" i="0" u="none" strike="noStrike" cap="none">
+        <a:defRPr b="0" i="0" sz="1400" u="none" cap="none" strike="noStrike">
           <a:solidFill>
             <a:srgbClr val="000000"/>
           </a:solidFill>
@@ -8018,7 +7999,7 @@
           <a:sym typeface="Arial"/>
         </a:defRPr>
       </a:lvl4pPr>
-      <a:lvl5pPr marR="0" lvl="4" algn="l" rtl="0">
+      <a:lvl5pPr lvl="4" marR="0" rtl="0" algn="l">
         <a:lnSpc>
           <a:spcPct val="100000"/>
         </a:lnSpc>
@@ -8029,7 +8010,7 @@
           <a:spcPts val="0"/>
         </a:spcAft>
         <a:buNone/>
-        <a:defRPr sz="1400" b="0" i="0" u="none" strike="noStrike" cap="none">
+        <a:defRPr b="0" i="0" sz="1400" u="none" cap="none" strike="noStrike">
           <a:solidFill>
             <a:srgbClr val="000000"/>
           </a:solidFill>
@@ -8039,7 +8020,7 @@
           <a:sym typeface="Arial"/>
         </a:defRPr>
       </a:lvl5pPr>
-      <a:lvl6pPr marR="0" lvl="5" algn="l" rtl="0">
+      <a:lvl6pPr lvl="5" marR="0" rtl="0" algn="l">
         <a:lnSpc>
           <a:spcPct val="100000"/>
         </a:lnSpc>
@@ -8050,7 +8031,7 @@
           <a:spcPts val="0"/>
         </a:spcAft>
         <a:buNone/>
-        <a:defRPr sz="1400" b="0" i="0" u="none" strike="noStrike" cap="none">
+        <a:defRPr b="0" i="0" sz="1400" u="none" cap="none" strike="noStrike">
           <a:solidFill>
             <a:srgbClr val="000000"/>
           </a:solidFill>
@@ -8060,7 +8041,7 @@
           <a:sym typeface="Arial"/>
         </a:defRPr>
       </a:lvl6pPr>
-      <a:lvl7pPr marR="0" lvl="6" algn="l" rtl="0">
+      <a:lvl7pPr lvl="6" marR="0" rtl="0" algn="l">
         <a:lnSpc>
           <a:spcPct val="100000"/>
         </a:lnSpc>
@@ -8071,7 +8052,7 @@
           <a:spcPts val="0"/>
         </a:spcAft>
         <a:buNone/>
-        <a:defRPr sz="1400" b="0" i="0" u="none" strike="noStrike" cap="none">
+        <a:defRPr b="0" i="0" sz="1400" u="none" cap="none" strike="noStrike">
           <a:solidFill>
             <a:srgbClr val="000000"/>
           </a:solidFill>
@@ -8081,7 +8062,7 @@
           <a:sym typeface="Arial"/>
         </a:defRPr>
       </a:lvl7pPr>
-      <a:lvl8pPr marR="0" lvl="7" algn="l" rtl="0">
+      <a:lvl8pPr lvl="7" marR="0" rtl="0" algn="l">
         <a:lnSpc>
           <a:spcPct val="100000"/>
         </a:lnSpc>
@@ -8092,7 +8073,7 @@
           <a:spcPts val="0"/>
         </a:spcAft>
         <a:buNone/>
-        <a:defRPr sz="1400" b="0" i="0" u="none" strike="noStrike" cap="none">
+        <a:defRPr b="0" i="0" sz="1400" u="none" cap="none" strike="noStrike">
           <a:solidFill>
             <a:srgbClr val="000000"/>
           </a:solidFill>
@@ -8102,7 +8083,7 @@
           <a:sym typeface="Arial"/>
         </a:defRPr>
       </a:lvl8pPr>
-      <a:lvl9pPr marR="0" lvl="8" algn="l" rtl="0">
+      <a:lvl9pPr lvl="8" marR="0" rtl="0" algn="l">
         <a:lnSpc>
           <a:spcPct val="100000"/>
         </a:lnSpc>
@@ -8113,7 +8094,7 @@
           <a:spcPts val="0"/>
         </a:spcAft>
         <a:buNone/>
-        <a:defRPr sz="1400" b="0" i="0" u="none" strike="noStrike" cap="none">
+        <a:defRPr b="0" i="0" sz="1400" u="none" cap="none" strike="noStrike">
           <a:solidFill>
             <a:srgbClr val="000000"/>
           </a:solidFill>
@@ -8125,7 +8106,7 @@
       </a:lvl9pPr>
     </p:bodyStyle>
     <p:otherStyle>
-      <a:defPPr marR="0" lvl="0" algn="l" rtl="0">
+      <a:defPPr lvl="0" marR="0" rtl="0" algn="l">
         <a:lnSpc>
           <a:spcPct val="100000"/>
         </a:lnSpc>
@@ -8136,7 +8117,7 @@
           <a:spcPts val="0"/>
         </a:spcAft>
       </a:defPPr>
-      <a:lvl1pPr marR="0" lvl="0" algn="l" rtl="0">
+      <a:lvl1pPr lvl="0" marR="0" rtl="0" algn="l">
         <a:lnSpc>
           <a:spcPct val="100000"/>
         </a:lnSpc>
@@ -8147,7 +8128,7 @@
           <a:spcPts val="0"/>
         </a:spcAft>
         <a:buNone/>
-        <a:defRPr sz="1400" b="0" i="0" u="none" strike="noStrike" cap="none">
+        <a:defRPr b="0" i="0" sz="1400" u="none" cap="none" strike="noStrike">
           <a:solidFill>
             <a:srgbClr val="000000"/>
           </a:solidFill>
@@ -8157,7 +8138,7 @@
           <a:sym typeface="Arial"/>
         </a:defRPr>
       </a:lvl1pPr>
-      <a:lvl2pPr marR="0" lvl="1" algn="l" rtl="0">
+      <a:lvl2pPr lvl="1" marR="0" rtl="0" algn="l">
         <a:lnSpc>
           <a:spcPct val="100000"/>
         </a:lnSpc>
@@ -8168,7 +8149,7 @@
           <a:spcPts val="0"/>
         </a:spcAft>
         <a:buNone/>
-        <a:defRPr sz="1400" b="0" i="0" u="none" strike="noStrike" cap="none">
+        <a:defRPr b="0" i="0" sz="1400" u="none" cap="none" strike="noStrike">
           <a:solidFill>
             <a:srgbClr val="000000"/>
           </a:solidFill>
@@ -8178,7 +8159,7 @@
           <a:sym typeface="Arial"/>
         </a:defRPr>
       </a:lvl2pPr>
-      <a:lvl3pPr marR="0" lvl="2" algn="l" rtl="0">
+      <a:lvl3pPr lvl="2" marR="0" rtl="0" algn="l">
         <a:lnSpc>
           <a:spcPct val="100000"/>
         </a:lnSpc>
@@ -8189,7 +8170,7 @@
           <a:spcPts val="0"/>
         </a:spcAft>
         <a:buNone/>
-        <a:defRPr sz="1400" b="0" i="0" u="none" strike="noStrike" cap="none">
+        <a:defRPr b="0" i="0" sz="1400" u="none" cap="none" strike="noStrike">
           <a:solidFill>
             <a:srgbClr val="000000"/>
           </a:solidFill>
@@ -8199,7 +8180,7 @@
           <a:sym typeface="Arial"/>
         </a:defRPr>
       </a:lvl3pPr>
-      <a:lvl4pPr marR="0" lvl="3" algn="l" rtl="0">
+      <a:lvl4pPr lvl="3" marR="0" rtl="0" algn="l">
         <a:lnSpc>
           <a:spcPct val="100000"/>
         </a:lnSpc>
@@ -8210,7 +8191,7 @@
           <a:spcPts val="0"/>
         </a:spcAft>
         <a:buNone/>
-        <a:defRPr sz="1400" b="0" i="0" u="none" strike="noStrike" cap="none">
+        <a:defRPr b="0" i="0" sz="1400" u="none" cap="none" strike="noStrike">
           <a:solidFill>
             <a:srgbClr val="000000"/>
           </a:solidFill>
@@ -8220,7 +8201,7 @@
           <a:sym typeface="Arial"/>
         </a:defRPr>
       </a:lvl4pPr>
-      <a:lvl5pPr marR="0" lvl="4" algn="l" rtl="0">
+      <a:lvl5pPr lvl="4" marR="0" rtl="0" algn="l">
         <a:lnSpc>
           <a:spcPct val="100000"/>
         </a:lnSpc>
@@ -8231,7 +8212,7 @@
           <a:spcPts val="0"/>
         </a:spcAft>
         <a:buNone/>
-        <a:defRPr sz="1400" b="0" i="0" u="none" strike="noStrike" cap="none">
+        <a:defRPr b="0" i="0" sz="1400" u="none" cap="none" strike="noStrike">
           <a:solidFill>
             <a:srgbClr val="000000"/>
           </a:solidFill>
@@ -8241,7 +8222,7 @@
           <a:sym typeface="Arial"/>
         </a:defRPr>
       </a:lvl5pPr>
-      <a:lvl6pPr marR="0" lvl="5" algn="l" rtl="0">
+      <a:lvl6pPr lvl="5" marR="0" rtl="0" algn="l">
         <a:lnSpc>
           <a:spcPct val="100000"/>
         </a:lnSpc>
@@ -8252,7 +8233,7 @@
           <a:spcPts val="0"/>
         </a:spcAft>
         <a:buNone/>
-        <a:defRPr sz="1400" b="0" i="0" u="none" strike="noStrike" cap="none">
+        <a:defRPr b="0" i="0" sz="1400" u="none" cap="none" strike="noStrike">
           <a:solidFill>
             <a:srgbClr val="000000"/>
           </a:solidFill>
@@ -8262,7 +8243,7 @@
           <a:sym typeface="Arial"/>
         </a:defRPr>
       </a:lvl6pPr>
-      <a:lvl7pPr marR="0" lvl="6" algn="l" rtl="0">
+      <a:lvl7pPr lvl="6" marR="0" rtl="0" algn="l">
         <a:lnSpc>
           <a:spcPct val="100000"/>
         </a:lnSpc>
@@ -8273,7 +8254,7 @@
           <a:spcPts val="0"/>
         </a:spcAft>
         <a:buNone/>
-        <a:defRPr sz="1400" b="0" i="0" u="none" strike="noStrike" cap="none">
+        <a:defRPr b="0" i="0" sz="1400" u="none" cap="none" strike="noStrike">
           <a:solidFill>
             <a:srgbClr val="000000"/>
           </a:solidFill>
@@ -8283,7 +8264,7 @@
           <a:sym typeface="Arial"/>
         </a:defRPr>
       </a:lvl7pPr>
-      <a:lvl8pPr marR="0" lvl="7" algn="l" rtl="0">
+      <a:lvl8pPr lvl="7" marR="0" rtl="0" algn="l">
         <a:lnSpc>
           <a:spcPct val="100000"/>
         </a:lnSpc>
@@ -8294,7 +8275,7 @@
           <a:spcPts val="0"/>
         </a:spcAft>
         <a:buNone/>
-        <a:defRPr sz="1400" b="0" i="0" u="none" strike="noStrike" cap="none">
+        <a:defRPr b="0" i="0" sz="1400" u="none" cap="none" strike="noStrike">
           <a:solidFill>
             <a:srgbClr val="000000"/>
           </a:solidFill>
@@ -8304,7 +8285,7 @@
           <a:sym typeface="Arial"/>
         </a:defRPr>
       </a:lvl8pPr>
-      <a:lvl9pPr marR="0" lvl="8" algn="l" rtl="0">
+      <a:lvl9pPr lvl="8" marR="0" rtl="0" algn="l">
         <a:lnSpc>
           <a:spcPct val="100000"/>
         </a:lnSpc>
@@ -8315,7 +8296,7 @@
           <a:spcPts val="0"/>
         </a:spcAft>
         <a:buNone/>
-        <a:defRPr sz="1400" b="0" i="0" u="none" strike="noStrike" cap="none">
+        <a:defRPr b="0" i="0" sz="1400" u="none" cap="none" strike="noStrike">
           <a:solidFill>
             <a:srgbClr val="000000"/>
           </a:solidFill>
@@ -8331,11 +8312,11 @@
 </file>
 
 <file path=ppt/slides/slide1.xml><?xml version="1.0" encoding="utf-8"?>
-<p:sld xmlns:a="http://schemas.openxmlformats.org/drawingml/2006/main" xmlns:r="http://schemas.openxmlformats.org/officeDocument/2006/relationships" xmlns:p="http://schemas.openxmlformats.org/presentationml/2006/main">
+<p:sld xmlns:a="http://schemas.openxmlformats.org/drawingml/2006/main" xmlns:r="http://schemas.openxmlformats.org/officeDocument/2006/relationships" xmlns:mc="http://schemas.openxmlformats.org/markup-compatibility/2006" xmlns:mv="urn:schemas-microsoft-com:mac:vml" xmlns:p="http://schemas.openxmlformats.org/presentationml/2006/main" xmlns:c="http://schemas.openxmlformats.org/drawingml/2006/chart" xmlns:dgm="http://schemas.openxmlformats.org/drawingml/2006/diagram" xmlns:o="urn:schemas-microsoft-com:office:office" xmlns:v="urn:schemas-microsoft-com:vml" xmlns:pvml="urn:schemas-microsoft-com:office:powerpoint" xmlns:com="http://schemas.openxmlformats.org/drawingml/2006/compatibility" xmlns:p14="http://schemas.microsoft.com/office/powerpoint/2010/main" xmlns:p15="http://schemas.microsoft.com/office/powerpoint/2012/main">
   <p:cSld>
     <p:spTree>
       <p:nvGrpSpPr>
-        <p:cNvPr id="1" name="Shape 133"/>
+        <p:cNvPr id="133" name="Shape 133"/>
         <p:cNvGrpSpPr/>
         <p:nvPr/>
       </p:nvGrpSpPr>
@@ -8350,9 +8331,7 @@
       <p:sp>
         <p:nvSpPr>
           <p:cNvPr id="134" name="Shape 134"/>
-          <p:cNvSpPr txBox="1">
-            <a:spLocks noGrp="1"/>
-          </p:cNvSpPr>
+          <p:cNvSpPr txBox="1"/>
           <p:nvPr>
             <p:ph type="ctrTitle"/>
           </p:nvPr>
@@ -8360,19 +8339,19 @@
         <p:spPr>
           <a:xfrm>
             <a:off x="3537150" y="1578400"/>
-            <a:ext cx="5017500" cy="1578900"/>
+            <a:ext cx="5017500" cy="2202000"/>
           </a:xfrm>
           <a:prstGeom prst="rect">
             <a:avLst/>
           </a:prstGeom>
         </p:spPr>
         <p:txBody>
-          <a:bodyPr wrap="square" lIns="91425" tIns="91425" rIns="91425" bIns="91425" anchor="t" anchorCtr="0">
+          <a:bodyPr anchorCtr="0" anchor="t" bIns="91425" lIns="91425" rIns="91425" wrap="square" tIns="91425">
             <a:noAutofit/>
           </a:bodyPr>
           <a:lstStyle/>
           <a:p>
-            <a:pPr marL="914400" lvl="0" indent="457200">
+            <a:pPr indent="457200" lvl="0" marL="914400">
               <a:spcBef>
                 <a:spcPts val="0"/>
               </a:spcBef>
@@ -8382,15 +8361,15 @@
               <a:buNone/>
             </a:pPr>
             <a:r>
-              <a:rPr lang="en" dirty="0">
+              <a:rPr lang="en">
                 <a:latin typeface="Arial"/>
                 <a:ea typeface="Arial"/>
                 <a:cs typeface="Arial"/>
                 <a:sym typeface="Arial"/>
               </a:rPr>
-              <a:t>Project 1</a:t>
+              <a:t>Project 1 -</a:t>
             </a:r>
-            <a:endParaRPr dirty="0">
+            <a:endParaRPr>
               <a:latin typeface="Arial"/>
               <a:ea typeface="Arial"/>
               <a:cs typeface="Arial"/>
@@ -8398,7 +8377,7 @@
             </a:endParaRPr>
           </a:p>
           <a:p>
-            <a:pPr marL="0" lvl="0" indent="457200">
+            <a:pPr indent="457200" lvl="0" marL="0" rtl="0">
               <a:spcBef>
                 <a:spcPts val="0"/>
               </a:spcBef>
@@ -8408,24 +8387,41 @@
               <a:buNone/>
             </a:pPr>
             <a:r>
-              <a:rPr lang="en" dirty="0">
+              <a:rPr lang="en">
                 <a:latin typeface="Arial"/>
                 <a:ea typeface="Arial"/>
                 <a:cs typeface="Arial"/>
                 <a:sym typeface="Arial"/>
               </a:rPr>
-              <a:t>Guess That </a:t>
+              <a:t>Guess That Song</a:t>
             </a:r>
+            <a:endParaRPr>
+              <a:latin typeface="Arial"/>
+              <a:ea typeface="Arial"/>
+              <a:cs typeface="Arial"/>
+              <a:sym typeface="Arial"/>
+            </a:endParaRPr>
+          </a:p>
+          <a:p>
+            <a:pPr indent="457200" lvl="0" marL="457200">
+              <a:spcBef>
+                <a:spcPts val="0"/>
+              </a:spcBef>
+              <a:spcAft>
+                <a:spcPts val="0"/>
+              </a:spcAft>
+              <a:buNone/>
+            </a:pPr>
             <a:r>
-              <a:rPr lang="en" dirty="0" smtClean="0">
+              <a:rPr lang="en">
                 <a:latin typeface="Arial"/>
                 <a:ea typeface="Arial"/>
                 <a:cs typeface="Arial"/>
                 <a:sym typeface="Arial"/>
               </a:rPr>
-              <a:t>Song</a:t>
+              <a:t>Trivia Game</a:t>
             </a:r>
-            <a:endParaRPr dirty="0">
+            <a:endParaRPr>
               <a:latin typeface="Arial"/>
               <a:ea typeface="Arial"/>
               <a:cs typeface="Arial"/>
@@ -8437,11 +8433,9 @@
       <p:sp>
         <p:nvSpPr>
           <p:cNvPr id="135" name="Shape 135"/>
-          <p:cNvSpPr txBox="1">
-            <a:spLocks noGrp="1"/>
-          </p:cNvSpPr>
+          <p:cNvSpPr txBox="1"/>
           <p:nvPr>
-            <p:ph type="subTitle" idx="1"/>
+            <p:ph idx="1" type="subTitle"/>
           </p:nvPr>
         </p:nvSpPr>
         <p:spPr>
@@ -8454,12 +8448,12 @@
           </a:prstGeom>
         </p:spPr>
         <p:txBody>
-          <a:bodyPr wrap="square" lIns="91425" tIns="91425" rIns="91425" bIns="91425" anchor="t" anchorCtr="0">
+          <a:bodyPr anchorCtr="0" anchor="t" bIns="91425" lIns="91425" rIns="91425" wrap="square" tIns="91425">
             <a:noAutofit/>
           </a:bodyPr>
           <a:lstStyle/>
           <a:p>
-            <a:pPr marL="914400" lvl="0" indent="0">
+            <a:pPr indent="0" lvl="0" marL="914400">
               <a:spcBef>
                 <a:spcPts val="0"/>
               </a:spcBef>
@@ -8469,10 +8463,10 @@
               <a:buNone/>
             </a:pPr>
             <a:r>
-              <a:rPr lang="en" dirty="0"/>
+              <a:rPr lang="en"/>
               <a:t>         Steven Hui</a:t>
             </a:r>
-            <a:endParaRPr dirty="0"/>
+            <a:endParaRPr/>
           </a:p>
         </p:txBody>
       </p:sp>
@@ -8485,11 +8479,11 @@
 </file>
 
 <file path=ppt/slides/slide2.xml><?xml version="1.0" encoding="utf-8"?>
-<p:sld xmlns:a="http://schemas.openxmlformats.org/drawingml/2006/main" xmlns:r="http://schemas.openxmlformats.org/officeDocument/2006/relationships" xmlns:p="http://schemas.openxmlformats.org/presentationml/2006/main">
+<p:sld xmlns:a="http://schemas.openxmlformats.org/drawingml/2006/main" xmlns:r="http://schemas.openxmlformats.org/officeDocument/2006/relationships" xmlns:mc="http://schemas.openxmlformats.org/markup-compatibility/2006" xmlns:mv="urn:schemas-microsoft-com:mac:vml" xmlns:p="http://schemas.openxmlformats.org/presentationml/2006/main" xmlns:c="http://schemas.openxmlformats.org/drawingml/2006/chart" xmlns:dgm="http://schemas.openxmlformats.org/drawingml/2006/diagram" xmlns:o="urn:schemas-microsoft-com:office:office" xmlns:v="urn:schemas-microsoft-com:vml" xmlns:pvml="urn:schemas-microsoft-com:office:powerpoint" xmlns:com="http://schemas.openxmlformats.org/drawingml/2006/compatibility" xmlns:p14="http://schemas.microsoft.com/office/powerpoint/2010/main" xmlns:p15="http://schemas.microsoft.com/office/powerpoint/2012/main">
   <p:cSld>
     <p:spTree>
       <p:nvGrpSpPr>
-        <p:cNvPr id="1" name="Shape 139"/>
+        <p:cNvPr id="139" name="Shape 139"/>
         <p:cNvGrpSpPr/>
         <p:nvPr/>
       </p:nvGrpSpPr>
@@ -8504,9 +8498,7 @@
       <p:sp>
         <p:nvSpPr>
           <p:cNvPr id="140" name="Shape 140"/>
-          <p:cNvSpPr txBox="1">
-            <a:spLocks noGrp="1"/>
-          </p:cNvSpPr>
+          <p:cNvSpPr txBox="1"/>
           <p:nvPr>
             <p:ph type="title"/>
           </p:nvPr>
@@ -8521,12 +8513,12 @@
           </a:prstGeom>
         </p:spPr>
         <p:txBody>
-          <a:bodyPr wrap="square" lIns="91425" tIns="91425" rIns="91425" bIns="91425" anchor="t" anchorCtr="0">
+          <a:bodyPr anchorCtr="0" anchor="t" bIns="91425" lIns="91425" rIns="91425" wrap="square" tIns="91425">
             <a:noAutofit/>
           </a:bodyPr>
           <a:lstStyle/>
           <a:p>
-            <a:pPr marL="0" lvl="0" indent="0">
+            <a:pPr indent="0" lvl="0" marL="0">
               <a:spcBef>
                 <a:spcPts val="0"/>
               </a:spcBef>
@@ -8556,11 +8548,9 @@
       <p:sp>
         <p:nvSpPr>
           <p:cNvPr id="141" name="Shape 141"/>
-          <p:cNvSpPr txBox="1">
-            <a:spLocks noGrp="1"/>
-          </p:cNvSpPr>
+          <p:cNvSpPr txBox="1"/>
           <p:nvPr>
-            <p:ph type="body" idx="1"/>
+            <p:ph idx="1" type="body"/>
           </p:nvPr>
         </p:nvSpPr>
         <p:spPr>
@@ -8573,12 +8563,12 @@
           </a:prstGeom>
         </p:spPr>
         <p:txBody>
-          <a:bodyPr wrap="square" lIns="91425" tIns="91425" rIns="91425" bIns="91425" anchor="t" anchorCtr="0">
+          <a:bodyPr anchorCtr="0" anchor="t" bIns="91425" lIns="91425" rIns="91425" wrap="square" tIns="91425">
             <a:noAutofit/>
           </a:bodyPr>
           <a:lstStyle/>
           <a:p>
-            <a:pPr marL="457200" lvl="0" indent="-317500" rtl="0">
+            <a:pPr indent="-317500" lvl="0" marL="457200" rtl="0">
               <a:spcBef>
                 <a:spcPts val="0"/>
               </a:spcBef>
@@ -8606,7 +8596,7 @@
             </a:endParaRPr>
           </a:p>
           <a:p>
-            <a:pPr marL="457200" lvl="0" indent="-317500" rtl="0">
+            <a:pPr indent="-317500" lvl="0" marL="457200" rtl="0">
               <a:spcBef>
                 <a:spcPts val="0"/>
               </a:spcBef>
@@ -8634,7 +8624,7 @@
             </a:endParaRPr>
           </a:p>
           <a:p>
-            <a:pPr marL="457200" lvl="0" indent="-317500" rtl="0">
+            <a:pPr indent="-317500" lvl="0" marL="457200" rtl="0">
               <a:spcBef>
                 <a:spcPts val="0"/>
               </a:spcBef>
@@ -8662,7 +8652,7 @@
             </a:endParaRPr>
           </a:p>
           <a:p>
-            <a:pPr marL="457200" lvl="0" indent="-317500" rtl="0">
+            <a:pPr indent="-317500" lvl="0" marL="457200" rtl="0">
               <a:spcBef>
                 <a:spcPts val="0"/>
               </a:spcBef>
@@ -8690,7 +8680,7 @@
             </a:endParaRPr>
           </a:p>
           <a:p>
-            <a:pPr marL="457200" lvl="0" indent="-317500" rtl="0">
+            <a:pPr indent="-317500" lvl="0" marL="457200" rtl="0">
               <a:spcBef>
                 <a:spcPts val="0"/>
               </a:spcBef>
@@ -8718,7 +8708,7 @@
             </a:endParaRPr>
           </a:p>
           <a:p>
-            <a:pPr marL="457200" lvl="0" indent="-317500" rtl="0">
+            <a:pPr indent="-317500" lvl="0" marL="457200" rtl="0">
               <a:spcBef>
                 <a:spcPts val="0"/>
               </a:spcBef>
@@ -8746,7 +8736,7 @@
             </a:endParaRPr>
           </a:p>
           <a:p>
-            <a:pPr marL="457200" lvl="0" indent="-317500">
+            <a:pPr indent="-317500" lvl="0" marL="457200">
               <a:spcBef>
                 <a:spcPts val="0"/>
               </a:spcBef>
@@ -8784,11 +8774,11 @@
 </file>
 
 <file path=ppt/slides/slide3.xml><?xml version="1.0" encoding="utf-8"?>
-<p:sld xmlns:a="http://schemas.openxmlformats.org/drawingml/2006/main" xmlns:r="http://schemas.openxmlformats.org/officeDocument/2006/relationships" xmlns:p="http://schemas.openxmlformats.org/presentationml/2006/main">
+<p:sld xmlns:a="http://schemas.openxmlformats.org/drawingml/2006/main" xmlns:r="http://schemas.openxmlformats.org/officeDocument/2006/relationships" xmlns:mc="http://schemas.openxmlformats.org/markup-compatibility/2006" xmlns:mv="urn:schemas-microsoft-com:mac:vml" xmlns:p="http://schemas.openxmlformats.org/presentationml/2006/main" xmlns:c="http://schemas.openxmlformats.org/drawingml/2006/chart" xmlns:dgm="http://schemas.openxmlformats.org/drawingml/2006/diagram" xmlns:o="urn:schemas-microsoft-com:office:office" xmlns:v="urn:schemas-microsoft-com:vml" xmlns:pvml="urn:schemas-microsoft-com:office:powerpoint" xmlns:com="http://schemas.openxmlformats.org/drawingml/2006/compatibility" xmlns:p14="http://schemas.microsoft.com/office/powerpoint/2010/main" xmlns:p15="http://schemas.microsoft.com/office/powerpoint/2012/main">
   <p:cSld>
     <p:spTree>
       <p:nvGrpSpPr>
-        <p:cNvPr id="1" name="Shape 145"/>
+        <p:cNvPr id="145" name="Shape 145"/>
         <p:cNvGrpSpPr/>
         <p:nvPr/>
       </p:nvGrpSpPr>
@@ -8803,9 +8793,7 @@
       <p:sp>
         <p:nvSpPr>
           <p:cNvPr id="146" name="Shape 146"/>
-          <p:cNvSpPr txBox="1">
-            <a:spLocks noGrp="1"/>
-          </p:cNvSpPr>
+          <p:cNvSpPr txBox="1"/>
           <p:nvPr>
             <p:ph type="title"/>
           </p:nvPr>
@@ -8820,12 +8808,12 @@
           </a:prstGeom>
         </p:spPr>
         <p:txBody>
-          <a:bodyPr wrap="square" lIns="91425" tIns="91425" rIns="91425" bIns="91425" anchor="t" anchorCtr="0">
+          <a:bodyPr anchorCtr="0" anchor="t" bIns="91425" lIns="91425" rIns="91425" wrap="square" tIns="91425">
             <a:noAutofit/>
           </a:bodyPr>
           <a:lstStyle/>
           <a:p>
-            <a:pPr marL="0" lvl="0" indent="457200">
+            <a:pPr indent="457200" lvl="0" marL="0">
               <a:spcBef>
                 <a:spcPts val="0"/>
               </a:spcBef>
@@ -8855,11 +8843,9 @@
       <p:sp>
         <p:nvSpPr>
           <p:cNvPr id="147" name="Shape 147"/>
-          <p:cNvSpPr txBox="1">
-            <a:spLocks noGrp="1"/>
-          </p:cNvSpPr>
+          <p:cNvSpPr txBox="1"/>
           <p:nvPr>
-            <p:ph type="body" idx="1"/>
+            <p:ph idx="1" type="body"/>
           </p:nvPr>
         </p:nvSpPr>
         <p:spPr>
@@ -8872,12 +8858,12 @@
           </a:prstGeom>
         </p:spPr>
         <p:txBody>
-          <a:bodyPr wrap="square" lIns="91425" tIns="91425" rIns="91425" bIns="91425" anchor="t" anchorCtr="0">
+          <a:bodyPr anchorCtr="0" anchor="t" bIns="91425" lIns="91425" rIns="91425" wrap="square" tIns="91425">
             <a:noAutofit/>
           </a:bodyPr>
           <a:lstStyle/>
           <a:p>
-            <a:pPr marL="457200" lvl="0" indent="-317500" rtl="0">
+            <a:pPr indent="-317500" lvl="0" marL="457200" rtl="0">
               <a:spcBef>
                 <a:spcPts val="0"/>
               </a:spcBef>
@@ -8895,7 +8881,7 @@
                 <a:cs typeface="Arial"/>
                 <a:sym typeface="Arial"/>
               </a:rPr>
-              <a:t>The game features a correct and incorrect counter that increases when you answer correct or incorrect</a:t>
+              <a:t>The game features two counters - a correct and incorrect counter that increases when you answer correct or incorrect</a:t>
             </a:r>
             <a:endParaRPr sz="1400">
               <a:latin typeface="Arial"/>
@@ -8905,7 +8891,7 @@
             </a:endParaRPr>
           </a:p>
           <a:p>
-            <a:pPr marL="457200" lvl="0" indent="-317500">
+            <a:pPr indent="-317500" lvl="0" marL="457200" rtl="0">
               <a:spcBef>
                 <a:spcPts val="0"/>
               </a:spcBef>
@@ -8933,15 +8919,38 @@
             </a:endParaRPr>
           </a:p>
           <a:p>
-            <a:pPr marL="0" lvl="0" indent="0">
+            <a:pPr indent="0" lvl="0" marL="0">
               <a:spcBef>
                 <a:spcPts val="1600"/>
               </a:spcBef>
               <a:spcAft>
+                <a:spcPts val="0"/>
+              </a:spcAft>
+              <a:buNone/>
+            </a:pPr>
+            <a:r>
+              <a:t/>
+            </a:r>
+            <a:endParaRPr sz="1400">
+              <a:latin typeface="Arial"/>
+              <a:ea typeface="Arial"/>
+              <a:cs typeface="Arial"/>
+              <a:sym typeface="Arial"/>
+            </a:endParaRPr>
+          </a:p>
+          <a:p>
+            <a:pPr indent="0" lvl="0" marL="0">
+              <a:spcBef>
                 <a:spcPts val="1600"/>
+              </a:spcBef>
+              <a:spcAft>
+                <a:spcPts val="1600"/>
               </a:spcAft>
               <a:buNone/>
             </a:pPr>
+            <a:r>
+              <a:t/>
+            </a:r>
             <a:endParaRPr sz="1400">
               <a:latin typeface="Arial"/>
               <a:ea typeface="Arial"/>
@@ -8960,11 +8969,11 @@
 </file>
 
 <file path=ppt/slides/slide4.xml><?xml version="1.0" encoding="utf-8"?>
-<p:sld xmlns:a="http://schemas.openxmlformats.org/drawingml/2006/main" xmlns:r="http://schemas.openxmlformats.org/officeDocument/2006/relationships" xmlns:p="http://schemas.openxmlformats.org/presentationml/2006/main">
+<p:sld xmlns:a="http://schemas.openxmlformats.org/drawingml/2006/main" xmlns:r="http://schemas.openxmlformats.org/officeDocument/2006/relationships" xmlns:mc="http://schemas.openxmlformats.org/markup-compatibility/2006" xmlns:mv="urn:schemas-microsoft-com:mac:vml" xmlns:p="http://schemas.openxmlformats.org/presentationml/2006/main" xmlns:c="http://schemas.openxmlformats.org/drawingml/2006/chart" xmlns:dgm="http://schemas.openxmlformats.org/drawingml/2006/diagram" xmlns:o="urn:schemas-microsoft-com:office:office" xmlns:v="urn:schemas-microsoft-com:vml" xmlns:pvml="urn:schemas-microsoft-com:office:powerpoint" xmlns:com="http://schemas.openxmlformats.org/drawingml/2006/compatibility" xmlns:p14="http://schemas.microsoft.com/office/powerpoint/2010/main" xmlns:p15="http://schemas.microsoft.com/office/powerpoint/2012/main">
   <p:cSld>
     <p:spTree>
       <p:nvGrpSpPr>
-        <p:cNvPr id="1" name="Shape 151"/>
+        <p:cNvPr id="151" name="Shape 151"/>
         <p:cNvGrpSpPr/>
         <p:nvPr/>
       </p:nvGrpSpPr>
@@ -8979,9 +8988,7 @@
       <p:sp>
         <p:nvSpPr>
           <p:cNvPr id="152" name="Shape 152"/>
-          <p:cNvSpPr txBox="1">
-            <a:spLocks noGrp="1"/>
-          </p:cNvSpPr>
+          <p:cNvSpPr txBox="1"/>
           <p:nvPr>
             <p:ph type="title"/>
           </p:nvPr>
@@ -8996,12 +9003,12 @@
           </a:prstGeom>
         </p:spPr>
         <p:txBody>
-          <a:bodyPr wrap="square" lIns="91425" tIns="91425" rIns="91425" bIns="91425" anchor="t" anchorCtr="0">
+          <a:bodyPr anchorCtr="0" anchor="t" bIns="91425" lIns="91425" rIns="91425" wrap="square" tIns="91425">
             <a:noAutofit/>
           </a:bodyPr>
           <a:lstStyle/>
           <a:p>
-            <a:pPr marL="0" lvl="0" indent="0">
+            <a:pPr indent="0" lvl="0" marL="0">
               <a:spcBef>
                 <a:spcPts val="0"/>
               </a:spcBef>
@@ -9031,11 +9038,9 @@
       <p:sp>
         <p:nvSpPr>
           <p:cNvPr id="153" name="Shape 153"/>
-          <p:cNvSpPr txBox="1">
-            <a:spLocks noGrp="1"/>
-          </p:cNvSpPr>
+          <p:cNvSpPr txBox="1"/>
           <p:nvPr>
-            <p:ph type="body" idx="1"/>
+            <p:ph idx="1" type="body"/>
           </p:nvPr>
         </p:nvSpPr>
         <p:spPr>
@@ -9048,12 +9053,12 @@
           </a:prstGeom>
         </p:spPr>
         <p:txBody>
-          <a:bodyPr wrap="square" lIns="91425" tIns="91425" rIns="91425" bIns="91425" anchor="t" anchorCtr="0">
+          <a:bodyPr anchorCtr="0" anchor="t" bIns="91425" lIns="91425" rIns="91425" wrap="square" tIns="91425">
             <a:noAutofit/>
           </a:bodyPr>
           <a:lstStyle/>
           <a:p>
-            <a:pPr marL="457200" lvl="0" indent="-317500" rtl="0">
+            <a:pPr indent="-317500" lvl="0" marL="457200" rtl="0">
               <a:spcBef>
                 <a:spcPts val="0"/>
               </a:spcBef>
@@ -9081,7 +9086,7 @@
             </a:endParaRPr>
           </a:p>
           <a:p>
-            <a:pPr marL="457200" lvl="0" indent="-317500" rtl="0">
+            <a:pPr indent="-317500" lvl="0" marL="457200" rtl="0">
               <a:spcBef>
                 <a:spcPts val="0"/>
               </a:spcBef>
@@ -9099,7 +9104,7 @@
                 <a:cs typeface="Arial"/>
                 <a:sym typeface="Arial"/>
               </a:rPr>
-              <a:t>I had a problem with my functions interacting and bleeding information into each other. I was moving on to the next round of questions by nesting functions. I would call the 'next round' of questions as a function inside the previous one.</a:t>
+              <a:t>I had a problem with my functions interacting and bleeding information into each other. </a:t>
             </a:r>
             <a:endParaRPr sz="1400">
               <a:latin typeface="Arial"/>
@@ -9109,7 +9114,35 @@
             </a:endParaRPr>
           </a:p>
           <a:p>
-            <a:pPr marL="457200" lvl="0" indent="-317500" rtl="0">
+            <a:pPr indent="-317500" lvl="0" marL="457200" rtl="0">
+              <a:spcBef>
+                <a:spcPts val="0"/>
+              </a:spcBef>
+              <a:spcAft>
+                <a:spcPts val="0"/>
+              </a:spcAft>
+              <a:buSzPts val="1400"/>
+              <a:buFont typeface="Arial"/>
+              <a:buChar char="●"/>
+            </a:pPr>
+            <a:r>
+              <a:rPr lang="en" sz="1400">
+                <a:latin typeface="Arial"/>
+                <a:ea typeface="Arial"/>
+                <a:cs typeface="Arial"/>
+                <a:sym typeface="Arial"/>
+              </a:rPr>
+              <a:t>I was moving on to the next round of questions by nesting functions. I would call the 'next round' of questions as a function inside the previous one.</a:t>
+            </a:r>
+            <a:endParaRPr sz="1400">
+              <a:latin typeface="Arial"/>
+              <a:ea typeface="Arial"/>
+              <a:cs typeface="Arial"/>
+              <a:sym typeface="Arial"/>
+            </a:endParaRPr>
+          </a:p>
+          <a:p>
+            <a:pPr indent="-317500" lvl="0" marL="457200" rtl="0">
               <a:spcBef>
                 <a:spcPts val="0"/>
               </a:spcBef>
@@ -9137,7 +9170,7 @@
             </a:endParaRPr>
           </a:p>
           <a:p>
-            <a:pPr marL="457200" lvl="0" indent="-317500">
+            <a:pPr indent="-317500" lvl="0" marL="457200">
               <a:spcBef>
                 <a:spcPts val="0"/>
               </a:spcBef>
@@ -9175,11 +9208,11 @@
 </file>
 
 <file path=ppt/slides/slide5.xml><?xml version="1.0" encoding="utf-8"?>
-<p:sld xmlns:a="http://schemas.openxmlformats.org/drawingml/2006/main" xmlns:r="http://schemas.openxmlformats.org/officeDocument/2006/relationships" xmlns:p="http://schemas.openxmlformats.org/presentationml/2006/main">
+<p:sld xmlns:a="http://schemas.openxmlformats.org/drawingml/2006/main" xmlns:r="http://schemas.openxmlformats.org/officeDocument/2006/relationships" xmlns:mc="http://schemas.openxmlformats.org/markup-compatibility/2006" xmlns:mv="urn:schemas-microsoft-com:mac:vml" xmlns:p="http://schemas.openxmlformats.org/presentationml/2006/main" xmlns:c="http://schemas.openxmlformats.org/drawingml/2006/chart" xmlns:dgm="http://schemas.openxmlformats.org/drawingml/2006/diagram" xmlns:o="urn:schemas-microsoft-com:office:office" xmlns:v="urn:schemas-microsoft-com:vml" xmlns:pvml="urn:schemas-microsoft-com:office:powerpoint" xmlns:com="http://schemas.openxmlformats.org/drawingml/2006/compatibility" xmlns:p14="http://schemas.microsoft.com/office/powerpoint/2010/main" xmlns:p15="http://schemas.microsoft.com/office/powerpoint/2012/main">
   <p:cSld>
     <p:spTree>
       <p:nvGrpSpPr>
-        <p:cNvPr id="1" name="Shape 157"/>
+        <p:cNvPr id="157" name="Shape 157"/>
         <p:cNvGrpSpPr/>
         <p:nvPr/>
       </p:nvGrpSpPr>
@@ -9194,9 +9227,7 @@
       <p:sp>
         <p:nvSpPr>
           <p:cNvPr id="158" name="Shape 158"/>
-          <p:cNvSpPr txBox="1">
-            <a:spLocks noGrp="1"/>
-          </p:cNvSpPr>
+          <p:cNvSpPr txBox="1"/>
           <p:nvPr>
             <p:ph type="title"/>
           </p:nvPr>
@@ -9211,12 +9242,12 @@
           </a:prstGeom>
         </p:spPr>
         <p:txBody>
-          <a:bodyPr wrap="square" lIns="91425" tIns="91425" rIns="91425" bIns="91425" anchor="t" anchorCtr="0">
+          <a:bodyPr anchorCtr="0" anchor="t" bIns="91425" lIns="91425" rIns="91425" wrap="square" tIns="91425">
             <a:noAutofit/>
           </a:bodyPr>
           <a:lstStyle/>
           <a:p>
-            <a:pPr marL="0" lvl="0" indent="0">
+            <a:pPr indent="0" lvl="0" marL="0">
               <a:spcBef>
                 <a:spcPts val="0"/>
               </a:spcBef>
@@ -9242,7 +9273,7 @@
             </a:endParaRPr>
           </a:p>
           <a:p>
-            <a:pPr marL="0" lvl="0" indent="0">
+            <a:pPr indent="0" lvl="0" marL="0">
               <a:spcBef>
                 <a:spcPts val="0"/>
               </a:spcBef>
@@ -9251,6 +9282,9 @@
               </a:spcAft>
               <a:buNone/>
             </a:pPr>
+            <a:r>
+              <a:t/>
+            </a:r>
             <a:endParaRPr>
               <a:latin typeface="Arial"/>
               <a:ea typeface="Arial"/>
@@ -9263,11 +9297,9 @@
       <p:sp>
         <p:nvSpPr>
           <p:cNvPr id="159" name="Shape 159"/>
-          <p:cNvSpPr txBox="1">
-            <a:spLocks noGrp="1"/>
-          </p:cNvSpPr>
+          <p:cNvSpPr txBox="1"/>
           <p:nvPr>
-            <p:ph type="body" idx="1"/>
+            <p:ph idx="1" type="body"/>
           </p:nvPr>
         </p:nvSpPr>
         <p:spPr>
@@ -9280,12 +9312,12 @@
           </a:prstGeom>
         </p:spPr>
         <p:txBody>
-          <a:bodyPr wrap="square" lIns="91425" tIns="91425" rIns="91425" bIns="91425" anchor="t" anchorCtr="0">
+          <a:bodyPr anchorCtr="0" anchor="t" bIns="91425" lIns="91425" rIns="91425" wrap="square" tIns="91425">
             <a:noAutofit/>
           </a:bodyPr>
           <a:lstStyle/>
           <a:p>
-            <a:pPr marL="457200" lvl="0" indent="-317500" rtl="0">
+            <a:pPr indent="-317500" lvl="0" marL="457200" rtl="0">
               <a:spcBef>
                 <a:spcPts val="0"/>
               </a:spcBef>
@@ -9313,7 +9345,7 @@
             </a:endParaRPr>
           </a:p>
           <a:p>
-            <a:pPr marL="457200" lvl="0" indent="-317500" rtl="0">
+            <a:pPr indent="-317500" lvl="0" marL="457200" rtl="0">
               <a:spcBef>
                 <a:spcPts val="0"/>
               </a:spcBef>
@@ -9341,7 +9373,7 @@
             </a:endParaRPr>
           </a:p>
           <a:p>
-            <a:pPr marL="457200" lvl="0" indent="-317500" rtl="0">
+            <a:pPr indent="-317500" lvl="0" marL="457200" rtl="0">
               <a:spcBef>
                 <a:spcPts val="0"/>
               </a:spcBef>
@@ -9369,7 +9401,7 @@
             </a:endParaRPr>
           </a:p>
           <a:p>
-            <a:pPr marL="457200" lvl="0" indent="-317500" rtl="0">
+            <a:pPr indent="-317500" lvl="0" marL="457200" rtl="0">
               <a:spcBef>
                 <a:spcPts val="0"/>
               </a:spcBef>
@@ -9397,7 +9429,7 @@
             </a:endParaRPr>
           </a:p>
           <a:p>
-            <a:pPr marL="457200" lvl="0" indent="-317500" rtl="0">
+            <a:pPr indent="-317500" lvl="0" marL="457200" rtl="0">
               <a:spcBef>
                 <a:spcPts val="0"/>
               </a:spcBef>
@@ -9425,7 +9457,7 @@
             </a:endParaRPr>
           </a:p>
           <a:p>
-            <a:pPr marL="457200" lvl="0" indent="-317500">
+            <a:pPr indent="-317500" lvl="0" marL="457200">
               <a:spcBef>
                 <a:spcPts val="0"/>
               </a:spcBef>
@@ -9463,7 +9495,7 @@
 </file>
 
 <file path=ppt/theme/theme1.xml><?xml version="1.0" encoding="utf-8"?>
-<a:theme xmlns:a="http://schemas.openxmlformats.org/drawingml/2006/main" name="Focus">
+<a:theme xmlns:a="http://schemas.openxmlformats.org/drawingml/2006/main" xmlns:r="http://schemas.openxmlformats.org/officeDocument/2006/relationships" name="Focus">
   <a:themeElements>
     <a:clrScheme name="Focus">
       <a:dk1>
@@ -9738,13 +9770,11 @@
       </a:bgFillStyleLst>
     </a:fmtScheme>
   </a:themeElements>
-  <a:objectDefaults/>
-  <a:extraClrSchemeLst/>
 </a:theme>
 </file>
 
 <file path=ppt/theme/theme2.xml><?xml version="1.0" encoding="utf-8"?>
-<a:theme xmlns:a="http://schemas.openxmlformats.org/drawingml/2006/main" name="Custom Theme">
+<a:theme xmlns:a="http://schemas.openxmlformats.org/drawingml/2006/main" xmlns:r="http://schemas.openxmlformats.org/officeDocument/2006/relationships" name="Custom Theme">
   <a:themeElements>
     <a:clrScheme name="Default">
       <a:dk1>
@@ -10019,7 +10049,5 @@
       </a:bgFillStyleLst>
     </a:fmtScheme>
   </a:themeElements>
-  <a:objectDefaults/>
-  <a:extraClrSchemeLst/>
 </a:theme>
 </file>
--- a/project1.pptx
+++ b/project1.pptx
@@ -1,6 +1,6 @@
 
 <file path=ppt/presentation.xml><?xml version="1.0" encoding="utf-8"?>
-<p:presentation xmlns:a="http://schemas.openxmlformats.org/drawingml/2006/main" xmlns:r="http://schemas.openxmlformats.org/officeDocument/2006/relationships" xmlns:mc="http://schemas.openxmlformats.org/markup-compatibility/2006" xmlns:mv="urn:schemas-microsoft-com:mac:vml" xmlns:p="http://schemas.openxmlformats.org/presentationml/2006/main" xmlns:c="http://schemas.openxmlformats.org/drawingml/2006/chart" xmlns:dgm="http://schemas.openxmlformats.org/drawingml/2006/diagram" xmlns:o="urn:schemas-microsoft-com:office:office" xmlns:v="urn:schemas-microsoft-com:vml" xmlns:pvml="urn:schemas-microsoft-com:office:powerpoint" xmlns:com="http://schemas.openxmlformats.org/drawingml/2006/compatibility" xmlns:p14="http://schemas.microsoft.com/office/powerpoint/2010/main" xmlns:p15="http://schemas.microsoft.com/office/powerpoint/2012/main" autoCompressPictures="0" embedTrueTypeFonts="1" strictFirstAndLastChars="0" saveSubsetFonts="1">
+<p:presentation xmlns:a="http://schemas.openxmlformats.org/drawingml/2006/main" xmlns:r="http://schemas.openxmlformats.org/officeDocument/2006/relationships" xmlns:mc="http://schemas.openxmlformats.org/markup-compatibility/2006" xmlns:mv="urn:schemas-microsoft-com:mac:vml" xmlns:p="http://schemas.openxmlformats.org/presentationml/2006/main" xmlns:c="http://schemas.openxmlformats.org/drawingml/2006/chart" xmlns:dgm="http://schemas.openxmlformats.org/drawingml/2006/diagram" xmlns:o="urn:schemas-microsoft-com:office:office" xmlns:v="urn:schemas-microsoft-com:vml" xmlns:pvml="urn:schemas-microsoft-com:office:powerpoint" xmlns:com="http://schemas.openxmlformats.org/drawingml/2006/compatibility" xmlns:p14="http://schemas.microsoft.com/office/powerpoint/2010/main" xmlns:p15="http://schemas.microsoft.com/office/powerpoint/2012/main" autoCompressPictures="0" strictFirstAndLastChars="0" saveSubsetFonts="1">
   <p:sldMasterIdLst>
     <p:sldMasterId id="2147483659" r:id="rId3"/>
   </p:sldMasterIdLst>
@@ -16,22 +16,6 @@
   </p:sldIdLst>
   <p:sldSz cy="5143500" cx="9144000"/>
   <p:notesSz cx="6858000" cy="9144000"/>
-  <p:embeddedFontLst>
-    <p:embeddedFont>
-      <p:font typeface="Montserrat"/>
-      <p:regular r:id="rId10"/>
-      <p:bold r:id="rId11"/>
-      <p:italic r:id="rId12"/>
-      <p:boldItalic r:id="rId13"/>
-    </p:embeddedFont>
-    <p:embeddedFont>
-      <p:font typeface="Lato"/>
-      <p:regular r:id="rId14"/>
-      <p:bold r:id="rId15"/>
-      <p:italic r:id="rId16"/>
-      <p:boldItalic r:id="rId17"/>
-    </p:embeddedFont>
-  </p:embeddedFontLst>
   <p:defaultTextStyle>
     <a:defPPr lvl="0" marR="0" rtl="0" algn="l">
       <a:lnSpc>
